--- a/materials/slides/ch16.pptx
+++ b/materials/slides/ch16.pptx
@@ -9,10 +9,7 @@
   </p:notesMasterIdLst>
   <p:sldIdLst>
     <p:sldId id="1152" r:id="rId3"/>
-    <p:sldId id="884" r:id="rId5"/>
-    <p:sldId id="1155" r:id="rId6"/>
-    <p:sldId id="1156" r:id="rId7"/>
-    <p:sldId id="1153" r:id="rId8"/>
+    <p:sldId id="1153" r:id="rId5"/>
   </p:sldIdLst>
   <p:sldSz cx="12192000" cy="6858000"/>
   <p:notesSz cx="6797675" cy="9928225"/>
@@ -2108,20 +2105,8 @@
               <a:t>---</a:t>
             </a:r>
             <a:r>
-              <a:rPr lang="zh-CN" dirty="0"/>
-              <a:t>绘图</a:t>
-            </a:r>
-            <a:r>
-              <a:rPr dirty="0"/>
-              <a:t>框架（D3.js</a:t>
-            </a:r>
-            <a:r>
-              <a:rPr lang="zh-CN" dirty="0"/>
-              <a:t>、</a:t>
-            </a:r>
-            <a:r>
-              <a:rPr dirty="0"/>
-              <a:t>Three.js)</a:t>
+              <a:rPr lang="en-US" dirty="0"/>
+              <a:t>Cocos Creator</a:t>
             </a:r>
             <a:endParaRPr dirty="0"/>
           </a:p>
@@ -2198,985 +2183,6 @@
 </file>
 
 <file path=ppt/slides/slide2.xml><?xml version="1.0" encoding="utf-8"?>
-<p:sld xmlns:a="http://schemas.openxmlformats.org/drawingml/2006/main" xmlns:r="http://schemas.openxmlformats.org/officeDocument/2006/relationships" xmlns:p="http://schemas.openxmlformats.org/presentationml/2006/main">
-  <p:cSld>
-    <p:spTree>
-      <p:nvGrpSpPr>
-        <p:cNvPr id="1" name=""/>
-        <p:cNvGrpSpPr/>
-        <p:nvPr/>
-      </p:nvGrpSpPr>
-      <p:grpSpPr>
-        <a:xfrm>
-          <a:off x="0" y="0"/>
-          <a:ext cx="0" cy="0"/>
-          <a:chOff x="0" y="0"/>
-          <a:chExt cx="0" cy="0"/>
-        </a:xfrm>
-      </p:grpSpPr>
-      <p:sp>
-        <p:nvSpPr>
-          <p:cNvPr id="3" name="内容占位符 2"/>
-          <p:cNvSpPr>
-            <a:spLocks noGrp="1"/>
-          </p:cNvSpPr>
-          <p:nvPr/>
-        </p:nvSpPr>
-        <p:spPr>
-          <a:xfrm>
-            <a:off x="947204" y="236943"/>
-            <a:ext cx="8191557" cy="490476"/>
-          </a:xfrm>
-          <a:prstGeom prst="rect">
-            <a:avLst/>
-          </a:prstGeom>
-        </p:spPr>
-        <p:txBody>
-          <a:bodyPr/>
-          <a:lstStyle>
-            <a:lvl1pPr marL="167005" indent="-167005" algn="l" defTabSz="0" rtl="0" eaLnBrk="0" fontAlgn="base" hangingPunct="0">
-              <a:spcBef>
-                <a:spcPct val="0"/>
-              </a:spcBef>
-              <a:spcAft>
-                <a:spcPct val="15000"/>
-              </a:spcAft>
-              <a:buClr>
-                <a:schemeClr val="tx2"/>
-              </a:buClr>
-              <a:buFont typeface="Arial" panose="020B0604020202020204" pitchFamily="34" charset="0"/>
-              <a:buNone/>
-              <a:defRPr sz="3200" b="0">
-                <a:solidFill>
-                  <a:srgbClr val="C00000"/>
-                </a:solidFill>
-                <a:latin typeface="微软雅黑" panose="020B0503020204020204" pitchFamily="34" charset="-122"/>
-                <a:ea typeface="微软雅黑" panose="020B0503020204020204" pitchFamily="34" charset="-122"/>
-                <a:cs typeface="+mn-cs"/>
-              </a:defRPr>
-            </a:lvl1pPr>
-            <a:lvl2pPr marL="398780" indent="-230505" algn="l" defTabSz="0" rtl="0" eaLnBrk="0" fontAlgn="base" hangingPunct="0">
-              <a:spcBef>
-                <a:spcPct val="0"/>
-              </a:spcBef>
-              <a:spcAft>
-                <a:spcPct val="15000"/>
-              </a:spcAft>
-              <a:buClr>
-                <a:schemeClr val="tx2"/>
-              </a:buClr>
-              <a:buFont typeface="Arial" panose="020B0604020202020204" pitchFamily="34" charset="0"/>
-              <a:buChar char="–"/>
-              <a:defRPr sz="2000">
-                <a:solidFill>
-                  <a:schemeClr val="tx1"/>
-                </a:solidFill>
-                <a:latin typeface="微软雅黑" panose="020B0503020204020204" pitchFamily="34" charset="-122"/>
-                <a:ea typeface="微软雅黑" panose="020B0503020204020204" pitchFamily="34" charset="-122"/>
-              </a:defRPr>
-            </a:lvl2pPr>
-            <a:lvl3pPr marL="400050" indent="182880" algn="l" defTabSz="0" rtl="0" eaLnBrk="0" fontAlgn="base" hangingPunct="0">
-              <a:spcBef>
-                <a:spcPct val="0"/>
-              </a:spcBef>
-              <a:spcAft>
-                <a:spcPct val="15000"/>
-              </a:spcAft>
-              <a:buClr>
-                <a:schemeClr val="tx2"/>
-              </a:buClr>
-              <a:buFont typeface="Arial" panose="020B0604020202020204" pitchFamily="34" charset="0"/>
-              <a:buChar char="•"/>
-              <a:defRPr sz="1600">
-                <a:solidFill>
-                  <a:schemeClr val="tx1"/>
-                </a:solidFill>
-                <a:latin typeface="微软雅黑" panose="020B0503020204020204" pitchFamily="34" charset="-122"/>
-                <a:ea typeface="微软雅黑" panose="020B0503020204020204" pitchFamily="34" charset="-122"/>
-              </a:defRPr>
-            </a:lvl3pPr>
-            <a:lvl4pPr marL="825500" indent="-241300" algn="l" defTabSz="0" rtl="0" eaLnBrk="0" fontAlgn="base" hangingPunct="0">
-              <a:spcBef>
-                <a:spcPct val="0"/>
-              </a:spcBef>
-              <a:spcAft>
-                <a:spcPct val="15000"/>
-              </a:spcAft>
-              <a:buClr>
-                <a:schemeClr val="tx2"/>
-              </a:buClr>
-              <a:buFont typeface="Arial" panose="020B0604020202020204" pitchFamily="34" charset="0"/>
-              <a:buChar char="–"/>
-              <a:defRPr sz="1600">
-                <a:solidFill>
-                  <a:schemeClr val="tx1"/>
-                </a:solidFill>
-                <a:latin typeface="微软雅黑" panose="020B0503020204020204" pitchFamily="34" charset="-122"/>
-                <a:ea typeface="微软雅黑" panose="020B0503020204020204" pitchFamily="34" charset="-122"/>
-              </a:defRPr>
-            </a:lvl4pPr>
-            <a:lvl5pPr marL="2057400" indent="-228600" algn="l" defTabSz="0" rtl="0" eaLnBrk="0" fontAlgn="base" hangingPunct="0">
-              <a:spcBef>
-                <a:spcPct val="0"/>
-              </a:spcBef>
-              <a:spcAft>
-                <a:spcPct val="25000"/>
-              </a:spcAft>
-              <a:buClr>
-                <a:schemeClr val="tx2"/>
-              </a:buClr>
-              <a:buFont typeface="Arial" panose="020B0604020202020204" pitchFamily="34" charset="0"/>
-              <a:buChar char="–"/>
-              <a:defRPr sz="2000">
-                <a:solidFill>
-                  <a:schemeClr val="tx1"/>
-                </a:solidFill>
-                <a:latin typeface="+mn-lt"/>
-                <a:ea typeface="微软雅黑" panose="020B0503020204020204" pitchFamily="34" charset="-122"/>
-              </a:defRPr>
-            </a:lvl5pPr>
-            <a:lvl6pPr marL="2514600" indent="-228600" algn="l" defTabSz="0" rtl="0" eaLnBrk="0" fontAlgn="base" hangingPunct="0">
-              <a:spcBef>
-                <a:spcPct val="0"/>
-              </a:spcBef>
-              <a:spcAft>
-                <a:spcPct val="25000"/>
-              </a:spcAft>
-              <a:buClr>
-                <a:schemeClr val="tx2"/>
-              </a:buClr>
-              <a:buFont typeface="Arial" panose="020B0604020202020204" pitchFamily="34" charset="0"/>
-              <a:buChar char="–"/>
-              <a:defRPr>
-                <a:solidFill>
-                  <a:schemeClr val="tx1"/>
-                </a:solidFill>
-                <a:latin typeface="+mn-lt"/>
-              </a:defRPr>
-            </a:lvl6pPr>
-            <a:lvl7pPr marL="2971800" indent="-228600" algn="l" defTabSz="0" rtl="0" eaLnBrk="0" fontAlgn="base" hangingPunct="0">
-              <a:spcBef>
-                <a:spcPct val="0"/>
-              </a:spcBef>
-              <a:spcAft>
-                <a:spcPct val="25000"/>
-              </a:spcAft>
-              <a:buClr>
-                <a:schemeClr val="tx2"/>
-              </a:buClr>
-              <a:buFont typeface="Arial" panose="020B0604020202020204" pitchFamily="34" charset="0"/>
-              <a:buChar char="–"/>
-              <a:defRPr>
-                <a:solidFill>
-                  <a:schemeClr val="tx1"/>
-                </a:solidFill>
-                <a:latin typeface="+mn-lt"/>
-              </a:defRPr>
-            </a:lvl7pPr>
-            <a:lvl8pPr marL="3429000" indent="-228600" algn="l" defTabSz="0" rtl="0" eaLnBrk="0" fontAlgn="base" hangingPunct="0">
-              <a:spcBef>
-                <a:spcPct val="0"/>
-              </a:spcBef>
-              <a:spcAft>
-                <a:spcPct val="25000"/>
-              </a:spcAft>
-              <a:buClr>
-                <a:schemeClr val="tx2"/>
-              </a:buClr>
-              <a:buFont typeface="Arial" panose="020B0604020202020204" pitchFamily="34" charset="0"/>
-              <a:buChar char="–"/>
-              <a:defRPr>
-                <a:solidFill>
-                  <a:schemeClr val="tx1"/>
-                </a:solidFill>
-                <a:latin typeface="+mn-lt"/>
-              </a:defRPr>
-            </a:lvl8pPr>
-            <a:lvl9pPr marL="3886200" indent="-228600" algn="l" defTabSz="0" rtl="0" eaLnBrk="0" fontAlgn="base" hangingPunct="0">
-              <a:spcBef>
-                <a:spcPct val="0"/>
-              </a:spcBef>
-              <a:spcAft>
-                <a:spcPct val="25000"/>
-              </a:spcAft>
-              <a:buClr>
-                <a:schemeClr val="tx2"/>
-              </a:buClr>
-              <a:buFont typeface="Arial" panose="020B0604020202020204" pitchFamily="34" charset="0"/>
-              <a:buChar char="–"/>
-              <a:defRPr>
-                <a:solidFill>
-                  <a:schemeClr val="tx1"/>
-                </a:solidFill>
-                <a:latin typeface="+mn-lt"/>
-              </a:defRPr>
-            </a:lvl9pPr>
-          </a:lstStyle>
-          <a:p>
-            <a:r>
-              <a:rPr lang="zh-CN" dirty="0" smtClean="0"/>
-              <a:t>内容刚要</a:t>
-            </a:r>
-            <a:endParaRPr lang="zh-CN" dirty="0" smtClean="0"/>
-          </a:p>
-        </p:txBody>
-      </p:sp>
-      <p:sp>
-        <p:nvSpPr>
-          <p:cNvPr id="4" name="AutoShape 6"/>
-          <p:cNvSpPr>
-            <a:spLocks noChangeArrowheads="1"/>
-          </p:cNvSpPr>
-          <p:nvPr/>
-        </p:nvSpPr>
-        <p:spPr bwMode="auto">
-          <a:xfrm>
-            <a:off x="2739708" y="1261111"/>
-            <a:ext cx="6711950" cy="4214813"/>
-          </a:xfrm>
-          <a:prstGeom prst="roundRect">
-            <a:avLst>
-              <a:gd name="adj" fmla="val 16667"/>
-            </a:avLst>
-          </a:prstGeom>
-          <a:noFill/>
-          <a:ln w="28575">
-            <a:solidFill>
-              <a:srgbClr val="C0C0C0"/>
-            </a:solidFill>
-            <a:prstDash val="sysDot"/>
-            <a:round/>
-          </a:ln>
-          <a:extLst>
-            <a:ext uri="{909E8E84-426E-40DD-AFC4-6F175D3DCCD1}">
-              <a14:hiddenFill xmlns:a14="http://schemas.microsoft.com/office/drawing/2010/main">
-                <a:solidFill>
-                  <a:srgbClr val="FFFFFF"/>
-                </a:solidFill>
-              </a14:hiddenFill>
-            </a:ext>
-          </a:extLst>
-        </p:spPr>
-        <p:txBody>
-          <a:bodyPr wrap="none" anchor="ctr"/>
-          <a:lstStyle>
-            <a:lvl1pPr marL="457200" indent="-457200">
-              <a:defRPr sz="3200">
-                <a:solidFill>
-                  <a:schemeClr val="tx1"/>
-                </a:solidFill>
-                <a:latin typeface="Arial" panose="020B0604020202020204" pitchFamily="34" charset="0"/>
-                <a:ea typeface="微软雅黑" panose="020B0503020204020204" pitchFamily="34" charset="-122"/>
-              </a:defRPr>
-            </a:lvl1pPr>
-            <a:lvl2pPr marL="742950" indent="-285750">
-              <a:defRPr sz="3200">
-                <a:solidFill>
-                  <a:schemeClr val="tx1"/>
-                </a:solidFill>
-                <a:latin typeface="Arial" panose="020B0604020202020204" pitchFamily="34" charset="0"/>
-                <a:ea typeface="微软雅黑" panose="020B0503020204020204" pitchFamily="34" charset="-122"/>
-              </a:defRPr>
-            </a:lvl2pPr>
-            <a:lvl3pPr marL="1143000" indent="-228600">
-              <a:defRPr sz="3200">
-                <a:solidFill>
-                  <a:schemeClr val="tx1"/>
-                </a:solidFill>
-                <a:latin typeface="Arial" panose="020B0604020202020204" pitchFamily="34" charset="0"/>
-                <a:ea typeface="微软雅黑" panose="020B0503020204020204" pitchFamily="34" charset="-122"/>
-              </a:defRPr>
-            </a:lvl3pPr>
-            <a:lvl4pPr marL="1600200" indent="-228600">
-              <a:defRPr sz="3200">
-                <a:solidFill>
-                  <a:schemeClr val="tx1"/>
-                </a:solidFill>
-                <a:latin typeface="Arial" panose="020B0604020202020204" pitchFamily="34" charset="0"/>
-                <a:ea typeface="微软雅黑" panose="020B0503020204020204" pitchFamily="34" charset="-122"/>
-              </a:defRPr>
-            </a:lvl4pPr>
-            <a:lvl5pPr marL="2057400" indent="-228600">
-              <a:defRPr sz="3200">
-                <a:solidFill>
-                  <a:schemeClr val="tx1"/>
-                </a:solidFill>
-                <a:latin typeface="Arial" panose="020B0604020202020204" pitchFamily="34" charset="0"/>
-                <a:ea typeface="微软雅黑" panose="020B0503020204020204" pitchFamily="34" charset="-122"/>
-              </a:defRPr>
-            </a:lvl5pPr>
-            <a:lvl6pPr marL="2514600" indent="-228600" eaLnBrk="0" fontAlgn="base" hangingPunct="0">
-              <a:spcBef>
-                <a:spcPct val="0"/>
-              </a:spcBef>
-              <a:spcAft>
-                <a:spcPct val="0"/>
-              </a:spcAft>
-              <a:defRPr sz="3200">
-                <a:solidFill>
-                  <a:schemeClr val="tx1"/>
-                </a:solidFill>
-                <a:latin typeface="Arial" panose="020B0604020202020204" pitchFamily="34" charset="0"/>
-                <a:ea typeface="微软雅黑" panose="020B0503020204020204" pitchFamily="34" charset="-122"/>
-              </a:defRPr>
-            </a:lvl6pPr>
-            <a:lvl7pPr marL="2971800" indent="-228600" eaLnBrk="0" fontAlgn="base" hangingPunct="0">
-              <a:spcBef>
-                <a:spcPct val="0"/>
-              </a:spcBef>
-              <a:spcAft>
-                <a:spcPct val="0"/>
-              </a:spcAft>
-              <a:defRPr sz="3200">
-                <a:solidFill>
-                  <a:schemeClr val="tx1"/>
-                </a:solidFill>
-                <a:latin typeface="Arial" panose="020B0604020202020204" pitchFamily="34" charset="0"/>
-                <a:ea typeface="微软雅黑" panose="020B0503020204020204" pitchFamily="34" charset="-122"/>
-              </a:defRPr>
-            </a:lvl7pPr>
-            <a:lvl8pPr marL="3429000" indent="-228600" eaLnBrk="0" fontAlgn="base" hangingPunct="0">
-              <a:spcBef>
-                <a:spcPct val="0"/>
-              </a:spcBef>
-              <a:spcAft>
-                <a:spcPct val="0"/>
-              </a:spcAft>
-              <a:defRPr sz="3200">
-                <a:solidFill>
-                  <a:schemeClr val="tx1"/>
-                </a:solidFill>
-                <a:latin typeface="Arial" panose="020B0604020202020204" pitchFamily="34" charset="0"/>
-                <a:ea typeface="微软雅黑" panose="020B0503020204020204" pitchFamily="34" charset="-122"/>
-              </a:defRPr>
-            </a:lvl8pPr>
-            <a:lvl9pPr marL="3886200" indent="-228600" eaLnBrk="0" fontAlgn="base" hangingPunct="0">
-              <a:spcBef>
-                <a:spcPct val="0"/>
-              </a:spcBef>
-              <a:spcAft>
-                <a:spcPct val="0"/>
-              </a:spcAft>
-              <a:defRPr sz="3200">
-                <a:solidFill>
-                  <a:schemeClr val="tx1"/>
-                </a:solidFill>
-                <a:latin typeface="Arial" panose="020B0604020202020204" pitchFamily="34" charset="0"/>
-                <a:ea typeface="微软雅黑" panose="020B0503020204020204" pitchFamily="34" charset="-122"/>
-              </a:defRPr>
-            </a:lvl9pPr>
-          </a:lstStyle>
-          <a:p>
-            <a:pPr algn="l">
-              <a:lnSpc>
-                <a:spcPct val="150000"/>
-              </a:lnSpc>
-              <a:spcBef>
-                <a:spcPts val="1200"/>
-              </a:spcBef>
-              <a:spcAft>
-                <a:spcPts val="1200"/>
-              </a:spcAft>
-              <a:buClr>
-                <a:srgbClr val="92D050"/>
-              </a:buClr>
-              <a:buFont typeface="Wingdings" panose="05000000000000000000" pitchFamily="2" charset="2"/>
-              <a:buChar char="Ø"/>
-            </a:pPr>
-            <a:r>
-              <a:rPr lang="en-US" altLang="zh-CN" sz="2800" b="1"/>
-              <a:t>EaselJS</a:t>
-            </a:r>
-            <a:r>
-              <a:rPr lang="zh-CN" altLang="en-US" sz="2800" b="1"/>
-              <a:t>（</a:t>
-            </a:r>
-            <a:r>
-              <a:rPr lang="en-US" altLang="zh-CN" sz="2800" b="1"/>
-              <a:t>Canvas</a:t>
-            </a:r>
-            <a:r>
-              <a:rPr lang="zh-CN" altLang="en-US" sz="2800" b="1"/>
-              <a:t>）</a:t>
-            </a:r>
-            <a:endParaRPr lang="zh-CN" altLang="en-US" sz="2800" b="1"/>
-          </a:p>
-          <a:p>
-            <a:pPr algn="l">
-              <a:lnSpc>
-                <a:spcPct val="150000"/>
-              </a:lnSpc>
-              <a:spcBef>
-                <a:spcPts val="1200"/>
-              </a:spcBef>
-              <a:spcAft>
-                <a:spcPts val="1200"/>
-              </a:spcAft>
-              <a:buClr>
-                <a:srgbClr val="92D050"/>
-              </a:buClr>
-              <a:buFont typeface="Wingdings" panose="05000000000000000000" pitchFamily="2" charset="2"/>
-              <a:buChar char="Ø"/>
-            </a:pPr>
-            <a:r>
-              <a:rPr lang="en-US" altLang="zh-CN" sz="2800" b="1">
-                <a:sym typeface="+mn-ea"/>
-              </a:rPr>
-              <a:t>D3.js</a:t>
-            </a:r>
-            <a:r>
-              <a:rPr lang="zh-CN" altLang="en-US" sz="2800" b="1">
-                <a:sym typeface="+mn-ea"/>
-              </a:rPr>
-              <a:t>（</a:t>
-            </a:r>
-            <a:r>
-              <a:rPr lang="en-US" altLang="zh-CN" sz="2800" b="1">
-                <a:sym typeface="+mn-ea"/>
-              </a:rPr>
-              <a:t>SVG</a:t>
-            </a:r>
-            <a:r>
-              <a:rPr lang="zh-CN" altLang="en-US" sz="2800" b="1">
-                <a:sym typeface="+mn-ea"/>
-              </a:rPr>
-              <a:t>）</a:t>
-            </a:r>
-            <a:endParaRPr lang="zh-CN" altLang="en-US" sz="2800" b="1">
-              <a:sym typeface="+mn-ea"/>
-            </a:endParaRPr>
-          </a:p>
-          <a:p>
-            <a:pPr algn="l">
-              <a:lnSpc>
-                <a:spcPct val="150000"/>
-              </a:lnSpc>
-              <a:spcBef>
-                <a:spcPts val="1200"/>
-              </a:spcBef>
-              <a:spcAft>
-                <a:spcPts val="1200"/>
-              </a:spcAft>
-              <a:buClr>
-                <a:srgbClr val="92D050"/>
-              </a:buClr>
-              <a:buFont typeface="Wingdings" panose="05000000000000000000" pitchFamily="2" charset="2"/>
-              <a:buChar char="Ø"/>
-            </a:pPr>
-            <a:r>
-              <a:rPr lang="en-US" altLang="zh-CN" sz="2800" b="1">
-                <a:sym typeface="+mn-ea"/>
-              </a:rPr>
-              <a:t>Three.js</a:t>
-            </a:r>
-            <a:r>
-              <a:rPr lang="zh-CN" altLang="en-US" sz="2800" b="1"/>
-              <a:t> （</a:t>
-            </a:r>
-            <a:r>
-              <a:rPr lang="en-US" altLang="zh-CN" sz="2800" b="1"/>
-              <a:t>WebGL</a:t>
-            </a:r>
-            <a:r>
-              <a:rPr lang="zh-CN" altLang="en-US" sz="2800" b="1"/>
-              <a:t>）</a:t>
-            </a:r>
-            <a:endParaRPr lang="zh-CN" altLang="en-US" sz="2800" b="1"/>
-          </a:p>
-        </p:txBody>
-      </p:sp>
-    </p:spTree>
-  </p:cSld>
-  <p:clrMapOvr>
-    <a:masterClrMapping/>
-  </p:clrMapOvr>
-  <p:timing>
-    <p:tnLst>
-      <p:par>
-        <p:cTn id="1" dur="indefinite" restart="never" nodeType="tmRoot"/>
-      </p:par>
-    </p:tnLst>
-  </p:timing>
-</p:sld>
-</file>
-
-<file path=ppt/slides/slide3.xml><?xml version="1.0" encoding="utf-8"?>
-<p:sld xmlns:a="http://schemas.openxmlformats.org/drawingml/2006/main" xmlns:r="http://schemas.openxmlformats.org/officeDocument/2006/relationships" xmlns:p="http://schemas.openxmlformats.org/presentationml/2006/main">
-  <p:cSld>
-    <p:spTree>
-      <p:nvGrpSpPr>
-        <p:cNvPr id="1" name=""/>
-        <p:cNvGrpSpPr/>
-        <p:nvPr/>
-      </p:nvGrpSpPr>
-      <p:grpSpPr>
-        <a:xfrm>
-          <a:off x="0" y="0"/>
-          <a:ext cx="0" cy="0"/>
-          <a:chOff x="0" y="0"/>
-          <a:chExt cx="0" cy="0"/>
-        </a:xfrm>
-      </p:grpSpPr>
-      <p:sp>
-        <p:nvSpPr>
-          <p:cNvPr id="5122" name="内容占位符 2"/>
-          <p:cNvSpPr>
-            <a:spLocks noGrp="1"/>
-          </p:cNvSpPr>
-          <p:nvPr>
-            <p:ph idx="1"/>
-          </p:nvPr>
-        </p:nvSpPr>
-        <p:spPr>
-          <a:xfrm>
-            <a:off x="968375" y="829945"/>
-            <a:ext cx="9882505" cy="5250815"/>
-          </a:xfrm>
-        </p:spPr>
-        <p:txBody>
-          <a:bodyPr/>
-          <a:lstStyle/>
-          <a:p>
-            <a:pPr>
-              <a:lnSpc>
-                <a:spcPct val="150000"/>
-              </a:lnSpc>
-              <a:spcBef>
-                <a:spcPts val="1000"/>
-              </a:spcBef>
-            </a:pPr>
-            <a:r>
-              <a:rPr sz="2400" noProof="1">
-                <a:sym typeface="+mn-ea"/>
-              </a:rPr>
-              <a:t>EaselJS</a:t>
-            </a:r>
-            <a:endParaRPr sz="2400" noProof="1">
-              <a:sym typeface="+mn-ea"/>
-            </a:endParaRPr>
-          </a:p>
-          <a:p>
-            <a:pPr>
-              <a:lnSpc>
-                <a:spcPct val="150000"/>
-              </a:lnSpc>
-              <a:spcBef>
-                <a:spcPts val="1000"/>
-              </a:spcBef>
-            </a:pPr>
-            <a:r>
-              <a:rPr sz="2400" noProof="1">
-                <a:sym typeface="+mn-ea"/>
-              </a:rPr>
-              <a:t>fabric.js</a:t>
-            </a:r>
-            <a:endParaRPr sz="2400" noProof="1">
-              <a:sym typeface="+mn-ea"/>
-            </a:endParaRPr>
-          </a:p>
-          <a:p>
-            <a:pPr>
-              <a:lnSpc>
-                <a:spcPct val="150000"/>
-              </a:lnSpc>
-              <a:spcBef>
-                <a:spcPts val="1000"/>
-              </a:spcBef>
-            </a:pPr>
-            <a:r>
-              <a:rPr sz="2400" noProof="1">
-                <a:sym typeface="+mn-ea"/>
-              </a:rPr>
-              <a:t>Paper.js</a:t>
-            </a:r>
-            <a:endParaRPr sz="2400" noProof="1">
-              <a:sym typeface="+mn-ea"/>
-            </a:endParaRPr>
-          </a:p>
-          <a:p>
-            <a:pPr>
-              <a:lnSpc>
-                <a:spcPct val="150000"/>
-              </a:lnSpc>
-              <a:spcBef>
-                <a:spcPts val="1000"/>
-              </a:spcBef>
-            </a:pPr>
-            <a:r>
-              <a:rPr sz="2400" noProof="1">
-                <a:sym typeface="+mn-ea"/>
-              </a:rPr>
-              <a:t>processing.js</a:t>
-            </a:r>
-            <a:endParaRPr sz="2400" noProof="1">
-              <a:sym typeface="+mn-ea"/>
-            </a:endParaRPr>
-          </a:p>
-          <a:p>
-            <a:pPr>
-              <a:lnSpc>
-                <a:spcPct val="150000"/>
-              </a:lnSpc>
-              <a:spcBef>
-                <a:spcPts val="1000"/>
-              </a:spcBef>
-            </a:pPr>
-            <a:r>
-              <a:rPr sz="2400" noProof="1">
-                <a:sym typeface="+mn-ea"/>
-              </a:rPr>
-              <a:t>Kinetic.js</a:t>
-            </a:r>
-            <a:endParaRPr sz="2400" noProof="1">
-              <a:sym typeface="+mn-ea"/>
-            </a:endParaRPr>
-          </a:p>
-          <a:p>
-            <a:pPr marL="0" indent="0">
-              <a:lnSpc>
-                <a:spcPct val="150000"/>
-              </a:lnSpc>
-              <a:spcBef>
-                <a:spcPts val="1000"/>
-              </a:spcBef>
-              <a:buNone/>
-            </a:pPr>
-            <a:endParaRPr sz="2400" noProof="1">
-              <a:sym typeface="+mn-ea"/>
-            </a:endParaRPr>
-          </a:p>
-          <a:p>
-            <a:pPr marL="0" indent="0">
-              <a:buFont typeface="Wingdings 2" panose="05020102010507070707" pitchFamily="18" charset="2"/>
-              <a:buNone/>
-            </a:pPr>
-            <a:endParaRPr lang="en-US" altLang="zh-CN" noProof="1">
-              <a:solidFill>
-                <a:schemeClr val="tx1"/>
-              </a:solidFill>
-              <a:latin typeface="微软雅黑" panose="020B0503020204020204" pitchFamily="34" charset="-122"/>
-              <a:ea typeface="微软雅黑" panose="020B0503020204020204" pitchFamily="34" charset="-122"/>
-            </a:endParaRPr>
-          </a:p>
-        </p:txBody>
-      </p:sp>
-      <p:sp>
-        <p:nvSpPr>
-          <p:cNvPr id="2" name="内容占位符 1"/>
-          <p:cNvSpPr>
-            <a:spLocks noGrp="1"/>
-          </p:cNvSpPr>
-          <p:nvPr>
-            <p:ph sz="quarter" idx="11"/>
-          </p:nvPr>
-        </p:nvSpPr>
-        <p:spPr>
-          <a:xfrm>
-            <a:off x="947420" y="236855"/>
-            <a:ext cx="8415655" cy="490220"/>
-          </a:xfrm>
-        </p:spPr>
-        <p:txBody>
-          <a:bodyPr/>
-          <a:p>
-            <a:pPr algn="l">
-              <a:buNone/>
-            </a:pPr>
-            <a:r>
-              <a:rPr kumimoji="0" lang="en-US" sz="3200" dirty="0">
-                <a:solidFill>
-                  <a:srgbClr val="C00000"/>
-                </a:solidFill>
-                <a:cs typeface="+mn-cs"/>
-              </a:rPr>
-              <a:t>Canvas </a:t>
-            </a:r>
-            <a:r>
-              <a:rPr kumimoji="0" lang="zh-CN" altLang="en-US" sz="3200" dirty="0">
-                <a:solidFill>
-                  <a:srgbClr val="C00000"/>
-                </a:solidFill>
-                <a:cs typeface="+mn-cs"/>
-              </a:rPr>
-              <a:t>绘图引擎</a:t>
-            </a:r>
-            <a:endParaRPr kumimoji="0" lang="zh-CN" altLang="en-US" sz="3200" dirty="0">
-              <a:solidFill>
-                <a:srgbClr val="C00000"/>
-              </a:solidFill>
-              <a:cs typeface="+mn-cs"/>
-            </a:endParaRPr>
-          </a:p>
-        </p:txBody>
-      </p:sp>
-      <p:sp>
-        <p:nvSpPr>
-          <p:cNvPr id="5" name="文本框 4"/>
-          <p:cNvSpPr txBox="1"/>
-          <p:nvPr/>
-        </p:nvSpPr>
-        <p:spPr>
-          <a:xfrm>
-            <a:off x="968375" y="5540375"/>
-            <a:ext cx="8394700" cy="429895"/>
-          </a:xfrm>
-          <a:prstGeom prst="rect">
-            <a:avLst/>
-          </a:prstGeom>
-          <a:noFill/>
-        </p:spPr>
-        <p:txBody>
-          <a:bodyPr wrap="square" rtlCol="0">
-            <a:spAutoFit/>
-          </a:bodyPr>
-          <a:p>
-            <a:pPr algn="l"/>
-            <a:r>
-              <a:rPr lang="zh-CN" altLang="en-US" sz="2200">
-                <a:solidFill>
-                  <a:srgbClr val="FF0000"/>
-                </a:solidFill>
-                <a:latin typeface="+mn-ea"/>
-                <a:ea typeface="+mn-ea"/>
-              </a:rPr>
-              <a:t>参见：http://jo2.org/html5-canvas-libary-introduction/</a:t>
-            </a:r>
-            <a:endParaRPr lang="zh-CN" altLang="en-US" sz="2200">
-              <a:solidFill>
-                <a:srgbClr val="FF0000"/>
-              </a:solidFill>
-              <a:latin typeface="+mn-ea"/>
-              <a:ea typeface="+mn-ea"/>
-            </a:endParaRPr>
-          </a:p>
-        </p:txBody>
-      </p:sp>
-    </p:spTree>
-  </p:cSld>
-  <p:clrMapOvr>
-    <a:masterClrMapping/>
-  </p:clrMapOvr>
-  <p:timing>
-    <p:tnLst>
-      <p:par>
-        <p:cTn id="1" dur="indefinite" restart="never" nodeType="tmRoot"/>
-      </p:par>
-    </p:tnLst>
-  </p:timing>
-</p:sld>
-</file>
-
-<file path=ppt/slides/slide4.xml><?xml version="1.0" encoding="utf-8"?>
-<p:sld xmlns:a="http://schemas.openxmlformats.org/drawingml/2006/main" xmlns:r="http://schemas.openxmlformats.org/officeDocument/2006/relationships" xmlns:p="http://schemas.openxmlformats.org/presentationml/2006/main">
-  <p:cSld>
-    <p:spTree>
-      <p:nvGrpSpPr>
-        <p:cNvPr id="1" name=""/>
-        <p:cNvGrpSpPr/>
-        <p:nvPr/>
-      </p:nvGrpSpPr>
-      <p:grpSpPr>
-        <a:xfrm>
-          <a:off x="0" y="0"/>
-          <a:ext cx="0" cy="0"/>
-          <a:chOff x="0" y="0"/>
-          <a:chExt cx="0" cy="0"/>
-        </a:xfrm>
-      </p:grpSpPr>
-      <p:sp>
-        <p:nvSpPr>
-          <p:cNvPr id="5122" name="内容占位符 2"/>
-          <p:cNvSpPr>
-            <a:spLocks noGrp="1"/>
-          </p:cNvSpPr>
-          <p:nvPr>
-            <p:ph idx="1"/>
-          </p:nvPr>
-        </p:nvSpPr>
-        <p:spPr>
-          <a:xfrm>
-            <a:off x="968375" y="829945"/>
-            <a:ext cx="9882505" cy="5250815"/>
-          </a:xfrm>
-        </p:spPr>
-        <p:txBody>
-          <a:bodyPr/>
-          <a:lstStyle/>
-          <a:p>
-            <a:pPr>
-              <a:lnSpc>
-                <a:spcPct val="150000"/>
-              </a:lnSpc>
-              <a:spcBef>
-                <a:spcPts val="1000"/>
-              </a:spcBef>
-            </a:pPr>
-            <a:r>
-              <a:rPr sz="2400" noProof="1">
-                <a:sym typeface="+mn-ea"/>
-              </a:rPr>
-              <a:t>1. Babylon.js   2.Three.js</a:t>
-            </a:r>
-            <a:endParaRPr sz="2400" noProof="1">
-              <a:sym typeface="+mn-ea"/>
-            </a:endParaRPr>
-          </a:p>
-          <a:p>
-            <a:pPr>
-              <a:lnSpc>
-                <a:spcPct val="150000"/>
-              </a:lnSpc>
-              <a:spcBef>
-                <a:spcPts val="1000"/>
-              </a:spcBef>
-            </a:pPr>
-            <a:r>
-              <a:rPr sz="2400" noProof="1">
-                <a:sym typeface="+mn-ea"/>
-              </a:rPr>
-              <a:t>3. Turbulenz   4. Famo.us</a:t>
-            </a:r>
-            <a:endParaRPr sz="2400" noProof="1">
-              <a:sym typeface="+mn-ea"/>
-            </a:endParaRPr>
-          </a:p>
-          <a:p>
-            <a:pPr>
-              <a:lnSpc>
-                <a:spcPct val="150000"/>
-              </a:lnSpc>
-              <a:spcBef>
-                <a:spcPts val="1000"/>
-              </a:spcBef>
-            </a:pPr>
-            <a:r>
-              <a:rPr sz="2400" noProof="1">
-                <a:sym typeface="+mn-ea"/>
-              </a:rPr>
-              <a:t>5. PlayCanvas.js   6. Goo Engine</a:t>
-            </a:r>
-            <a:endParaRPr sz="2400" noProof="1">
-              <a:sym typeface="+mn-ea"/>
-            </a:endParaRPr>
-          </a:p>
-          <a:p>
-            <a:pPr>
-              <a:lnSpc>
-                <a:spcPct val="150000"/>
-              </a:lnSpc>
-              <a:spcBef>
-                <a:spcPts val="1000"/>
-              </a:spcBef>
-            </a:pPr>
-            <a:r>
-              <a:rPr sz="2400" noProof="1">
-                <a:sym typeface="+mn-ea"/>
-              </a:rPr>
-              <a:t>7. CooperLicht   8. Voxel.JS</a:t>
-            </a:r>
-            <a:endParaRPr sz="2400" noProof="1">
-              <a:sym typeface="+mn-ea"/>
-            </a:endParaRPr>
-          </a:p>
-          <a:p>
-            <a:pPr>
-              <a:lnSpc>
-                <a:spcPct val="150000"/>
-              </a:lnSpc>
-              <a:spcBef>
-                <a:spcPts val="1000"/>
-              </a:spcBef>
-            </a:pPr>
-            <a:r>
-              <a:rPr sz="2400" noProof="1">
-                <a:sym typeface="+mn-ea"/>
-              </a:rPr>
-              <a:t>9. Blend4Web  10. Enchant.js</a:t>
-            </a:r>
-            <a:endParaRPr sz="2400" noProof="1">
-              <a:sym typeface="+mn-ea"/>
-            </a:endParaRPr>
-          </a:p>
-          <a:p>
-            <a:pPr marL="0" indent="0">
-              <a:buFont typeface="Wingdings 2" panose="05020102010507070707" pitchFamily="18" charset="2"/>
-              <a:buNone/>
-            </a:pPr>
-            <a:endParaRPr lang="en-US" altLang="zh-CN" noProof="1">
-              <a:solidFill>
-                <a:schemeClr val="tx1"/>
-              </a:solidFill>
-              <a:latin typeface="微软雅黑" panose="020B0503020204020204" pitchFamily="34" charset="-122"/>
-              <a:ea typeface="微软雅黑" panose="020B0503020204020204" pitchFamily="34" charset="-122"/>
-            </a:endParaRPr>
-          </a:p>
-        </p:txBody>
-      </p:sp>
-      <p:sp>
-        <p:nvSpPr>
-          <p:cNvPr id="2" name="内容占位符 1"/>
-          <p:cNvSpPr>
-            <a:spLocks noGrp="1"/>
-          </p:cNvSpPr>
-          <p:nvPr>
-            <p:ph sz="quarter" idx="11"/>
-          </p:nvPr>
-        </p:nvSpPr>
-        <p:spPr>
-          <a:xfrm>
-            <a:off x="947420" y="236855"/>
-            <a:ext cx="8415655" cy="490220"/>
-          </a:xfrm>
-        </p:spPr>
-        <p:txBody>
-          <a:bodyPr/>
-          <a:p>
-            <a:pPr algn="l">
-              <a:buNone/>
-            </a:pPr>
-            <a:r>
-              <a:rPr kumimoji="0" lang="en-US" sz="3200" dirty="0">
-                <a:solidFill>
-                  <a:srgbClr val="C00000"/>
-                </a:solidFill>
-                <a:cs typeface="+mn-cs"/>
-              </a:rPr>
-              <a:t>3D </a:t>
-            </a:r>
-            <a:r>
-              <a:rPr kumimoji="0" lang="zh-CN" altLang="en-US" sz="3200" dirty="0">
-                <a:solidFill>
-                  <a:srgbClr val="C00000"/>
-                </a:solidFill>
-                <a:cs typeface="+mn-cs"/>
-              </a:rPr>
-              <a:t>绘图引擎</a:t>
-            </a:r>
-            <a:endParaRPr kumimoji="0" lang="zh-CN" altLang="en-US" sz="3200" dirty="0">
-              <a:solidFill>
-                <a:srgbClr val="C00000"/>
-              </a:solidFill>
-              <a:cs typeface="+mn-cs"/>
-            </a:endParaRPr>
-          </a:p>
-        </p:txBody>
-      </p:sp>
-    </p:spTree>
-  </p:cSld>
-  <p:clrMapOvr>
-    <a:masterClrMapping/>
-  </p:clrMapOvr>
-  <p:timing>
-    <p:tnLst>
-      <p:par>
-        <p:cTn id="1" dur="indefinite" restart="never" nodeType="tmRoot"/>
-      </p:par>
-    </p:tnLst>
-  </p:timing>
-</p:sld>
-</file>
-
-<file path=ppt/slides/slide5.xml><?xml version="1.0" encoding="utf-8"?>
 <p:sld xmlns:a="http://schemas.openxmlformats.org/drawingml/2006/main" xmlns:r="http://schemas.openxmlformats.org/officeDocument/2006/relationships" xmlns:p="http://schemas.openxmlformats.org/presentationml/2006/main">
   <p:cSld>
     <p:spTree>

--- a/materials/slides/ch16.pptx
+++ b/materials/slides/ch16.pptx
@@ -9,7 +9,22 @@
   </p:notesMasterIdLst>
   <p:sldIdLst>
     <p:sldId id="1152" r:id="rId3"/>
-    <p:sldId id="1153" r:id="rId5"/>
+    <p:sldId id="1154" r:id="rId5"/>
+    <p:sldId id="1155" r:id="rId6"/>
+    <p:sldId id="1159" r:id="rId7"/>
+    <p:sldId id="1160" r:id="rId8"/>
+    <p:sldId id="1161" r:id="rId9"/>
+    <p:sldId id="1157" r:id="rId10"/>
+    <p:sldId id="1163" r:id="rId11"/>
+    <p:sldId id="1162" r:id="rId12"/>
+    <p:sldId id="1166" r:id="rId13"/>
+    <p:sldId id="1167" r:id="rId14"/>
+    <p:sldId id="1168" r:id="rId15"/>
+    <p:sldId id="1169" r:id="rId16"/>
+    <p:sldId id="1171" r:id="rId17"/>
+    <p:sldId id="1172" r:id="rId18"/>
+    <p:sldId id="1173" r:id="rId19"/>
+    <p:sldId id="1153" r:id="rId20"/>
   </p:sldIdLst>
   <p:sldSz cx="12192000" cy="6858000"/>
   <p:notesSz cx="6797675" cy="9928225"/>
@@ -2106,9 +2121,13 @@
             </a:r>
             <a:r>
               <a:rPr lang="en-US" dirty="0"/>
-              <a:t>Cocos Creator</a:t>
-            </a:r>
-            <a:endParaRPr dirty="0"/>
+              <a:t>Cocos Creator </a:t>
+            </a:r>
+            <a:r>
+              <a:rPr lang="zh-CN" altLang="en-US" dirty="0"/>
+              <a:t>概览</a:t>
+            </a:r>
+            <a:endParaRPr lang="zh-CN" altLang="en-US" dirty="0"/>
           </a:p>
         </p:txBody>
       </p:sp>
@@ -2182,7 +2201,1176 @@
 </p:sld>
 </file>
 
-<file path=ppt/slides/slide2.xml><?xml version="1.0" encoding="utf-8"?>
+<file path=ppt/slides/slide10.xml><?xml version="1.0" encoding="utf-8"?>
+<p:sld xmlns:a="http://schemas.openxmlformats.org/drawingml/2006/main" xmlns:r="http://schemas.openxmlformats.org/officeDocument/2006/relationships" xmlns:p="http://schemas.openxmlformats.org/presentationml/2006/main">
+  <p:cSld>
+    <p:spTree>
+      <p:nvGrpSpPr>
+        <p:cNvPr id="1" name=""/>
+        <p:cNvGrpSpPr/>
+        <p:nvPr/>
+      </p:nvGrpSpPr>
+      <p:grpSpPr>
+        <a:xfrm>
+          <a:off x="0" y="0"/>
+          <a:ext cx="0" cy="0"/>
+          <a:chOff x="0" y="0"/>
+          <a:chExt cx="0" cy="0"/>
+        </a:xfrm>
+      </p:grpSpPr>
+      <p:sp>
+        <p:nvSpPr>
+          <p:cNvPr id="5122" name="内容占位符 2"/>
+          <p:cNvSpPr>
+            <a:spLocks noGrp="1"/>
+          </p:cNvSpPr>
+          <p:nvPr>
+            <p:ph idx="1"/>
+          </p:nvPr>
+        </p:nvSpPr>
+        <p:spPr>
+          <a:xfrm>
+            <a:off x="896620" y="829945"/>
+            <a:ext cx="10385425" cy="5245100"/>
+          </a:xfrm>
+        </p:spPr>
+        <p:txBody>
+          <a:bodyPr/>
+          <a:lstStyle/>
+          <a:p>
+            <a:pPr>
+              <a:lnSpc>
+                <a:spcPct val="150000"/>
+              </a:lnSpc>
+              <a:spcBef>
+                <a:spcPts val="1000"/>
+              </a:spcBef>
+            </a:pPr>
+            <a:r>
+              <a:rPr lang="zh-CN" altLang="en-US" sz="2800" noProof="1">
+                <a:solidFill>
+                  <a:schemeClr val="tx1"/>
+                </a:solidFill>
+                <a:latin typeface="微软雅黑" panose="020B0503020204020204" pitchFamily="34" charset="-122"/>
+                <a:ea typeface="微软雅黑" panose="020B0503020204020204" pitchFamily="34" charset="-122"/>
+                <a:sym typeface="+mn-ea"/>
+              </a:rPr>
+              <a:t>添加及管理资源（文件夹、图片、音频、场景、脚本等）</a:t>
+            </a:r>
+            <a:endParaRPr lang="zh-CN" altLang="en-US" sz="2000" noProof="1">
+              <a:solidFill>
+                <a:schemeClr val="tx1"/>
+              </a:solidFill>
+              <a:latin typeface="微软雅黑" panose="020B0503020204020204" pitchFamily="34" charset="-122"/>
+              <a:ea typeface="微软雅黑" panose="020B0503020204020204" pitchFamily="34" charset="-122"/>
+              <a:sym typeface="+mn-ea"/>
+            </a:endParaRPr>
+          </a:p>
+          <a:p>
+            <a:pPr>
+              <a:lnSpc>
+                <a:spcPct val="150000"/>
+              </a:lnSpc>
+              <a:spcBef>
+                <a:spcPts val="1000"/>
+              </a:spcBef>
+            </a:pPr>
+            <a:endParaRPr lang="en-US" altLang="zh-CN" sz="2800" noProof="1">
+              <a:solidFill>
+                <a:schemeClr val="tx1"/>
+              </a:solidFill>
+              <a:latin typeface="微软雅黑" panose="020B0503020204020204" pitchFamily="34" charset="-122"/>
+              <a:ea typeface="微软雅黑" panose="020B0503020204020204" pitchFamily="34" charset="-122"/>
+            </a:endParaRPr>
+          </a:p>
+          <a:p>
+            <a:pPr marL="0" indent="0">
+              <a:buFont typeface="Wingdings 2" panose="05020102010507070707" pitchFamily="18" charset="2"/>
+              <a:buNone/>
+            </a:pPr>
+            <a:endParaRPr lang="en-US" altLang="zh-CN" noProof="1">
+              <a:solidFill>
+                <a:schemeClr val="tx1"/>
+              </a:solidFill>
+              <a:latin typeface="微软雅黑" panose="020B0503020204020204" pitchFamily="34" charset="-122"/>
+              <a:ea typeface="微软雅黑" panose="020B0503020204020204" pitchFamily="34" charset="-122"/>
+            </a:endParaRPr>
+          </a:p>
+        </p:txBody>
+      </p:sp>
+      <p:sp>
+        <p:nvSpPr>
+          <p:cNvPr id="2" name="内容占位符 1"/>
+          <p:cNvSpPr>
+            <a:spLocks noGrp="1"/>
+          </p:cNvSpPr>
+          <p:nvPr>
+            <p:ph sz="quarter" idx="11"/>
+          </p:nvPr>
+        </p:nvSpPr>
+        <p:spPr>
+          <a:xfrm>
+            <a:off x="947420" y="236855"/>
+            <a:ext cx="8415655" cy="490220"/>
+          </a:xfrm>
+        </p:spPr>
+        <p:txBody>
+          <a:bodyPr/>
+          <a:p>
+            <a:r>
+              <a:rPr lang="en-US" altLang="zh-CN" dirty="0">
+                <a:sym typeface="+mn-ea"/>
+              </a:rPr>
+              <a:t>Cocos Creator </a:t>
+            </a:r>
+            <a:r>
+              <a:rPr lang="zh-CN" altLang="en-US" dirty="0">
+                <a:sym typeface="+mn-ea"/>
+              </a:rPr>
+              <a:t>资源管理器</a:t>
+            </a:r>
+            <a:endParaRPr kumimoji="0" lang="zh-CN" altLang="en-US" dirty="0"/>
+          </a:p>
+        </p:txBody>
+      </p:sp>
+      <p:pic>
+        <p:nvPicPr>
+          <p:cNvPr id="3" name="图片 2"/>
+          <p:cNvPicPr>
+            <a:picLocks noChangeAspect="1"/>
+          </p:cNvPicPr>
+          <p:nvPr/>
+        </p:nvPicPr>
+        <p:blipFill>
+          <a:blip r:embed="rId1"/>
+          <a:stretch>
+            <a:fillRect/>
+          </a:stretch>
+        </p:blipFill>
+        <p:spPr>
+          <a:xfrm>
+            <a:off x="1163955" y="1514475"/>
+            <a:ext cx="2905125" cy="4448175"/>
+          </a:xfrm>
+          <a:prstGeom prst="rect">
+            <a:avLst/>
+          </a:prstGeom>
+        </p:spPr>
+      </p:pic>
+      <p:pic>
+        <p:nvPicPr>
+          <p:cNvPr id="5" name="图片 4"/>
+          <p:cNvPicPr>
+            <a:picLocks noChangeAspect="1"/>
+          </p:cNvPicPr>
+          <p:nvPr/>
+        </p:nvPicPr>
+        <p:blipFill>
+          <a:blip r:embed="rId2"/>
+          <a:stretch>
+            <a:fillRect/>
+          </a:stretch>
+        </p:blipFill>
+        <p:spPr>
+          <a:xfrm>
+            <a:off x="4410710" y="1514475"/>
+            <a:ext cx="2969895" cy="4481830"/>
+          </a:xfrm>
+          <a:prstGeom prst="rect">
+            <a:avLst/>
+          </a:prstGeom>
+        </p:spPr>
+      </p:pic>
+    </p:spTree>
+  </p:cSld>
+  <p:clrMapOvr>
+    <a:masterClrMapping/>
+  </p:clrMapOvr>
+  <p:timing>
+    <p:tnLst>
+      <p:par>
+        <p:cTn id="1" dur="indefinite" restart="never" nodeType="tmRoot"/>
+      </p:par>
+    </p:tnLst>
+  </p:timing>
+</p:sld>
+</file>
+
+<file path=ppt/slides/slide11.xml><?xml version="1.0" encoding="utf-8"?>
+<p:sld xmlns:a="http://schemas.openxmlformats.org/drawingml/2006/main" xmlns:r="http://schemas.openxmlformats.org/officeDocument/2006/relationships" xmlns:p="http://schemas.openxmlformats.org/presentationml/2006/main">
+  <p:cSld>
+    <p:spTree>
+      <p:nvGrpSpPr>
+        <p:cNvPr id="1" name=""/>
+        <p:cNvGrpSpPr/>
+        <p:nvPr/>
+      </p:nvGrpSpPr>
+      <p:grpSpPr>
+        <a:xfrm>
+          <a:off x="0" y="0"/>
+          <a:ext cx="0" cy="0"/>
+          <a:chOff x="0" y="0"/>
+          <a:chExt cx="0" cy="0"/>
+        </a:xfrm>
+      </p:grpSpPr>
+      <p:sp>
+        <p:nvSpPr>
+          <p:cNvPr id="5122" name="内容占位符 2"/>
+          <p:cNvSpPr>
+            <a:spLocks noGrp="1"/>
+          </p:cNvSpPr>
+          <p:nvPr>
+            <p:ph idx="1"/>
+          </p:nvPr>
+        </p:nvSpPr>
+        <p:spPr>
+          <a:xfrm>
+            <a:off x="896620" y="829945"/>
+            <a:ext cx="10385425" cy="5245100"/>
+          </a:xfrm>
+        </p:spPr>
+        <p:txBody>
+          <a:bodyPr/>
+          <a:lstStyle/>
+          <a:p>
+            <a:pPr>
+              <a:lnSpc>
+                <a:spcPct val="150000"/>
+              </a:lnSpc>
+              <a:spcBef>
+                <a:spcPts val="1000"/>
+              </a:spcBef>
+            </a:pPr>
+            <a:r>
+              <a:rPr lang="zh-CN" altLang="en-US" sz="2800" noProof="1">
+                <a:solidFill>
+                  <a:schemeClr val="tx1"/>
+                </a:solidFill>
+                <a:latin typeface="微软雅黑" panose="020B0503020204020204" pitchFamily="34" charset="-122"/>
+                <a:ea typeface="微软雅黑" panose="020B0503020204020204" pitchFamily="34" charset="-122"/>
+                <a:sym typeface="+mn-ea"/>
+              </a:rPr>
+              <a:t>内容创作的核心工作区域，通过变换工具修改节点的属性</a:t>
+            </a:r>
+            <a:endParaRPr lang="zh-CN" altLang="en-US" sz="2800" noProof="1">
+              <a:solidFill>
+                <a:schemeClr val="tx1"/>
+              </a:solidFill>
+              <a:latin typeface="微软雅黑" panose="020B0503020204020204" pitchFamily="34" charset="-122"/>
+              <a:ea typeface="微软雅黑" panose="020B0503020204020204" pitchFamily="34" charset="-122"/>
+              <a:sym typeface="+mn-ea"/>
+            </a:endParaRPr>
+          </a:p>
+        </p:txBody>
+      </p:sp>
+      <p:sp>
+        <p:nvSpPr>
+          <p:cNvPr id="2" name="内容占位符 1"/>
+          <p:cNvSpPr>
+            <a:spLocks noGrp="1"/>
+          </p:cNvSpPr>
+          <p:nvPr>
+            <p:ph sz="quarter" idx="11"/>
+          </p:nvPr>
+        </p:nvSpPr>
+        <p:spPr>
+          <a:xfrm>
+            <a:off x="947420" y="236855"/>
+            <a:ext cx="8415655" cy="490220"/>
+          </a:xfrm>
+        </p:spPr>
+        <p:txBody>
+          <a:bodyPr/>
+          <a:p>
+            <a:r>
+              <a:rPr lang="en-US" altLang="zh-CN" dirty="0">
+                <a:sym typeface="+mn-ea"/>
+              </a:rPr>
+              <a:t>Cocos Creator </a:t>
+            </a:r>
+            <a:r>
+              <a:rPr lang="zh-CN" altLang="en-US" dirty="0">
+                <a:sym typeface="+mn-ea"/>
+              </a:rPr>
+              <a:t>场景编辑</a:t>
+            </a:r>
+            <a:r>
+              <a:rPr lang="zh-CN" altLang="en-US" dirty="0">
+                <a:sym typeface="+mn-ea"/>
+              </a:rPr>
+              <a:t>器</a:t>
+            </a:r>
+            <a:endParaRPr kumimoji="0" lang="zh-CN" altLang="en-US" dirty="0"/>
+          </a:p>
+        </p:txBody>
+      </p:sp>
+      <p:pic>
+        <p:nvPicPr>
+          <p:cNvPr id="4" name="图片 3"/>
+          <p:cNvPicPr>
+            <a:picLocks noChangeAspect="1"/>
+          </p:cNvPicPr>
+          <p:nvPr/>
+        </p:nvPicPr>
+        <p:blipFill>
+          <a:blip r:embed="rId1"/>
+          <a:stretch>
+            <a:fillRect/>
+          </a:stretch>
+        </p:blipFill>
+        <p:spPr>
+          <a:xfrm>
+            <a:off x="1170305" y="1618615"/>
+            <a:ext cx="6637655" cy="4308475"/>
+          </a:xfrm>
+          <a:prstGeom prst="rect">
+            <a:avLst/>
+          </a:prstGeom>
+        </p:spPr>
+      </p:pic>
+    </p:spTree>
+  </p:cSld>
+  <p:clrMapOvr>
+    <a:masterClrMapping/>
+  </p:clrMapOvr>
+  <p:timing>
+    <p:tnLst>
+      <p:par>
+        <p:cTn id="1" dur="indefinite" restart="never" nodeType="tmRoot"/>
+      </p:par>
+    </p:tnLst>
+  </p:timing>
+</p:sld>
+</file>
+
+<file path=ppt/slides/slide12.xml><?xml version="1.0" encoding="utf-8"?>
+<p:sld xmlns:a="http://schemas.openxmlformats.org/drawingml/2006/main" xmlns:r="http://schemas.openxmlformats.org/officeDocument/2006/relationships" xmlns:p="http://schemas.openxmlformats.org/presentationml/2006/main">
+  <p:cSld>
+    <p:spTree>
+      <p:nvGrpSpPr>
+        <p:cNvPr id="1" name=""/>
+        <p:cNvGrpSpPr/>
+        <p:nvPr/>
+      </p:nvGrpSpPr>
+      <p:grpSpPr>
+        <a:xfrm>
+          <a:off x="0" y="0"/>
+          <a:ext cx="0" cy="0"/>
+          <a:chOff x="0" y="0"/>
+          <a:chExt cx="0" cy="0"/>
+        </a:xfrm>
+      </p:grpSpPr>
+      <p:sp>
+        <p:nvSpPr>
+          <p:cNvPr id="5122" name="内容占位符 2"/>
+          <p:cNvSpPr>
+            <a:spLocks noGrp="1"/>
+          </p:cNvSpPr>
+          <p:nvPr>
+            <p:ph idx="1"/>
+          </p:nvPr>
+        </p:nvSpPr>
+        <p:spPr>
+          <a:xfrm>
+            <a:off x="896620" y="829945"/>
+            <a:ext cx="10385425" cy="5245100"/>
+          </a:xfrm>
+        </p:spPr>
+        <p:txBody>
+          <a:bodyPr/>
+          <a:lstStyle/>
+          <a:p>
+            <a:pPr>
+              <a:lnSpc>
+                <a:spcPct val="150000"/>
+              </a:lnSpc>
+              <a:spcBef>
+                <a:spcPts val="1000"/>
+              </a:spcBef>
+            </a:pPr>
+            <a:r>
+              <a:rPr lang="zh-CN" altLang="en-US" sz="2800" noProof="1">
+                <a:solidFill>
+                  <a:schemeClr val="tx1"/>
+                </a:solidFill>
+                <a:latin typeface="微软雅黑" panose="020B0503020204020204" pitchFamily="34" charset="-122"/>
+                <a:ea typeface="微软雅黑" panose="020B0503020204020204" pitchFamily="34" charset="-122"/>
+                <a:sym typeface="+mn-ea"/>
+              </a:rPr>
+              <a:t>选择、创建和删除节点，可以通过拖拽建立节点父子关系</a:t>
+            </a:r>
+            <a:endParaRPr lang="zh-CN" altLang="en-US" sz="2800" noProof="1">
+              <a:solidFill>
+                <a:schemeClr val="tx1"/>
+              </a:solidFill>
+              <a:latin typeface="微软雅黑" panose="020B0503020204020204" pitchFamily="34" charset="-122"/>
+              <a:ea typeface="微软雅黑" panose="020B0503020204020204" pitchFamily="34" charset="-122"/>
+              <a:sym typeface="+mn-ea"/>
+            </a:endParaRPr>
+          </a:p>
+        </p:txBody>
+      </p:sp>
+      <p:sp>
+        <p:nvSpPr>
+          <p:cNvPr id="2" name="内容占位符 1"/>
+          <p:cNvSpPr>
+            <a:spLocks noGrp="1"/>
+          </p:cNvSpPr>
+          <p:nvPr>
+            <p:ph sz="quarter" idx="11"/>
+          </p:nvPr>
+        </p:nvSpPr>
+        <p:spPr>
+          <a:xfrm>
+            <a:off x="947420" y="236855"/>
+            <a:ext cx="8415655" cy="490220"/>
+          </a:xfrm>
+        </p:spPr>
+        <p:txBody>
+          <a:bodyPr/>
+          <a:p>
+            <a:r>
+              <a:rPr lang="en-US" altLang="zh-CN" dirty="0">
+                <a:sym typeface="+mn-ea"/>
+              </a:rPr>
+              <a:t>Cocos Creator </a:t>
+            </a:r>
+            <a:r>
+              <a:rPr lang="zh-CN" altLang="en-US" dirty="0">
+                <a:sym typeface="+mn-ea"/>
+              </a:rPr>
+              <a:t>层级管理</a:t>
+            </a:r>
+            <a:r>
+              <a:rPr lang="zh-CN" altLang="en-US" dirty="0">
+                <a:sym typeface="+mn-ea"/>
+              </a:rPr>
+              <a:t>器</a:t>
+            </a:r>
+            <a:endParaRPr kumimoji="0" lang="zh-CN" altLang="en-US" dirty="0"/>
+          </a:p>
+        </p:txBody>
+      </p:sp>
+      <p:pic>
+        <p:nvPicPr>
+          <p:cNvPr id="3" name="图片 2"/>
+          <p:cNvPicPr>
+            <a:picLocks noChangeAspect="1"/>
+          </p:cNvPicPr>
+          <p:nvPr/>
+        </p:nvPicPr>
+        <p:blipFill>
+          <a:blip r:embed="rId1"/>
+          <a:stretch>
+            <a:fillRect/>
+          </a:stretch>
+        </p:blipFill>
+        <p:spPr>
+          <a:xfrm>
+            <a:off x="1019175" y="1543050"/>
+            <a:ext cx="3197225" cy="4473575"/>
+          </a:xfrm>
+          <a:prstGeom prst="rect">
+            <a:avLst/>
+          </a:prstGeom>
+        </p:spPr>
+      </p:pic>
+      <p:pic>
+        <p:nvPicPr>
+          <p:cNvPr id="5" name="图片 4"/>
+          <p:cNvPicPr>
+            <a:picLocks noChangeAspect="1"/>
+          </p:cNvPicPr>
+          <p:nvPr/>
+        </p:nvPicPr>
+        <p:blipFill>
+          <a:blip r:embed="rId2"/>
+          <a:stretch>
+            <a:fillRect/>
+          </a:stretch>
+        </p:blipFill>
+        <p:spPr>
+          <a:xfrm>
+            <a:off x="4740910" y="1543050"/>
+            <a:ext cx="5115560" cy="4473575"/>
+          </a:xfrm>
+          <a:prstGeom prst="rect">
+            <a:avLst/>
+          </a:prstGeom>
+        </p:spPr>
+      </p:pic>
+    </p:spTree>
+  </p:cSld>
+  <p:clrMapOvr>
+    <a:masterClrMapping/>
+  </p:clrMapOvr>
+  <p:timing>
+    <p:tnLst>
+      <p:par>
+        <p:cTn id="1" dur="indefinite" restart="never" nodeType="tmRoot"/>
+      </p:par>
+    </p:tnLst>
+  </p:timing>
+</p:sld>
+</file>
+
+<file path=ppt/slides/slide13.xml><?xml version="1.0" encoding="utf-8"?>
+<p:sld xmlns:a="http://schemas.openxmlformats.org/drawingml/2006/main" xmlns:r="http://schemas.openxmlformats.org/officeDocument/2006/relationships" xmlns:p="http://schemas.openxmlformats.org/presentationml/2006/main">
+  <p:cSld>
+    <p:spTree>
+      <p:nvGrpSpPr>
+        <p:cNvPr id="1" name=""/>
+        <p:cNvGrpSpPr/>
+        <p:nvPr/>
+      </p:nvGrpSpPr>
+      <p:grpSpPr>
+        <a:xfrm>
+          <a:off x="0" y="0"/>
+          <a:ext cx="0" cy="0"/>
+          <a:chOff x="0" y="0"/>
+          <a:chExt cx="0" cy="0"/>
+        </a:xfrm>
+      </p:grpSpPr>
+      <p:sp>
+        <p:nvSpPr>
+          <p:cNvPr id="5122" name="内容占位符 2"/>
+          <p:cNvSpPr>
+            <a:spLocks noGrp="1"/>
+          </p:cNvSpPr>
+          <p:nvPr>
+            <p:ph idx="1"/>
+          </p:nvPr>
+        </p:nvSpPr>
+        <p:spPr>
+          <a:xfrm>
+            <a:off x="896620" y="829945"/>
+            <a:ext cx="10385425" cy="5245100"/>
+          </a:xfrm>
+        </p:spPr>
+        <p:txBody>
+          <a:bodyPr/>
+          <a:lstStyle/>
+          <a:p>
+            <a:pPr>
+              <a:lnSpc>
+                <a:spcPct val="150000"/>
+              </a:lnSpc>
+              <a:spcBef>
+                <a:spcPts val="1000"/>
+              </a:spcBef>
+            </a:pPr>
+            <a:r>
+              <a:rPr lang="zh-CN" altLang="en-US" sz="2800" noProof="1">
+                <a:solidFill>
+                  <a:schemeClr val="tx1"/>
+                </a:solidFill>
+                <a:latin typeface="微软雅黑" panose="020B0503020204020204" pitchFamily="34" charset="-122"/>
+                <a:ea typeface="微软雅黑" panose="020B0503020204020204" pitchFamily="34" charset="-122"/>
+                <a:sym typeface="+mn-ea"/>
+              </a:rPr>
+              <a:t>查看并编辑当前选中节点和组件属性的工作区域</a:t>
+            </a:r>
+            <a:endParaRPr lang="zh-CN" altLang="en-US" sz="2800" noProof="1">
+              <a:solidFill>
+                <a:schemeClr val="tx1"/>
+              </a:solidFill>
+              <a:latin typeface="微软雅黑" panose="020B0503020204020204" pitchFamily="34" charset="-122"/>
+              <a:ea typeface="微软雅黑" panose="020B0503020204020204" pitchFamily="34" charset="-122"/>
+              <a:sym typeface="+mn-ea"/>
+            </a:endParaRPr>
+          </a:p>
+        </p:txBody>
+      </p:sp>
+      <p:sp>
+        <p:nvSpPr>
+          <p:cNvPr id="2" name="内容占位符 1"/>
+          <p:cNvSpPr>
+            <a:spLocks noGrp="1"/>
+          </p:cNvSpPr>
+          <p:nvPr>
+            <p:ph sz="quarter" idx="11"/>
+          </p:nvPr>
+        </p:nvSpPr>
+        <p:spPr>
+          <a:xfrm>
+            <a:off x="947420" y="236855"/>
+            <a:ext cx="8415655" cy="490220"/>
+          </a:xfrm>
+        </p:spPr>
+        <p:txBody>
+          <a:bodyPr/>
+          <a:p>
+            <a:r>
+              <a:rPr lang="en-US" altLang="zh-CN" dirty="0">
+                <a:sym typeface="+mn-ea"/>
+              </a:rPr>
+              <a:t>Cocos Creator </a:t>
+            </a:r>
+            <a:r>
+              <a:rPr lang="zh-CN" altLang="en-US" dirty="0">
+                <a:sym typeface="+mn-ea"/>
+              </a:rPr>
+              <a:t>属性检查器</a:t>
+            </a:r>
+            <a:endParaRPr lang="zh-CN" altLang="en-US" dirty="0">
+              <a:sym typeface="+mn-ea"/>
+            </a:endParaRPr>
+          </a:p>
+        </p:txBody>
+      </p:sp>
+      <p:pic>
+        <p:nvPicPr>
+          <p:cNvPr id="4" name="图片 3"/>
+          <p:cNvPicPr>
+            <a:picLocks noChangeAspect="1"/>
+          </p:cNvPicPr>
+          <p:nvPr/>
+        </p:nvPicPr>
+        <p:blipFill>
+          <a:blip r:embed="rId1"/>
+          <a:srcRect b="15164"/>
+          <a:stretch>
+            <a:fillRect/>
+          </a:stretch>
+        </p:blipFill>
+        <p:spPr>
+          <a:xfrm>
+            <a:off x="1056640" y="1551940"/>
+            <a:ext cx="5923915" cy="4413250"/>
+          </a:xfrm>
+          <a:prstGeom prst="rect">
+            <a:avLst/>
+          </a:prstGeom>
+        </p:spPr>
+      </p:pic>
+      <p:pic>
+        <p:nvPicPr>
+          <p:cNvPr id="6" name="图片 5"/>
+          <p:cNvPicPr>
+            <a:picLocks noChangeAspect="1"/>
+          </p:cNvPicPr>
+          <p:nvPr/>
+        </p:nvPicPr>
+        <p:blipFill>
+          <a:blip r:embed="rId2"/>
+          <a:stretch>
+            <a:fillRect/>
+          </a:stretch>
+        </p:blipFill>
+        <p:spPr>
+          <a:xfrm>
+            <a:off x="7157085" y="1551940"/>
+            <a:ext cx="3275330" cy="1572895"/>
+          </a:xfrm>
+          <a:prstGeom prst="rect">
+            <a:avLst/>
+          </a:prstGeom>
+        </p:spPr>
+      </p:pic>
+      <p:pic>
+        <p:nvPicPr>
+          <p:cNvPr id="7" name="图片 6"/>
+          <p:cNvPicPr>
+            <a:picLocks noChangeAspect="1"/>
+          </p:cNvPicPr>
+          <p:nvPr/>
+        </p:nvPicPr>
+        <p:blipFill>
+          <a:blip r:embed="rId3"/>
+          <a:stretch>
+            <a:fillRect/>
+          </a:stretch>
+        </p:blipFill>
+        <p:spPr>
+          <a:xfrm>
+            <a:off x="7157085" y="3298190"/>
+            <a:ext cx="3275330" cy="2709545"/>
+          </a:xfrm>
+          <a:prstGeom prst="rect">
+            <a:avLst/>
+          </a:prstGeom>
+        </p:spPr>
+      </p:pic>
+    </p:spTree>
+  </p:cSld>
+  <p:clrMapOvr>
+    <a:masterClrMapping/>
+  </p:clrMapOvr>
+  <p:timing>
+    <p:tnLst>
+      <p:par>
+        <p:cTn id="1" dur="indefinite" restart="never" nodeType="tmRoot"/>
+      </p:par>
+    </p:tnLst>
+  </p:timing>
+</p:sld>
+</file>
+
+<file path=ppt/slides/slide14.xml><?xml version="1.0" encoding="utf-8"?>
+<p:sld xmlns:a="http://schemas.openxmlformats.org/drawingml/2006/main" xmlns:r="http://schemas.openxmlformats.org/officeDocument/2006/relationships" xmlns:p="http://schemas.openxmlformats.org/presentationml/2006/main">
+  <p:cSld>
+    <p:spTree>
+      <p:nvGrpSpPr>
+        <p:cNvPr id="1" name=""/>
+        <p:cNvGrpSpPr/>
+        <p:nvPr/>
+      </p:nvGrpSpPr>
+      <p:grpSpPr>
+        <a:xfrm>
+          <a:off x="0" y="0"/>
+          <a:ext cx="0" cy="0"/>
+          <a:chOff x="0" y="0"/>
+          <a:chExt cx="0" cy="0"/>
+        </a:xfrm>
+      </p:grpSpPr>
+      <p:sp>
+        <p:nvSpPr>
+          <p:cNvPr id="5122" name="内容占位符 2"/>
+          <p:cNvSpPr>
+            <a:spLocks noGrp="1"/>
+          </p:cNvSpPr>
+          <p:nvPr>
+            <p:ph idx="1"/>
+          </p:nvPr>
+        </p:nvSpPr>
+        <p:spPr>
+          <a:xfrm>
+            <a:off x="896620" y="829945"/>
+            <a:ext cx="10385425" cy="5245100"/>
+          </a:xfrm>
+        </p:spPr>
+        <p:txBody>
+          <a:bodyPr/>
+          <a:lstStyle/>
+          <a:p>
+            <a:pPr>
+              <a:lnSpc>
+                <a:spcPct val="150000"/>
+              </a:lnSpc>
+              <a:spcBef>
+                <a:spcPts val="1000"/>
+              </a:spcBef>
+            </a:pPr>
+            <a:r>
+              <a:rPr lang="zh-CN" altLang="en-US" sz="2800" noProof="1">
+                <a:solidFill>
+                  <a:schemeClr val="tx1"/>
+                </a:solidFill>
+                <a:latin typeface="微软雅黑" panose="020B0503020204020204" pitchFamily="34" charset="-122"/>
+                <a:ea typeface="微软雅黑" panose="020B0503020204020204" pitchFamily="34" charset="-122"/>
+                <a:sym typeface="+mn-ea"/>
+              </a:rPr>
+              <a:t>选择可使用系统内置控件或通过预制体（</a:t>
+            </a:r>
+            <a:r>
+              <a:rPr lang="en-US" altLang="zh-CN" sz="2800" noProof="1">
+                <a:solidFill>
+                  <a:schemeClr val="tx1"/>
+                </a:solidFill>
+                <a:latin typeface="微软雅黑" panose="020B0503020204020204" pitchFamily="34" charset="-122"/>
+                <a:ea typeface="微软雅黑" panose="020B0503020204020204" pitchFamily="34" charset="-122"/>
+                <a:sym typeface="+mn-ea"/>
+              </a:rPr>
+              <a:t>Prefab</a:t>
+            </a:r>
+            <a:r>
+              <a:rPr lang="zh-CN" altLang="en-US" sz="2800" noProof="1">
+                <a:solidFill>
+                  <a:schemeClr val="tx1"/>
+                </a:solidFill>
+                <a:latin typeface="微软雅黑" panose="020B0503020204020204" pitchFamily="34" charset="-122"/>
+                <a:ea typeface="微软雅黑" panose="020B0503020204020204" pitchFamily="34" charset="-122"/>
+                <a:sym typeface="+mn-ea"/>
+              </a:rPr>
+              <a:t>）自定义控件</a:t>
+            </a:r>
+            <a:endParaRPr lang="zh-CN" altLang="en-US" sz="2800" noProof="1">
+              <a:solidFill>
+                <a:schemeClr val="tx1"/>
+              </a:solidFill>
+              <a:latin typeface="微软雅黑" panose="020B0503020204020204" pitchFamily="34" charset="-122"/>
+              <a:ea typeface="微软雅黑" panose="020B0503020204020204" pitchFamily="34" charset="-122"/>
+              <a:sym typeface="+mn-ea"/>
+            </a:endParaRPr>
+          </a:p>
+        </p:txBody>
+      </p:sp>
+      <p:sp>
+        <p:nvSpPr>
+          <p:cNvPr id="2" name="内容占位符 1"/>
+          <p:cNvSpPr>
+            <a:spLocks noGrp="1"/>
+          </p:cNvSpPr>
+          <p:nvPr>
+            <p:ph sz="quarter" idx="11"/>
+          </p:nvPr>
+        </p:nvSpPr>
+        <p:spPr>
+          <a:xfrm>
+            <a:off x="947420" y="236855"/>
+            <a:ext cx="8415655" cy="490220"/>
+          </a:xfrm>
+        </p:spPr>
+        <p:txBody>
+          <a:bodyPr/>
+          <a:p>
+            <a:r>
+              <a:rPr lang="en-US" altLang="zh-CN" dirty="0">
+                <a:sym typeface="+mn-ea"/>
+              </a:rPr>
+              <a:t>Cocos Creator</a:t>
+            </a:r>
+            <a:r>
+              <a:rPr lang="en-US" altLang="zh-CN" dirty="0">
+                <a:sym typeface="+mn-ea"/>
+              </a:rPr>
+              <a:t> </a:t>
+            </a:r>
+            <a:r>
+              <a:rPr lang="zh-CN" altLang="en-US" dirty="0">
+                <a:sym typeface="+mn-ea"/>
+              </a:rPr>
+              <a:t>控件库</a:t>
+            </a:r>
+            <a:endParaRPr lang="zh-CN" altLang="en-US" dirty="0">
+              <a:sym typeface="+mn-ea"/>
+            </a:endParaRPr>
+          </a:p>
+        </p:txBody>
+      </p:sp>
+      <p:pic>
+        <p:nvPicPr>
+          <p:cNvPr id="3" name="图片 2"/>
+          <p:cNvPicPr>
+            <a:picLocks noChangeAspect="1"/>
+          </p:cNvPicPr>
+          <p:nvPr/>
+        </p:nvPicPr>
+        <p:blipFill>
+          <a:blip r:embed="rId1"/>
+          <a:stretch>
+            <a:fillRect/>
+          </a:stretch>
+        </p:blipFill>
+        <p:spPr>
+          <a:xfrm>
+            <a:off x="947420" y="1623695"/>
+            <a:ext cx="5108575" cy="4284345"/>
+          </a:xfrm>
+          <a:prstGeom prst="rect">
+            <a:avLst/>
+          </a:prstGeom>
+        </p:spPr>
+      </p:pic>
+      <p:pic>
+        <p:nvPicPr>
+          <p:cNvPr id="5" name="图片 4"/>
+          <p:cNvPicPr>
+            <a:picLocks noChangeAspect="1"/>
+          </p:cNvPicPr>
+          <p:nvPr/>
+        </p:nvPicPr>
+        <p:blipFill>
+          <a:blip r:embed="rId2"/>
+          <a:stretch>
+            <a:fillRect/>
+          </a:stretch>
+        </p:blipFill>
+        <p:spPr>
+          <a:xfrm>
+            <a:off x="3213735" y="1609090"/>
+            <a:ext cx="5528945" cy="4312920"/>
+          </a:xfrm>
+          <a:prstGeom prst="rect">
+            <a:avLst/>
+          </a:prstGeom>
+        </p:spPr>
+      </p:pic>
+    </p:spTree>
+  </p:cSld>
+  <p:clrMapOvr>
+    <a:masterClrMapping/>
+  </p:clrMapOvr>
+  <p:timing>
+    <p:tnLst>
+      <p:par>
+        <p:cTn id="1" dur="indefinite" restart="never" nodeType="tmRoot"/>
+      </p:par>
+    </p:tnLst>
+  </p:timing>
+</p:sld>
+</file>
+
+<file path=ppt/slides/slide15.xml><?xml version="1.0" encoding="utf-8"?>
+<p:sld xmlns:a="http://schemas.openxmlformats.org/drawingml/2006/main" xmlns:r="http://schemas.openxmlformats.org/officeDocument/2006/relationships" xmlns:p="http://schemas.openxmlformats.org/presentationml/2006/main">
+  <p:cSld>
+    <p:spTree>
+      <p:nvGrpSpPr>
+        <p:cNvPr id="1" name=""/>
+        <p:cNvGrpSpPr/>
+        <p:nvPr/>
+      </p:nvGrpSpPr>
+      <p:grpSpPr>
+        <a:xfrm>
+          <a:off x="0" y="0"/>
+          <a:ext cx="0" cy="0"/>
+          <a:chOff x="0" y="0"/>
+          <a:chExt cx="0" cy="0"/>
+        </a:xfrm>
+      </p:grpSpPr>
+      <p:sp>
+        <p:nvSpPr>
+          <p:cNvPr id="2" name="内容占位符 1"/>
+          <p:cNvSpPr>
+            <a:spLocks noGrp="1"/>
+          </p:cNvSpPr>
+          <p:nvPr>
+            <p:ph sz="quarter" idx="11"/>
+          </p:nvPr>
+        </p:nvSpPr>
+        <p:spPr>
+          <a:xfrm>
+            <a:off x="947420" y="236855"/>
+            <a:ext cx="8415655" cy="490220"/>
+          </a:xfrm>
+        </p:spPr>
+        <p:txBody>
+          <a:bodyPr/>
+          <a:p>
+            <a:r>
+              <a:rPr lang="en-US" altLang="zh-CN" dirty="0">
+                <a:sym typeface="+mn-ea"/>
+              </a:rPr>
+              <a:t>Cocos Creator </a:t>
+            </a:r>
+            <a:r>
+              <a:rPr lang="zh-CN" altLang="en-US" dirty="0">
+                <a:sym typeface="+mn-ea"/>
+              </a:rPr>
+              <a:t>工具栏</a:t>
+            </a:r>
+            <a:r>
+              <a:rPr lang="zh-CN" altLang="en-US" dirty="0">
+                <a:sym typeface="+mn-ea"/>
+              </a:rPr>
+              <a:t>及控制台</a:t>
+            </a:r>
+            <a:endParaRPr lang="zh-CN" altLang="en-US" dirty="0">
+              <a:sym typeface="+mn-ea"/>
+            </a:endParaRPr>
+          </a:p>
+        </p:txBody>
+      </p:sp>
+      <p:pic>
+        <p:nvPicPr>
+          <p:cNvPr id="6" name="图片 5"/>
+          <p:cNvPicPr>
+            <a:picLocks noChangeAspect="1"/>
+          </p:cNvPicPr>
+          <p:nvPr/>
+        </p:nvPicPr>
+        <p:blipFill>
+          <a:blip r:embed="rId1"/>
+          <a:srcRect t="14354"/>
+          <a:stretch>
+            <a:fillRect/>
+          </a:stretch>
+        </p:blipFill>
+        <p:spPr>
+          <a:xfrm>
+            <a:off x="1024255" y="1262380"/>
+            <a:ext cx="8717915" cy="1087755"/>
+          </a:xfrm>
+          <a:prstGeom prst="rect">
+            <a:avLst/>
+          </a:prstGeom>
+        </p:spPr>
+      </p:pic>
+      <p:pic>
+        <p:nvPicPr>
+          <p:cNvPr id="7" name="图片 6"/>
+          <p:cNvPicPr>
+            <a:picLocks noChangeAspect="1"/>
+          </p:cNvPicPr>
+          <p:nvPr/>
+        </p:nvPicPr>
+        <p:blipFill>
+          <a:blip r:embed="rId2"/>
+          <a:srcRect b="18756"/>
+          <a:stretch>
+            <a:fillRect/>
+          </a:stretch>
+        </p:blipFill>
+        <p:spPr>
+          <a:xfrm>
+            <a:off x="1024255" y="2642870"/>
+            <a:ext cx="8718550" cy="3030220"/>
+          </a:xfrm>
+          <a:prstGeom prst="rect">
+            <a:avLst/>
+          </a:prstGeom>
+        </p:spPr>
+      </p:pic>
+    </p:spTree>
+  </p:cSld>
+  <p:clrMapOvr>
+    <a:masterClrMapping/>
+  </p:clrMapOvr>
+  <p:timing>
+    <p:tnLst>
+      <p:par>
+        <p:cTn id="1" dur="indefinite" restart="never" nodeType="tmRoot"/>
+      </p:par>
+    </p:tnLst>
+  </p:timing>
+</p:sld>
+</file>
+
+<file path=ppt/slides/slide16.xml><?xml version="1.0" encoding="utf-8"?>
+<p:sld xmlns:a="http://schemas.openxmlformats.org/drawingml/2006/main" xmlns:r="http://schemas.openxmlformats.org/officeDocument/2006/relationships" xmlns:p="http://schemas.openxmlformats.org/presentationml/2006/main">
+  <p:cSld>
+    <p:spTree>
+      <p:nvGrpSpPr>
+        <p:cNvPr id="1" name=""/>
+        <p:cNvGrpSpPr/>
+        <p:nvPr/>
+      </p:nvGrpSpPr>
+      <p:grpSpPr>
+        <a:xfrm>
+          <a:off x="0" y="0"/>
+          <a:ext cx="0" cy="0"/>
+          <a:chOff x="0" y="0"/>
+          <a:chExt cx="0" cy="0"/>
+        </a:xfrm>
+      </p:grpSpPr>
+      <p:sp>
+        <p:nvSpPr>
+          <p:cNvPr id="2" name="内容占位符 1"/>
+          <p:cNvSpPr>
+            <a:spLocks noGrp="1"/>
+          </p:cNvSpPr>
+          <p:nvPr>
+            <p:ph sz="quarter" idx="11"/>
+          </p:nvPr>
+        </p:nvSpPr>
+        <p:spPr>
+          <a:xfrm>
+            <a:off x="947420" y="236855"/>
+            <a:ext cx="8415655" cy="490220"/>
+          </a:xfrm>
+        </p:spPr>
+        <p:txBody>
+          <a:bodyPr/>
+          <a:p>
+            <a:r>
+              <a:rPr lang="zh-CN" altLang="en-US" dirty="0">
+                <a:sym typeface="+mn-ea"/>
+              </a:rPr>
+              <a:t>作业（</a:t>
+            </a:r>
+            <a:r>
+              <a:rPr lang="zh-CN" altLang="en-US" dirty="0">
+                <a:sym typeface="+mn-ea"/>
+              </a:rPr>
+              <a:t>完成第一个游戏案例，熟悉开发流程</a:t>
+            </a:r>
+            <a:r>
+              <a:rPr lang="zh-CN" altLang="en-US" dirty="0">
+                <a:sym typeface="+mn-ea"/>
+              </a:rPr>
+              <a:t>）</a:t>
+            </a:r>
+            <a:endParaRPr lang="zh-CN" altLang="en-US" dirty="0">
+              <a:sym typeface="+mn-ea"/>
+            </a:endParaRPr>
+          </a:p>
+        </p:txBody>
+      </p:sp>
+      <p:pic>
+        <p:nvPicPr>
+          <p:cNvPr id="3" name="图片 2"/>
+          <p:cNvPicPr>
+            <a:picLocks noChangeAspect="1"/>
+          </p:cNvPicPr>
+          <p:nvPr/>
+        </p:nvPicPr>
+        <p:blipFill>
+          <a:blip r:embed="rId1"/>
+          <a:stretch>
+            <a:fillRect/>
+          </a:stretch>
+        </p:blipFill>
+        <p:spPr>
+          <a:xfrm>
+            <a:off x="1011555" y="1109980"/>
+            <a:ext cx="6879590" cy="3838575"/>
+          </a:xfrm>
+          <a:prstGeom prst="rect">
+            <a:avLst/>
+          </a:prstGeom>
+        </p:spPr>
+      </p:pic>
+      <p:sp>
+        <p:nvSpPr>
+          <p:cNvPr id="4" name="文本框 3"/>
+          <p:cNvSpPr txBox="1"/>
+          <p:nvPr/>
+        </p:nvSpPr>
+        <p:spPr>
+          <a:xfrm>
+            <a:off x="989330" y="5140960"/>
+            <a:ext cx="10435590" cy="706755"/>
+          </a:xfrm>
+          <a:prstGeom prst="rect">
+            <a:avLst/>
+          </a:prstGeom>
+          <a:noFill/>
+        </p:spPr>
+        <p:txBody>
+          <a:bodyPr wrap="square" rtlCol="0">
+            <a:spAutoFit/>
+          </a:bodyPr>
+          <a:p>
+            <a:r>
+              <a:rPr lang="zh-CN" sz="2000">
+                <a:latin typeface="微软雅黑" panose="020B0503020204020204" pitchFamily="34" charset="-122"/>
+                <a:sym typeface="+mn-ea"/>
+              </a:rPr>
+              <a:t>参考链接：</a:t>
+            </a:r>
+            <a:endParaRPr lang="zh-CN" sz="2000">
+              <a:latin typeface="微软雅黑" panose="020B0503020204020204" pitchFamily="34" charset="-122"/>
+              <a:sym typeface="+mn-ea"/>
+            </a:endParaRPr>
+          </a:p>
+          <a:p>
+            <a:r>
+              <a:rPr lang="zh-CN" sz="2000">
+                <a:latin typeface="微软雅黑" panose="020B0503020204020204" pitchFamily="34" charset="-122"/>
+                <a:sym typeface="+mn-ea"/>
+              </a:rPr>
+              <a:t>https://docs.cocos.com/creator/manual/zh/getting-started/quick-start.html</a:t>
+            </a:r>
+            <a:endParaRPr lang="zh-CN" altLang="en-US"/>
+          </a:p>
+        </p:txBody>
+      </p:sp>
+    </p:spTree>
+  </p:cSld>
+  <p:clrMapOvr>
+    <a:masterClrMapping/>
+  </p:clrMapOvr>
+  <p:timing>
+    <p:tnLst>
+      <p:par>
+        <p:cTn id="1" dur="indefinite" restart="never" nodeType="tmRoot"/>
+      </p:par>
+    </p:tnLst>
+  </p:timing>
+</p:sld>
+</file>
+
+<file path=ppt/slides/slide17.xml><?xml version="1.0" encoding="utf-8"?>
 <p:sld xmlns:a="http://schemas.openxmlformats.org/drawingml/2006/main" xmlns:r="http://schemas.openxmlformats.org/officeDocument/2006/relationships" xmlns:p="http://schemas.openxmlformats.org/presentationml/2006/main">
   <p:cSld>
     <p:spTree>
@@ -2305,6 +3493,3171 @@
   <p:clrMapOvr>
     <a:masterClrMapping/>
   </p:clrMapOvr>
+</p:sld>
+</file>
+
+<file path=ppt/slides/slide2.xml><?xml version="1.0" encoding="utf-8"?>
+<p:sld xmlns:a="http://schemas.openxmlformats.org/drawingml/2006/main" xmlns:r="http://schemas.openxmlformats.org/officeDocument/2006/relationships" xmlns:p="http://schemas.openxmlformats.org/presentationml/2006/main">
+  <p:cSld>
+    <p:spTree>
+      <p:nvGrpSpPr>
+        <p:cNvPr id="1" name=""/>
+        <p:cNvGrpSpPr/>
+        <p:nvPr/>
+      </p:nvGrpSpPr>
+      <p:grpSpPr>
+        <a:xfrm>
+          <a:off x="0" y="0"/>
+          <a:ext cx="0" cy="0"/>
+          <a:chOff x="0" y="0"/>
+          <a:chExt cx="0" cy="0"/>
+        </a:xfrm>
+      </p:grpSpPr>
+      <p:sp>
+        <p:nvSpPr>
+          <p:cNvPr id="3" name="内容占位符 2"/>
+          <p:cNvSpPr>
+            <a:spLocks noGrp="1"/>
+          </p:cNvSpPr>
+          <p:nvPr/>
+        </p:nvSpPr>
+        <p:spPr>
+          <a:xfrm>
+            <a:off x="947204" y="236943"/>
+            <a:ext cx="8191557" cy="490476"/>
+          </a:xfrm>
+          <a:prstGeom prst="rect">
+            <a:avLst/>
+          </a:prstGeom>
+        </p:spPr>
+        <p:txBody>
+          <a:bodyPr/>
+          <a:lstStyle>
+            <a:lvl1pPr marL="167005" indent="-167005" algn="l" defTabSz="0" rtl="0" eaLnBrk="0" fontAlgn="base" hangingPunct="0">
+              <a:spcBef>
+                <a:spcPct val="0"/>
+              </a:spcBef>
+              <a:spcAft>
+                <a:spcPct val="15000"/>
+              </a:spcAft>
+              <a:buClr>
+                <a:schemeClr val="tx2"/>
+              </a:buClr>
+              <a:buFont typeface="Arial" panose="020B0604020202020204" pitchFamily="34" charset="0"/>
+              <a:buNone/>
+              <a:defRPr sz="3200" b="0">
+                <a:solidFill>
+                  <a:srgbClr val="C00000"/>
+                </a:solidFill>
+                <a:latin typeface="微软雅黑" panose="020B0503020204020204" pitchFamily="34" charset="-122"/>
+                <a:ea typeface="微软雅黑" panose="020B0503020204020204" pitchFamily="34" charset="-122"/>
+                <a:cs typeface="+mn-cs"/>
+              </a:defRPr>
+            </a:lvl1pPr>
+            <a:lvl2pPr marL="398780" indent="-230505" algn="l" defTabSz="0" rtl="0" eaLnBrk="0" fontAlgn="base" hangingPunct="0">
+              <a:spcBef>
+                <a:spcPct val="0"/>
+              </a:spcBef>
+              <a:spcAft>
+                <a:spcPct val="15000"/>
+              </a:spcAft>
+              <a:buClr>
+                <a:schemeClr val="tx2"/>
+              </a:buClr>
+              <a:buFont typeface="Arial" panose="020B0604020202020204" pitchFamily="34" charset="0"/>
+              <a:buChar char="–"/>
+              <a:defRPr sz="2000">
+                <a:solidFill>
+                  <a:schemeClr val="tx1"/>
+                </a:solidFill>
+                <a:latin typeface="微软雅黑" panose="020B0503020204020204" pitchFamily="34" charset="-122"/>
+                <a:ea typeface="微软雅黑" panose="020B0503020204020204" pitchFamily="34" charset="-122"/>
+              </a:defRPr>
+            </a:lvl2pPr>
+            <a:lvl3pPr marL="400050" indent="182880" algn="l" defTabSz="0" rtl="0" eaLnBrk="0" fontAlgn="base" hangingPunct="0">
+              <a:spcBef>
+                <a:spcPct val="0"/>
+              </a:spcBef>
+              <a:spcAft>
+                <a:spcPct val="15000"/>
+              </a:spcAft>
+              <a:buClr>
+                <a:schemeClr val="tx2"/>
+              </a:buClr>
+              <a:buFont typeface="Arial" panose="020B0604020202020204" pitchFamily="34" charset="0"/>
+              <a:buChar char="•"/>
+              <a:defRPr sz="1600">
+                <a:solidFill>
+                  <a:schemeClr val="tx1"/>
+                </a:solidFill>
+                <a:latin typeface="微软雅黑" panose="020B0503020204020204" pitchFamily="34" charset="-122"/>
+                <a:ea typeface="微软雅黑" panose="020B0503020204020204" pitchFamily="34" charset="-122"/>
+              </a:defRPr>
+            </a:lvl3pPr>
+            <a:lvl4pPr marL="825500" indent="-241300" algn="l" defTabSz="0" rtl="0" eaLnBrk="0" fontAlgn="base" hangingPunct="0">
+              <a:spcBef>
+                <a:spcPct val="0"/>
+              </a:spcBef>
+              <a:spcAft>
+                <a:spcPct val="15000"/>
+              </a:spcAft>
+              <a:buClr>
+                <a:schemeClr val="tx2"/>
+              </a:buClr>
+              <a:buFont typeface="Arial" panose="020B0604020202020204" pitchFamily="34" charset="0"/>
+              <a:buChar char="–"/>
+              <a:defRPr sz="1600">
+                <a:solidFill>
+                  <a:schemeClr val="tx1"/>
+                </a:solidFill>
+                <a:latin typeface="微软雅黑" panose="020B0503020204020204" pitchFamily="34" charset="-122"/>
+                <a:ea typeface="微软雅黑" panose="020B0503020204020204" pitchFamily="34" charset="-122"/>
+              </a:defRPr>
+            </a:lvl4pPr>
+            <a:lvl5pPr marL="2057400" indent="-228600" algn="l" defTabSz="0" rtl="0" eaLnBrk="0" fontAlgn="base" hangingPunct="0">
+              <a:spcBef>
+                <a:spcPct val="0"/>
+              </a:spcBef>
+              <a:spcAft>
+                <a:spcPct val="25000"/>
+              </a:spcAft>
+              <a:buClr>
+                <a:schemeClr val="tx2"/>
+              </a:buClr>
+              <a:buFont typeface="Arial" panose="020B0604020202020204" pitchFamily="34" charset="0"/>
+              <a:buChar char="–"/>
+              <a:defRPr sz="2000">
+                <a:solidFill>
+                  <a:schemeClr val="tx1"/>
+                </a:solidFill>
+                <a:latin typeface="+mn-lt"/>
+                <a:ea typeface="微软雅黑" panose="020B0503020204020204" pitchFamily="34" charset="-122"/>
+              </a:defRPr>
+            </a:lvl5pPr>
+            <a:lvl6pPr marL="2514600" indent="-228600" algn="l" defTabSz="0" rtl="0" eaLnBrk="0" fontAlgn="base" hangingPunct="0">
+              <a:spcBef>
+                <a:spcPct val="0"/>
+              </a:spcBef>
+              <a:spcAft>
+                <a:spcPct val="25000"/>
+              </a:spcAft>
+              <a:buClr>
+                <a:schemeClr val="tx2"/>
+              </a:buClr>
+              <a:buFont typeface="Arial" panose="020B0604020202020204" pitchFamily="34" charset="0"/>
+              <a:buChar char="–"/>
+              <a:defRPr>
+                <a:solidFill>
+                  <a:schemeClr val="tx1"/>
+                </a:solidFill>
+                <a:latin typeface="+mn-lt"/>
+              </a:defRPr>
+            </a:lvl6pPr>
+            <a:lvl7pPr marL="2971800" indent="-228600" algn="l" defTabSz="0" rtl="0" eaLnBrk="0" fontAlgn="base" hangingPunct="0">
+              <a:spcBef>
+                <a:spcPct val="0"/>
+              </a:spcBef>
+              <a:spcAft>
+                <a:spcPct val="25000"/>
+              </a:spcAft>
+              <a:buClr>
+                <a:schemeClr val="tx2"/>
+              </a:buClr>
+              <a:buFont typeface="Arial" panose="020B0604020202020204" pitchFamily="34" charset="0"/>
+              <a:buChar char="–"/>
+              <a:defRPr>
+                <a:solidFill>
+                  <a:schemeClr val="tx1"/>
+                </a:solidFill>
+                <a:latin typeface="+mn-lt"/>
+              </a:defRPr>
+            </a:lvl7pPr>
+            <a:lvl8pPr marL="3429000" indent="-228600" algn="l" defTabSz="0" rtl="0" eaLnBrk="0" fontAlgn="base" hangingPunct="0">
+              <a:spcBef>
+                <a:spcPct val="0"/>
+              </a:spcBef>
+              <a:spcAft>
+                <a:spcPct val="25000"/>
+              </a:spcAft>
+              <a:buClr>
+                <a:schemeClr val="tx2"/>
+              </a:buClr>
+              <a:buFont typeface="Arial" panose="020B0604020202020204" pitchFamily="34" charset="0"/>
+              <a:buChar char="–"/>
+              <a:defRPr>
+                <a:solidFill>
+                  <a:schemeClr val="tx1"/>
+                </a:solidFill>
+                <a:latin typeface="+mn-lt"/>
+              </a:defRPr>
+            </a:lvl8pPr>
+            <a:lvl9pPr marL="3886200" indent="-228600" algn="l" defTabSz="0" rtl="0" eaLnBrk="0" fontAlgn="base" hangingPunct="0">
+              <a:spcBef>
+                <a:spcPct val="0"/>
+              </a:spcBef>
+              <a:spcAft>
+                <a:spcPct val="25000"/>
+              </a:spcAft>
+              <a:buClr>
+                <a:schemeClr val="tx2"/>
+              </a:buClr>
+              <a:buFont typeface="Arial" panose="020B0604020202020204" pitchFamily="34" charset="0"/>
+              <a:buChar char="–"/>
+              <a:defRPr>
+                <a:solidFill>
+                  <a:schemeClr val="tx1"/>
+                </a:solidFill>
+                <a:latin typeface="+mn-lt"/>
+              </a:defRPr>
+            </a:lvl9pPr>
+          </a:lstStyle>
+          <a:p>
+            <a:r>
+              <a:rPr lang="zh-CN" dirty="0" smtClean="0"/>
+              <a:t>内容刚要</a:t>
+            </a:r>
+            <a:endParaRPr lang="zh-CN" dirty="0" smtClean="0"/>
+          </a:p>
+        </p:txBody>
+      </p:sp>
+      <p:sp>
+        <p:nvSpPr>
+          <p:cNvPr id="4" name="AutoShape 6"/>
+          <p:cNvSpPr>
+            <a:spLocks noChangeArrowheads="1"/>
+          </p:cNvSpPr>
+          <p:nvPr/>
+        </p:nvSpPr>
+        <p:spPr bwMode="auto">
+          <a:xfrm>
+            <a:off x="2739708" y="1261111"/>
+            <a:ext cx="6711950" cy="4214813"/>
+          </a:xfrm>
+          <a:prstGeom prst="roundRect">
+            <a:avLst>
+              <a:gd name="adj" fmla="val 16667"/>
+            </a:avLst>
+          </a:prstGeom>
+          <a:noFill/>
+          <a:ln w="28575">
+            <a:solidFill>
+              <a:srgbClr val="C0C0C0"/>
+            </a:solidFill>
+            <a:prstDash val="sysDot"/>
+            <a:round/>
+          </a:ln>
+          <a:extLst>
+            <a:ext uri="{909E8E84-426E-40DD-AFC4-6F175D3DCCD1}">
+              <a14:hiddenFill xmlns:a14="http://schemas.microsoft.com/office/drawing/2010/main">
+                <a:solidFill>
+                  <a:srgbClr val="FFFFFF"/>
+                </a:solidFill>
+              </a14:hiddenFill>
+            </a:ext>
+          </a:extLst>
+        </p:spPr>
+        <p:txBody>
+          <a:bodyPr wrap="none" anchor="ctr"/>
+          <a:lstStyle>
+            <a:lvl1pPr marL="457200" indent="-457200">
+              <a:defRPr sz="3200">
+                <a:solidFill>
+                  <a:schemeClr val="tx1"/>
+                </a:solidFill>
+                <a:latin typeface="Arial" panose="020B0604020202020204" pitchFamily="34" charset="0"/>
+                <a:ea typeface="微软雅黑" panose="020B0503020204020204" pitchFamily="34" charset="-122"/>
+              </a:defRPr>
+            </a:lvl1pPr>
+            <a:lvl2pPr marL="742950" indent="-285750">
+              <a:defRPr sz="3200">
+                <a:solidFill>
+                  <a:schemeClr val="tx1"/>
+                </a:solidFill>
+                <a:latin typeface="Arial" panose="020B0604020202020204" pitchFamily="34" charset="0"/>
+                <a:ea typeface="微软雅黑" panose="020B0503020204020204" pitchFamily="34" charset="-122"/>
+              </a:defRPr>
+            </a:lvl2pPr>
+            <a:lvl3pPr marL="1143000" indent="-228600">
+              <a:defRPr sz="3200">
+                <a:solidFill>
+                  <a:schemeClr val="tx1"/>
+                </a:solidFill>
+                <a:latin typeface="Arial" panose="020B0604020202020204" pitchFamily="34" charset="0"/>
+                <a:ea typeface="微软雅黑" panose="020B0503020204020204" pitchFamily="34" charset="-122"/>
+              </a:defRPr>
+            </a:lvl3pPr>
+            <a:lvl4pPr marL="1600200" indent="-228600">
+              <a:defRPr sz="3200">
+                <a:solidFill>
+                  <a:schemeClr val="tx1"/>
+                </a:solidFill>
+                <a:latin typeface="Arial" panose="020B0604020202020204" pitchFamily="34" charset="0"/>
+                <a:ea typeface="微软雅黑" panose="020B0503020204020204" pitchFamily="34" charset="-122"/>
+              </a:defRPr>
+            </a:lvl4pPr>
+            <a:lvl5pPr marL="2057400" indent="-228600">
+              <a:defRPr sz="3200">
+                <a:solidFill>
+                  <a:schemeClr val="tx1"/>
+                </a:solidFill>
+                <a:latin typeface="Arial" panose="020B0604020202020204" pitchFamily="34" charset="0"/>
+                <a:ea typeface="微软雅黑" panose="020B0503020204020204" pitchFamily="34" charset="-122"/>
+              </a:defRPr>
+            </a:lvl5pPr>
+            <a:lvl6pPr marL="2514600" indent="-228600" eaLnBrk="0" fontAlgn="base" hangingPunct="0">
+              <a:spcBef>
+                <a:spcPct val="0"/>
+              </a:spcBef>
+              <a:spcAft>
+                <a:spcPct val="0"/>
+              </a:spcAft>
+              <a:defRPr sz="3200">
+                <a:solidFill>
+                  <a:schemeClr val="tx1"/>
+                </a:solidFill>
+                <a:latin typeface="Arial" panose="020B0604020202020204" pitchFamily="34" charset="0"/>
+                <a:ea typeface="微软雅黑" panose="020B0503020204020204" pitchFamily="34" charset="-122"/>
+              </a:defRPr>
+            </a:lvl6pPr>
+            <a:lvl7pPr marL="2971800" indent="-228600" eaLnBrk="0" fontAlgn="base" hangingPunct="0">
+              <a:spcBef>
+                <a:spcPct val="0"/>
+              </a:spcBef>
+              <a:spcAft>
+                <a:spcPct val="0"/>
+              </a:spcAft>
+              <a:defRPr sz="3200">
+                <a:solidFill>
+                  <a:schemeClr val="tx1"/>
+                </a:solidFill>
+                <a:latin typeface="Arial" panose="020B0604020202020204" pitchFamily="34" charset="0"/>
+                <a:ea typeface="微软雅黑" panose="020B0503020204020204" pitchFamily="34" charset="-122"/>
+              </a:defRPr>
+            </a:lvl7pPr>
+            <a:lvl8pPr marL="3429000" indent="-228600" eaLnBrk="0" fontAlgn="base" hangingPunct="0">
+              <a:spcBef>
+                <a:spcPct val="0"/>
+              </a:spcBef>
+              <a:spcAft>
+                <a:spcPct val="0"/>
+              </a:spcAft>
+              <a:defRPr sz="3200">
+                <a:solidFill>
+                  <a:schemeClr val="tx1"/>
+                </a:solidFill>
+                <a:latin typeface="Arial" panose="020B0604020202020204" pitchFamily="34" charset="0"/>
+                <a:ea typeface="微软雅黑" panose="020B0503020204020204" pitchFamily="34" charset="-122"/>
+              </a:defRPr>
+            </a:lvl8pPr>
+            <a:lvl9pPr marL="3886200" indent="-228600" eaLnBrk="0" fontAlgn="base" hangingPunct="0">
+              <a:spcBef>
+                <a:spcPct val="0"/>
+              </a:spcBef>
+              <a:spcAft>
+                <a:spcPct val="0"/>
+              </a:spcAft>
+              <a:defRPr sz="3200">
+                <a:solidFill>
+                  <a:schemeClr val="tx1"/>
+                </a:solidFill>
+                <a:latin typeface="Arial" panose="020B0604020202020204" pitchFamily="34" charset="0"/>
+                <a:ea typeface="微软雅黑" panose="020B0503020204020204" pitchFamily="34" charset="-122"/>
+              </a:defRPr>
+            </a:lvl9pPr>
+          </a:lstStyle>
+          <a:p>
+            <a:pPr algn="l">
+              <a:lnSpc>
+                <a:spcPct val="150000"/>
+              </a:lnSpc>
+              <a:spcBef>
+                <a:spcPts val="1200"/>
+              </a:spcBef>
+              <a:spcAft>
+                <a:spcPts val="1200"/>
+              </a:spcAft>
+              <a:buClr>
+                <a:srgbClr val="92D050"/>
+              </a:buClr>
+              <a:buFont typeface="Wingdings" panose="05000000000000000000" pitchFamily="2" charset="2"/>
+              <a:buChar char="Ø"/>
+            </a:pPr>
+            <a:r>
+              <a:rPr lang="en-US" altLang="zh-CN" sz="2800" b="1">
+                <a:solidFill>
+                  <a:srgbClr val="FF0000"/>
+                </a:solidFill>
+                <a:sym typeface="+mn-ea"/>
+              </a:rPr>
+              <a:t>Cocos Creator</a:t>
+            </a:r>
+            <a:r>
+              <a:rPr lang="zh-CN" altLang="en-US" sz="2800" b="1">
+                <a:solidFill>
+                  <a:srgbClr val="FF0000"/>
+                </a:solidFill>
+                <a:sym typeface="+mn-ea"/>
+              </a:rPr>
+              <a:t>流程简介</a:t>
+            </a:r>
+            <a:endParaRPr lang="zh-CN" altLang="en-US" sz="2800" b="1">
+              <a:solidFill>
+                <a:srgbClr val="FF0000"/>
+              </a:solidFill>
+              <a:sym typeface="+mn-ea"/>
+            </a:endParaRPr>
+          </a:p>
+          <a:p>
+            <a:pPr algn="l">
+              <a:lnSpc>
+                <a:spcPct val="150000"/>
+              </a:lnSpc>
+              <a:spcBef>
+                <a:spcPts val="1200"/>
+              </a:spcBef>
+              <a:spcAft>
+                <a:spcPts val="1200"/>
+              </a:spcAft>
+              <a:buClr>
+                <a:srgbClr val="92D050"/>
+              </a:buClr>
+              <a:buFont typeface="Wingdings" panose="05000000000000000000" pitchFamily="2" charset="2"/>
+              <a:buChar char="Ø"/>
+            </a:pPr>
+            <a:r>
+              <a:rPr lang="zh-CN" altLang="en-US" sz="2800" b="1">
+                <a:sym typeface="+mn-ea"/>
+              </a:rPr>
+              <a:t>Cocos Creator项目结构</a:t>
+            </a:r>
+            <a:endParaRPr lang="zh-CN" altLang="en-US" sz="2800" b="1">
+              <a:solidFill>
+                <a:schemeClr val="accent3"/>
+              </a:solidFill>
+              <a:sym typeface="+mn-ea"/>
+            </a:endParaRPr>
+          </a:p>
+          <a:p>
+            <a:pPr algn="l">
+              <a:lnSpc>
+                <a:spcPct val="150000"/>
+              </a:lnSpc>
+              <a:spcBef>
+                <a:spcPts val="1200"/>
+              </a:spcBef>
+              <a:spcAft>
+                <a:spcPts val="1200"/>
+              </a:spcAft>
+              <a:buClr>
+                <a:srgbClr val="92D050"/>
+              </a:buClr>
+              <a:buFont typeface="Wingdings" panose="05000000000000000000" pitchFamily="2" charset="2"/>
+              <a:buChar char="Ø"/>
+            </a:pPr>
+            <a:r>
+              <a:rPr lang="zh-CN" altLang="en-US" sz="2800" b="1">
+                <a:sym typeface="+mn-ea"/>
+              </a:rPr>
+              <a:t>Cocos Creator</a:t>
+            </a:r>
+            <a:r>
+              <a:rPr lang="zh-CN" altLang="en-US" sz="2800" b="1">
+                <a:solidFill>
+                  <a:schemeClr val="tx1"/>
+                </a:solidFill>
+                <a:sym typeface="+mn-ea"/>
+              </a:rPr>
+              <a:t>编辑器基础</a:t>
+            </a:r>
+            <a:endParaRPr lang="zh-CN" altLang="en-US" sz="2800" b="1">
+              <a:solidFill>
+                <a:schemeClr val="tx1"/>
+              </a:solidFill>
+              <a:sym typeface="+mn-ea"/>
+            </a:endParaRPr>
+          </a:p>
+        </p:txBody>
+      </p:sp>
+    </p:spTree>
+  </p:cSld>
+  <p:clrMapOvr>
+    <a:masterClrMapping/>
+  </p:clrMapOvr>
+  <p:timing>
+    <p:tnLst>
+      <p:par>
+        <p:cTn id="1" dur="indefinite" restart="never" nodeType="tmRoot"/>
+      </p:par>
+    </p:tnLst>
+  </p:timing>
+</p:sld>
+</file>
+
+<file path=ppt/slides/slide3.xml><?xml version="1.0" encoding="utf-8"?>
+<p:sld xmlns:a="http://schemas.openxmlformats.org/drawingml/2006/main" xmlns:r="http://schemas.openxmlformats.org/officeDocument/2006/relationships" xmlns:p="http://schemas.openxmlformats.org/presentationml/2006/main">
+  <p:cSld>
+    <p:spTree>
+      <p:nvGrpSpPr>
+        <p:cNvPr id="1" name=""/>
+        <p:cNvGrpSpPr/>
+        <p:nvPr/>
+      </p:nvGrpSpPr>
+      <p:grpSpPr>
+        <a:xfrm>
+          <a:off x="0" y="0"/>
+          <a:ext cx="0" cy="0"/>
+          <a:chOff x="0" y="0"/>
+          <a:chExt cx="0" cy="0"/>
+        </a:xfrm>
+      </p:grpSpPr>
+      <p:sp>
+        <p:nvSpPr>
+          <p:cNvPr id="2" name="内容占位符 1"/>
+          <p:cNvSpPr>
+            <a:spLocks noGrp="1"/>
+          </p:cNvSpPr>
+          <p:nvPr>
+            <p:ph sz="quarter" idx="11"/>
+          </p:nvPr>
+        </p:nvSpPr>
+        <p:spPr>
+          <a:xfrm>
+            <a:off x="947420" y="236855"/>
+            <a:ext cx="8415655" cy="490220"/>
+          </a:xfrm>
+        </p:spPr>
+        <p:txBody>
+          <a:bodyPr/>
+          <a:p>
+            <a:r>
+              <a:rPr kumimoji="0" lang="en-US" altLang="zh-CN" dirty="0"/>
+              <a:t>Cocos Creator</a:t>
+            </a:r>
+            <a:r>
+              <a:rPr kumimoji="0" lang="zh-CN" altLang="en-US" dirty="0"/>
+              <a:t>工作流程</a:t>
+            </a:r>
+            <a:endParaRPr kumimoji="0" lang="zh-CN" altLang="en-US" dirty="0"/>
+          </a:p>
+        </p:txBody>
+      </p:sp>
+      <p:pic>
+        <p:nvPicPr>
+          <p:cNvPr id="3" name="图片 2" descr="1.CocosCreator工作流程"/>
+          <p:cNvPicPr>
+            <a:picLocks noChangeAspect="1"/>
+          </p:cNvPicPr>
+          <p:nvPr/>
+        </p:nvPicPr>
+        <p:blipFill>
+          <a:blip r:embed="rId1"/>
+          <a:stretch>
+            <a:fillRect/>
+          </a:stretch>
+        </p:blipFill>
+        <p:spPr>
+          <a:xfrm>
+            <a:off x="947420" y="1453515"/>
+            <a:ext cx="10847705" cy="3951605"/>
+          </a:xfrm>
+          <a:prstGeom prst="rect">
+            <a:avLst/>
+          </a:prstGeom>
+        </p:spPr>
+      </p:pic>
+    </p:spTree>
+  </p:cSld>
+  <p:clrMapOvr>
+    <a:masterClrMapping/>
+  </p:clrMapOvr>
+  <p:timing>
+    <p:tnLst>
+      <p:par>
+        <p:cTn id="1" dur="indefinite" restart="never" nodeType="tmRoot"/>
+      </p:par>
+    </p:tnLst>
+  </p:timing>
+</p:sld>
+</file>
+
+<file path=ppt/slides/slide4.xml><?xml version="1.0" encoding="utf-8"?>
+<p:sld xmlns:a="http://schemas.openxmlformats.org/drawingml/2006/main" xmlns:r="http://schemas.openxmlformats.org/officeDocument/2006/relationships" xmlns:p="http://schemas.openxmlformats.org/presentationml/2006/main">
+  <p:cSld>
+    <p:spTree>
+      <p:nvGrpSpPr>
+        <p:cNvPr id="1" name=""/>
+        <p:cNvGrpSpPr/>
+        <p:nvPr/>
+      </p:nvGrpSpPr>
+      <p:grpSpPr>
+        <a:xfrm>
+          <a:off x="0" y="0"/>
+          <a:ext cx="0" cy="0"/>
+          <a:chOff x="0" y="0"/>
+          <a:chExt cx="0" cy="0"/>
+        </a:xfrm>
+      </p:grpSpPr>
+      <p:sp>
+        <p:nvSpPr>
+          <p:cNvPr id="2" name="内容占位符 1"/>
+          <p:cNvSpPr>
+            <a:spLocks noGrp="1"/>
+          </p:cNvSpPr>
+          <p:nvPr>
+            <p:ph sz="quarter" idx="11"/>
+          </p:nvPr>
+        </p:nvSpPr>
+        <p:spPr>
+          <a:xfrm>
+            <a:off x="947420" y="236855"/>
+            <a:ext cx="8415655" cy="490220"/>
+          </a:xfrm>
+        </p:spPr>
+        <p:txBody>
+          <a:bodyPr/>
+          <a:p>
+            <a:r>
+              <a:rPr kumimoji="0" lang="en-US" dirty="0"/>
+              <a:t>DashBoard</a:t>
+            </a:r>
+            <a:endParaRPr kumimoji="0" lang="en-US" dirty="0"/>
+          </a:p>
+        </p:txBody>
+      </p:sp>
+      <p:pic>
+        <p:nvPicPr>
+          <p:cNvPr id="4" name="图片 3" descr="4.DashBoard"/>
+          <p:cNvPicPr>
+            <a:picLocks noChangeAspect="1"/>
+          </p:cNvPicPr>
+          <p:nvPr/>
+        </p:nvPicPr>
+        <p:blipFill>
+          <a:blip r:embed="rId1"/>
+          <a:stretch>
+            <a:fillRect/>
+          </a:stretch>
+        </p:blipFill>
+        <p:spPr>
+          <a:xfrm>
+            <a:off x="1165860" y="1626870"/>
+            <a:ext cx="6852920" cy="4260215"/>
+          </a:xfrm>
+          <a:prstGeom prst="rect">
+            <a:avLst/>
+          </a:prstGeom>
+        </p:spPr>
+      </p:pic>
+      <p:pic>
+        <p:nvPicPr>
+          <p:cNvPr id="5" name="图片 4" descr="5.DashBoard"/>
+          <p:cNvPicPr>
+            <a:picLocks noChangeAspect="1"/>
+          </p:cNvPicPr>
+          <p:nvPr/>
+        </p:nvPicPr>
+        <p:blipFill>
+          <a:blip r:embed="rId2"/>
+          <a:srcRect b="6123"/>
+          <a:stretch>
+            <a:fillRect/>
+          </a:stretch>
+        </p:blipFill>
+        <p:spPr>
+          <a:xfrm>
+            <a:off x="2170430" y="1626870"/>
+            <a:ext cx="6852920" cy="4246880"/>
+          </a:xfrm>
+          <a:prstGeom prst="rect">
+            <a:avLst/>
+          </a:prstGeom>
+        </p:spPr>
+      </p:pic>
+      <p:sp>
+        <p:nvSpPr>
+          <p:cNvPr id="5122" name="内容占位符 2"/>
+          <p:cNvSpPr>
+            <a:spLocks noGrp="1"/>
+          </p:cNvSpPr>
+          <p:nvPr/>
+        </p:nvSpPr>
+        <p:spPr>
+          <a:xfrm>
+            <a:off x="896620" y="829945"/>
+            <a:ext cx="10385425" cy="5245100"/>
+          </a:xfrm>
+        </p:spPr>
+        <p:txBody>
+          <a:bodyPr/>
+          <a:lstStyle>
+            <a:lvl1pPr marL="167005" indent="-167005" algn="l" defTabSz="0" rtl="0" eaLnBrk="0" fontAlgn="base" hangingPunct="0">
+              <a:spcBef>
+                <a:spcPct val="0"/>
+              </a:spcBef>
+              <a:spcAft>
+                <a:spcPct val="15000"/>
+              </a:spcAft>
+              <a:buClr>
+                <a:schemeClr val="tx2"/>
+              </a:buClr>
+              <a:buFont typeface="Arial" panose="020B0604020202020204" pitchFamily="34" charset="0"/>
+              <a:buChar char="•"/>
+              <a:defRPr sz="1600">
+                <a:solidFill>
+                  <a:srgbClr val="006F53"/>
+                </a:solidFill>
+                <a:latin typeface="微软雅黑" panose="020B0503020204020204" pitchFamily="34" charset="-122"/>
+                <a:ea typeface="微软雅黑" panose="020B0503020204020204" pitchFamily="34" charset="-122"/>
+                <a:cs typeface="+mn-cs"/>
+              </a:defRPr>
+            </a:lvl1pPr>
+            <a:lvl2pPr marL="398780" indent="-230505" algn="l" defTabSz="0" rtl="0" eaLnBrk="0" fontAlgn="base" hangingPunct="0">
+              <a:spcBef>
+                <a:spcPct val="0"/>
+              </a:spcBef>
+              <a:spcAft>
+                <a:spcPct val="15000"/>
+              </a:spcAft>
+              <a:buClr>
+                <a:schemeClr val="tx2"/>
+              </a:buClr>
+              <a:buFont typeface="Arial" panose="020B0604020202020204" pitchFamily="34" charset="0"/>
+              <a:buChar char="–"/>
+              <a:defRPr sz="2800">
+                <a:solidFill>
+                  <a:schemeClr val="bg2"/>
+                </a:solidFill>
+                <a:latin typeface="微软雅黑" panose="020B0503020204020204" pitchFamily="34" charset="-122"/>
+                <a:ea typeface="微软雅黑" panose="020B0503020204020204" pitchFamily="34" charset="-122"/>
+              </a:defRPr>
+            </a:lvl2pPr>
+            <a:lvl3pPr marL="400050" indent="182880" algn="l" defTabSz="0" rtl="0" eaLnBrk="0" fontAlgn="base" hangingPunct="0">
+              <a:spcBef>
+                <a:spcPct val="0"/>
+              </a:spcBef>
+              <a:spcAft>
+                <a:spcPct val="15000"/>
+              </a:spcAft>
+              <a:buClr>
+                <a:schemeClr val="tx2"/>
+              </a:buClr>
+              <a:buFont typeface="Arial" panose="020B0604020202020204" pitchFamily="34" charset="0"/>
+              <a:buChar char="•"/>
+              <a:defRPr sz="1600">
+                <a:solidFill>
+                  <a:schemeClr val="bg2"/>
+                </a:solidFill>
+                <a:latin typeface="微软雅黑" panose="020B0503020204020204" pitchFamily="34" charset="-122"/>
+                <a:ea typeface="微软雅黑" panose="020B0503020204020204" pitchFamily="34" charset="-122"/>
+              </a:defRPr>
+            </a:lvl3pPr>
+            <a:lvl4pPr marL="825500" indent="-241300" algn="l" defTabSz="0" rtl="0" eaLnBrk="0" fontAlgn="base" hangingPunct="0">
+              <a:spcBef>
+                <a:spcPct val="0"/>
+              </a:spcBef>
+              <a:spcAft>
+                <a:spcPct val="15000"/>
+              </a:spcAft>
+              <a:buClr>
+                <a:schemeClr val="tx2"/>
+              </a:buClr>
+              <a:buFont typeface="Arial" panose="020B0604020202020204" pitchFamily="34" charset="0"/>
+              <a:buChar char="–"/>
+              <a:defRPr sz="1600">
+                <a:solidFill>
+                  <a:schemeClr val="bg2"/>
+                </a:solidFill>
+                <a:latin typeface="微软雅黑" panose="020B0503020204020204" pitchFamily="34" charset="-122"/>
+                <a:ea typeface="微软雅黑" panose="020B0503020204020204" pitchFamily="34" charset="-122"/>
+              </a:defRPr>
+            </a:lvl4pPr>
+            <a:lvl5pPr marL="2057400" indent="-228600" algn="l" defTabSz="0" rtl="0" eaLnBrk="0" fontAlgn="base" hangingPunct="0">
+              <a:spcBef>
+                <a:spcPct val="0"/>
+              </a:spcBef>
+              <a:spcAft>
+                <a:spcPct val="25000"/>
+              </a:spcAft>
+              <a:buClr>
+                <a:schemeClr val="tx2"/>
+              </a:buClr>
+              <a:buFont typeface="Arial" panose="020B0604020202020204" pitchFamily="34" charset="0"/>
+              <a:buChar char="–"/>
+              <a:defRPr sz="2000">
+                <a:solidFill>
+                  <a:schemeClr val="tx1"/>
+                </a:solidFill>
+                <a:latin typeface="+mn-lt"/>
+                <a:ea typeface="微软雅黑" panose="020B0503020204020204" pitchFamily="34" charset="-122"/>
+              </a:defRPr>
+            </a:lvl5pPr>
+            <a:lvl6pPr marL="2514600" indent="-228600" algn="l" defTabSz="0" rtl="0" eaLnBrk="0" fontAlgn="base" hangingPunct="0">
+              <a:spcBef>
+                <a:spcPct val="0"/>
+              </a:spcBef>
+              <a:spcAft>
+                <a:spcPct val="25000"/>
+              </a:spcAft>
+              <a:buClr>
+                <a:schemeClr val="tx2"/>
+              </a:buClr>
+              <a:buFont typeface="Arial" panose="020B0604020202020204" pitchFamily="34" charset="0"/>
+              <a:buChar char="–"/>
+              <a:defRPr>
+                <a:solidFill>
+                  <a:schemeClr val="tx1"/>
+                </a:solidFill>
+                <a:latin typeface="+mn-lt"/>
+              </a:defRPr>
+            </a:lvl6pPr>
+            <a:lvl7pPr marL="2971800" indent="-228600" algn="l" defTabSz="0" rtl="0" eaLnBrk="0" fontAlgn="base" hangingPunct="0">
+              <a:spcBef>
+                <a:spcPct val="0"/>
+              </a:spcBef>
+              <a:spcAft>
+                <a:spcPct val="25000"/>
+              </a:spcAft>
+              <a:buClr>
+                <a:schemeClr val="tx2"/>
+              </a:buClr>
+              <a:buFont typeface="Arial" panose="020B0604020202020204" pitchFamily="34" charset="0"/>
+              <a:buChar char="–"/>
+              <a:defRPr>
+                <a:solidFill>
+                  <a:schemeClr val="tx1"/>
+                </a:solidFill>
+                <a:latin typeface="+mn-lt"/>
+              </a:defRPr>
+            </a:lvl7pPr>
+            <a:lvl8pPr marL="3429000" indent="-228600" algn="l" defTabSz="0" rtl="0" eaLnBrk="0" fontAlgn="base" hangingPunct="0">
+              <a:spcBef>
+                <a:spcPct val="0"/>
+              </a:spcBef>
+              <a:spcAft>
+                <a:spcPct val="25000"/>
+              </a:spcAft>
+              <a:buClr>
+                <a:schemeClr val="tx2"/>
+              </a:buClr>
+              <a:buFont typeface="Arial" panose="020B0604020202020204" pitchFamily="34" charset="0"/>
+              <a:buChar char="–"/>
+              <a:defRPr>
+                <a:solidFill>
+                  <a:schemeClr val="tx1"/>
+                </a:solidFill>
+                <a:latin typeface="+mn-lt"/>
+              </a:defRPr>
+            </a:lvl8pPr>
+            <a:lvl9pPr marL="3886200" indent="-228600" algn="l" defTabSz="0" rtl="0" eaLnBrk="0" fontAlgn="base" hangingPunct="0">
+              <a:spcBef>
+                <a:spcPct val="0"/>
+              </a:spcBef>
+              <a:spcAft>
+                <a:spcPct val="25000"/>
+              </a:spcAft>
+              <a:buClr>
+                <a:schemeClr val="tx2"/>
+              </a:buClr>
+              <a:buFont typeface="Arial" panose="020B0604020202020204" pitchFamily="34" charset="0"/>
+              <a:buChar char="–"/>
+              <a:defRPr>
+                <a:solidFill>
+                  <a:schemeClr val="tx1"/>
+                </a:solidFill>
+                <a:latin typeface="+mn-lt"/>
+              </a:defRPr>
+            </a:lvl9pPr>
+          </a:lstStyle>
+          <a:p>
+            <a:pPr>
+              <a:lnSpc>
+                <a:spcPct val="150000"/>
+              </a:lnSpc>
+              <a:spcBef>
+                <a:spcPts val="1000"/>
+              </a:spcBef>
+            </a:pPr>
+            <a:r>
+              <a:rPr lang="zh-CN" altLang="en-US" sz="2800" noProof="1">
+                <a:solidFill>
+                  <a:schemeClr val="tx1"/>
+                </a:solidFill>
+                <a:latin typeface="微软雅黑" panose="020B0503020204020204" pitchFamily="34" charset="-122"/>
+                <a:ea typeface="微软雅黑" panose="020B0503020204020204" pitchFamily="34" charset="-122"/>
+                <a:sym typeface="+mn-ea"/>
+              </a:rPr>
+              <a:t>使用</a:t>
+            </a:r>
+            <a:r>
+              <a:rPr lang="en-US" altLang="zh-CN" sz="2800" noProof="1">
+                <a:solidFill>
+                  <a:schemeClr val="tx1"/>
+                </a:solidFill>
+                <a:latin typeface="微软雅黑" panose="020B0503020204020204" pitchFamily="34" charset="-122"/>
+                <a:ea typeface="微软雅黑" panose="020B0503020204020204" pitchFamily="34" charset="-122"/>
+                <a:sym typeface="+mn-ea"/>
+              </a:rPr>
+              <a:t>DashBoard</a:t>
+            </a:r>
+            <a:r>
+              <a:rPr lang="zh-CN" altLang="en-US" sz="2800" noProof="1">
+                <a:solidFill>
+                  <a:schemeClr val="tx1"/>
+                </a:solidFill>
+                <a:latin typeface="微软雅黑" panose="020B0503020204020204" pitchFamily="34" charset="-122"/>
+                <a:ea typeface="微软雅黑" panose="020B0503020204020204" pitchFamily="34" charset="-122"/>
+                <a:sym typeface="+mn-ea"/>
+              </a:rPr>
+              <a:t>来创建新项目和管理当前已有项目</a:t>
+            </a:r>
+            <a:endParaRPr lang="zh-CN" altLang="en-US" sz="2000" noProof="1">
+              <a:solidFill>
+                <a:schemeClr val="tx1"/>
+              </a:solidFill>
+              <a:latin typeface="微软雅黑" panose="020B0503020204020204" pitchFamily="34" charset="-122"/>
+              <a:ea typeface="微软雅黑" panose="020B0503020204020204" pitchFamily="34" charset="-122"/>
+              <a:sym typeface="+mn-ea"/>
+            </a:endParaRPr>
+          </a:p>
+          <a:p>
+            <a:pPr>
+              <a:lnSpc>
+                <a:spcPct val="150000"/>
+              </a:lnSpc>
+              <a:spcBef>
+                <a:spcPts val="1000"/>
+              </a:spcBef>
+            </a:pPr>
+            <a:endParaRPr lang="en-US" altLang="zh-CN" sz="2800" noProof="1">
+              <a:solidFill>
+                <a:schemeClr val="tx1"/>
+              </a:solidFill>
+              <a:latin typeface="微软雅黑" panose="020B0503020204020204" pitchFamily="34" charset="-122"/>
+              <a:ea typeface="微软雅黑" panose="020B0503020204020204" pitchFamily="34" charset="-122"/>
+            </a:endParaRPr>
+          </a:p>
+          <a:p>
+            <a:pPr marL="0" indent="0">
+              <a:buFont typeface="Wingdings 2" panose="05020102010507070707" pitchFamily="18" charset="2"/>
+              <a:buNone/>
+            </a:pPr>
+            <a:endParaRPr lang="en-US" altLang="zh-CN" noProof="1">
+              <a:solidFill>
+                <a:schemeClr val="tx1"/>
+              </a:solidFill>
+              <a:latin typeface="微软雅黑" panose="020B0503020204020204" pitchFamily="34" charset="-122"/>
+              <a:ea typeface="微软雅黑" panose="020B0503020204020204" pitchFamily="34" charset="-122"/>
+            </a:endParaRPr>
+          </a:p>
+        </p:txBody>
+      </p:sp>
+    </p:spTree>
+  </p:cSld>
+  <p:clrMapOvr>
+    <a:masterClrMapping/>
+  </p:clrMapOvr>
+  <p:timing>
+    <p:tnLst>
+      <p:par>
+        <p:cTn id="1" dur="indefinite" restart="never" nodeType="tmRoot">
+          <p:childTnLst>
+            <p:seq concurrent="1" nextAc="seek">
+              <p:cTn id="2" dur="indefinite" nodeType="mainSeq">
+                <p:childTnLst>
+                  <p:par>
+                    <p:cTn id="3" fill="hold">
+                      <p:stCondLst>
+                        <p:cond delay="indefinite"/>
+                      </p:stCondLst>
+                      <p:childTnLst>
+                        <p:par>
+                          <p:cTn id="4" fill="hold">
+                            <p:stCondLst>
+                              <p:cond delay="0"/>
+                            </p:stCondLst>
+                            <p:childTnLst>
+                              <p:par>
+                                <p:cTn id="5" presetID="2" presetClass="entr" presetSubtype="4" fill="hold" nodeType="clickEffect">
+                                  <p:stCondLst>
+                                    <p:cond delay="0"/>
+                                  </p:stCondLst>
+                                  <p:childTnLst>
+                                    <p:set>
+                                      <p:cBhvr>
+                                        <p:cTn id="6" dur="1" fill="hold">
+                                          <p:stCondLst>
+                                            <p:cond delay="0"/>
+                                          </p:stCondLst>
+                                        </p:cTn>
+                                        <p:tgtEl>
+                                          <p:spTgt spid="4"/>
+                                        </p:tgtEl>
+                                        <p:attrNameLst>
+                                          <p:attrName>style.visibility</p:attrName>
+                                        </p:attrNameLst>
+                                      </p:cBhvr>
+                                      <p:to>
+                                        <p:strVal val="visible"/>
+                                      </p:to>
+                                    </p:set>
+                                    <p:anim calcmode="lin" valueType="num">
+                                      <p:cBhvr additive="base">
+                                        <p:cTn id="7" dur="500" fill="hold"/>
+                                        <p:tgtEl>
+                                          <p:spTgt spid="4"/>
+                                        </p:tgtEl>
+                                        <p:attrNameLst>
+                                          <p:attrName>ppt_x</p:attrName>
+                                        </p:attrNameLst>
+                                      </p:cBhvr>
+                                      <p:tavLst>
+                                        <p:tav tm="0">
+                                          <p:val>
+                                            <p:strVal val="#ppt_x"/>
+                                          </p:val>
+                                        </p:tav>
+                                        <p:tav tm="100000">
+                                          <p:val>
+                                            <p:strVal val="#ppt_x"/>
+                                          </p:val>
+                                        </p:tav>
+                                      </p:tavLst>
+                                    </p:anim>
+                                    <p:anim calcmode="lin" valueType="num">
+                                      <p:cBhvr additive="base">
+                                        <p:cTn id="8" dur="500" fill="hold"/>
+                                        <p:tgtEl>
+                                          <p:spTgt spid="4"/>
+                                        </p:tgtEl>
+                                        <p:attrNameLst>
+                                          <p:attrName>ppt_y</p:attrName>
+                                        </p:attrNameLst>
+                                      </p:cBhvr>
+                                      <p:tavLst>
+                                        <p:tav tm="0">
+                                          <p:val>
+                                            <p:strVal val="1+#ppt_h/2"/>
+                                          </p:val>
+                                        </p:tav>
+                                        <p:tav tm="100000">
+                                          <p:val>
+                                            <p:strVal val="#ppt_y"/>
+                                          </p:val>
+                                        </p:tav>
+                                      </p:tavLst>
+                                    </p:anim>
+                                  </p:childTnLst>
+                                </p:cTn>
+                              </p:par>
+                            </p:childTnLst>
+                          </p:cTn>
+                        </p:par>
+                      </p:childTnLst>
+                    </p:cTn>
+                  </p:par>
+                  <p:par>
+                    <p:cTn id="9" fill="hold">
+                      <p:stCondLst>
+                        <p:cond delay="indefinite"/>
+                      </p:stCondLst>
+                      <p:childTnLst>
+                        <p:par>
+                          <p:cTn id="10" fill="hold">
+                            <p:stCondLst>
+                              <p:cond delay="0"/>
+                            </p:stCondLst>
+                            <p:childTnLst>
+                              <p:par>
+                                <p:cTn id="11" presetID="2" presetClass="entr" presetSubtype="4" fill="hold" nodeType="clickEffect">
+                                  <p:stCondLst>
+                                    <p:cond delay="0"/>
+                                  </p:stCondLst>
+                                  <p:childTnLst>
+                                    <p:set>
+                                      <p:cBhvr>
+                                        <p:cTn id="12" dur="1" fill="hold">
+                                          <p:stCondLst>
+                                            <p:cond delay="0"/>
+                                          </p:stCondLst>
+                                        </p:cTn>
+                                        <p:tgtEl>
+                                          <p:spTgt spid="5"/>
+                                        </p:tgtEl>
+                                        <p:attrNameLst>
+                                          <p:attrName>style.visibility</p:attrName>
+                                        </p:attrNameLst>
+                                      </p:cBhvr>
+                                      <p:to>
+                                        <p:strVal val="visible"/>
+                                      </p:to>
+                                    </p:set>
+                                    <p:anim calcmode="lin" valueType="num">
+                                      <p:cBhvr additive="base">
+                                        <p:cTn id="13" dur="500" fill="hold"/>
+                                        <p:tgtEl>
+                                          <p:spTgt spid="5"/>
+                                        </p:tgtEl>
+                                        <p:attrNameLst>
+                                          <p:attrName>ppt_x</p:attrName>
+                                        </p:attrNameLst>
+                                      </p:cBhvr>
+                                      <p:tavLst>
+                                        <p:tav tm="0">
+                                          <p:val>
+                                            <p:strVal val="#ppt_x"/>
+                                          </p:val>
+                                        </p:tav>
+                                        <p:tav tm="100000">
+                                          <p:val>
+                                            <p:strVal val="#ppt_x"/>
+                                          </p:val>
+                                        </p:tav>
+                                      </p:tavLst>
+                                    </p:anim>
+                                    <p:anim calcmode="lin" valueType="num">
+                                      <p:cBhvr additive="base">
+                                        <p:cTn id="14" dur="500" fill="hold"/>
+                                        <p:tgtEl>
+                                          <p:spTgt spid="5"/>
+                                        </p:tgtEl>
+                                        <p:attrNameLst>
+                                          <p:attrName>ppt_y</p:attrName>
+                                        </p:attrNameLst>
+                                      </p:cBhvr>
+                                      <p:tavLst>
+                                        <p:tav tm="0">
+                                          <p:val>
+                                            <p:strVal val="1+#ppt_h/2"/>
+                                          </p:val>
+                                        </p:tav>
+                                        <p:tav tm="100000">
+                                          <p:val>
+                                            <p:strVal val="#ppt_y"/>
+                                          </p:val>
+                                        </p:tav>
+                                      </p:tavLst>
+                                    </p:anim>
+                                  </p:childTnLst>
+                                </p:cTn>
+                              </p:par>
+                            </p:childTnLst>
+                          </p:cTn>
+                        </p:par>
+                      </p:childTnLst>
+                    </p:cTn>
+                  </p:par>
+                </p:childTnLst>
+              </p:cTn>
+              <p:prevCondLst>
+                <p:cond evt="onPrev" delay="0">
+                  <p:tgtEl>
+                    <p:sldTgt/>
+                  </p:tgtEl>
+                </p:cond>
+              </p:prevCondLst>
+              <p:nextCondLst>
+                <p:cond evt="onNext" delay="0">
+                  <p:tgtEl>
+                    <p:sldTgt/>
+                  </p:tgtEl>
+                </p:cond>
+              </p:nextCondLst>
+            </p:seq>
+          </p:childTnLst>
+        </p:cTn>
+      </p:par>
+    </p:tnLst>
+  </p:timing>
+</p:sld>
+</file>
+
+<file path=ppt/slides/slide5.xml><?xml version="1.0" encoding="utf-8"?>
+<p:sld xmlns:a="http://schemas.openxmlformats.org/drawingml/2006/main" xmlns:r="http://schemas.openxmlformats.org/officeDocument/2006/relationships" xmlns:p="http://schemas.openxmlformats.org/presentationml/2006/main">
+  <p:cSld>
+    <p:spTree>
+      <p:nvGrpSpPr>
+        <p:cNvPr id="1" name=""/>
+        <p:cNvGrpSpPr/>
+        <p:nvPr/>
+      </p:nvGrpSpPr>
+      <p:grpSpPr>
+        <a:xfrm>
+          <a:off x="0" y="0"/>
+          <a:ext cx="0" cy="0"/>
+          <a:chOff x="0" y="0"/>
+          <a:chExt cx="0" cy="0"/>
+        </a:xfrm>
+      </p:grpSpPr>
+      <p:sp>
+        <p:nvSpPr>
+          <p:cNvPr id="3" name="内容占位符 2"/>
+          <p:cNvSpPr>
+            <a:spLocks noGrp="1"/>
+          </p:cNvSpPr>
+          <p:nvPr/>
+        </p:nvSpPr>
+        <p:spPr>
+          <a:xfrm>
+            <a:off x="947204" y="236943"/>
+            <a:ext cx="8191557" cy="490476"/>
+          </a:xfrm>
+          <a:prstGeom prst="rect">
+            <a:avLst/>
+          </a:prstGeom>
+        </p:spPr>
+        <p:txBody>
+          <a:bodyPr/>
+          <a:lstStyle>
+            <a:lvl1pPr marL="167005" indent="-167005" algn="l" defTabSz="0" rtl="0" eaLnBrk="0" fontAlgn="base" hangingPunct="0">
+              <a:spcBef>
+                <a:spcPct val="0"/>
+              </a:spcBef>
+              <a:spcAft>
+                <a:spcPct val="15000"/>
+              </a:spcAft>
+              <a:buClr>
+                <a:schemeClr val="tx2"/>
+              </a:buClr>
+              <a:buFont typeface="Arial" panose="020B0604020202020204" pitchFamily="34" charset="0"/>
+              <a:buNone/>
+              <a:defRPr sz="3200" b="0">
+                <a:solidFill>
+                  <a:srgbClr val="C00000"/>
+                </a:solidFill>
+                <a:latin typeface="微软雅黑" panose="020B0503020204020204" pitchFamily="34" charset="-122"/>
+                <a:ea typeface="微软雅黑" panose="020B0503020204020204" pitchFamily="34" charset="-122"/>
+                <a:cs typeface="+mn-cs"/>
+              </a:defRPr>
+            </a:lvl1pPr>
+            <a:lvl2pPr marL="398780" indent="-230505" algn="l" defTabSz="0" rtl="0" eaLnBrk="0" fontAlgn="base" hangingPunct="0">
+              <a:spcBef>
+                <a:spcPct val="0"/>
+              </a:spcBef>
+              <a:spcAft>
+                <a:spcPct val="15000"/>
+              </a:spcAft>
+              <a:buClr>
+                <a:schemeClr val="tx2"/>
+              </a:buClr>
+              <a:buFont typeface="Arial" panose="020B0604020202020204" pitchFamily="34" charset="0"/>
+              <a:buChar char="–"/>
+              <a:defRPr sz="2000">
+                <a:solidFill>
+                  <a:schemeClr val="tx1"/>
+                </a:solidFill>
+                <a:latin typeface="微软雅黑" panose="020B0503020204020204" pitchFamily="34" charset="-122"/>
+                <a:ea typeface="微软雅黑" panose="020B0503020204020204" pitchFamily="34" charset="-122"/>
+              </a:defRPr>
+            </a:lvl2pPr>
+            <a:lvl3pPr marL="400050" indent="182880" algn="l" defTabSz="0" rtl="0" eaLnBrk="0" fontAlgn="base" hangingPunct="0">
+              <a:spcBef>
+                <a:spcPct val="0"/>
+              </a:spcBef>
+              <a:spcAft>
+                <a:spcPct val="15000"/>
+              </a:spcAft>
+              <a:buClr>
+                <a:schemeClr val="tx2"/>
+              </a:buClr>
+              <a:buFont typeface="Arial" panose="020B0604020202020204" pitchFamily="34" charset="0"/>
+              <a:buChar char="•"/>
+              <a:defRPr sz="1600">
+                <a:solidFill>
+                  <a:schemeClr val="tx1"/>
+                </a:solidFill>
+                <a:latin typeface="微软雅黑" panose="020B0503020204020204" pitchFamily="34" charset="-122"/>
+                <a:ea typeface="微软雅黑" panose="020B0503020204020204" pitchFamily="34" charset="-122"/>
+              </a:defRPr>
+            </a:lvl3pPr>
+            <a:lvl4pPr marL="825500" indent="-241300" algn="l" defTabSz="0" rtl="0" eaLnBrk="0" fontAlgn="base" hangingPunct="0">
+              <a:spcBef>
+                <a:spcPct val="0"/>
+              </a:spcBef>
+              <a:spcAft>
+                <a:spcPct val="15000"/>
+              </a:spcAft>
+              <a:buClr>
+                <a:schemeClr val="tx2"/>
+              </a:buClr>
+              <a:buFont typeface="Arial" panose="020B0604020202020204" pitchFamily="34" charset="0"/>
+              <a:buChar char="–"/>
+              <a:defRPr sz="1600">
+                <a:solidFill>
+                  <a:schemeClr val="tx1"/>
+                </a:solidFill>
+                <a:latin typeface="微软雅黑" panose="020B0503020204020204" pitchFamily="34" charset="-122"/>
+                <a:ea typeface="微软雅黑" panose="020B0503020204020204" pitchFamily="34" charset="-122"/>
+              </a:defRPr>
+            </a:lvl4pPr>
+            <a:lvl5pPr marL="2057400" indent="-228600" algn="l" defTabSz="0" rtl="0" eaLnBrk="0" fontAlgn="base" hangingPunct="0">
+              <a:spcBef>
+                <a:spcPct val="0"/>
+              </a:spcBef>
+              <a:spcAft>
+                <a:spcPct val="25000"/>
+              </a:spcAft>
+              <a:buClr>
+                <a:schemeClr val="tx2"/>
+              </a:buClr>
+              <a:buFont typeface="Arial" panose="020B0604020202020204" pitchFamily="34" charset="0"/>
+              <a:buChar char="–"/>
+              <a:defRPr sz="2000">
+                <a:solidFill>
+                  <a:schemeClr val="tx1"/>
+                </a:solidFill>
+                <a:latin typeface="+mn-lt"/>
+                <a:ea typeface="微软雅黑" panose="020B0503020204020204" pitchFamily="34" charset="-122"/>
+              </a:defRPr>
+            </a:lvl5pPr>
+            <a:lvl6pPr marL="2514600" indent="-228600" algn="l" defTabSz="0" rtl="0" eaLnBrk="0" fontAlgn="base" hangingPunct="0">
+              <a:spcBef>
+                <a:spcPct val="0"/>
+              </a:spcBef>
+              <a:spcAft>
+                <a:spcPct val="25000"/>
+              </a:spcAft>
+              <a:buClr>
+                <a:schemeClr val="tx2"/>
+              </a:buClr>
+              <a:buFont typeface="Arial" panose="020B0604020202020204" pitchFamily="34" charset="0"/>
+              <a:buChar char="–"/>
+              <a:defRPr>
+                <a:solidFill>
+                  <a:schemeClr val="tx1"/>
+                </a:solidFill>
+                <a:latin typeface="+mn-lt"/>
+              </a:defRPr>
+            </a:lvl6pPr>
+            <a:lvl7pPr marL="2971800" indent="-228600" algn="l" defTabSz="0" rtl="0" eaLnBrk="0" fontAlgn="base" hangingPunct="0">
+              <a:spcBef>
+                <a:spcPct val="0"/>
+              </a:spcBef>
+              <a:spcAft>
+                <a:spcPct val="25000"/>
+              </a:spcAft>
+              <a:buClr>
+                <a:schemeClr val="tx2"/>
+              </a:buClr>
+              <a:buFont typeface="Arial" panose="020B0604020202020204" pitchFamily="34" charset="0"/>
+              <a:buChar char="–"/>
+              <a:defRPr>
+                <a:solidFill>
+                  <a:schemeClr val="tx1"/>
+                </a:solidFill>
+                <a:latin typeface="+mn-lt"/>
+              </a:defRPr>
+            </a:lvl7pPr>
+            <a:lvl8pPr marL="3429000" indent="-228600" algn="l" defTabSz="0" rtl="0" eaLnBrk="0" fontAlgn="base" hangingPunct="0">
+              <a:spcBef>
+                <a:spcPct val="0"/>
+              </a:spcBef>
+              <a:spcAft>
+                <a:spcPct val="25000"/>
+              </a:spcAft>
+              <a:buClr>
+                <a:schemeClr val="tx2"/>
+              </a:buClr>
+              <a:buFont typeface="Arial" panose="020B0604020202020204" pitchFamily="34" charset="0"/>
+              <a:buChar char="–"/>
+              <a:defRPr>
+                <a:solidFill>
+                  <a:schemeClr val="tx1"/>
+                </a:solidFill>
+                <a:latin typeface="+mn-lt"/>
+              </a:defRPr>
+            </a:lvl8pPr>
+            <a:lvl9pPr marL="3886200" indent="-228600" algn="l" defTabSz="0" rtl="0" eaLnBrk="0" fontAlgn="base" hangingPunct="0">
+              <a:spcBef>
+                <a:spcPct val="0"/>
+              </a:spcBef>
+              <a:spcAft>
+                <a:spcPct val="25000"/>
+              </a:spcAft>
+              <a:buClr>
+                <a:schemeClr val="tx2"/>
+              </a:buClr>
+              <a:buFont typeface="Arial" panose="020B0604020202020204" pitchFamily="34" charset="0"/>
+              <a:buChar char="–"/>
+              <a:defRPr>
+                <a:solidFill>
+                  <a:schemeClr val="tx1"/>
+                </a:solidFill>
+                <a:latin typeface="+mn-lt"/>
+              </a:defRPr>
+            </a:lvl9pPr>
+          </a:lstStyle>
+          <a:p>
+            <a:r>
+              <a:rPr lang="zh-CN" dirty="0" smtClean="0"/>
+              <a:t>内容刚要</a:t>
+            </a:r>
+            <a:endParaRPr lang="zh-CN" dirty="0" smtClean="0"/>
+          </a:p>
+        </p:txBody>
+      </p:sp>
+      <p:sp>
+        <p:nvSpPr>
+          <p:cNvPr id="4" name="AutoShape 6"/>
+          <p:cNvSpPr>
+            <a:spLocks noChangeArrowheads="1"/>
+          </p:cNvSpPr>
+          <p:nvPr/>
+        </p:nvSpPr>
+        <p:spPr bwMode="auto">
+          <a:xfrm>
+            <a:off x="2739708" y="1261111"/>
+            <a:ext cx="6711950" cy="4214813"/>
+          </a:xfrm>
+          <a:prstGeom prst="roundRect">
+            <a:avLst>
+              <a:gd name="adj" fmla="val 16667"/>
+            </a:avLst>
+          </a:prstGeom>
+          <a:noFill/>
+          <a:ln w="28575">
+            <a:solidFill>
+              <a:srgbClr val="C0C0C0"/>
+            </a:solidFill>
+            <a:prstDash val="sysDot"/>
+            <a:round/>
+          </a:ln>
+          <a:extLst>
+            <a:ext uri="{909E8E84-426E-40DD-AFC4-6F175D3DCCD1}">
+              <a14:hiddenFill xmlns:a14="http://schemas.microsoft.com/office/drawing/2010/main">
+                <a:solidFill>
+                  <a:srgbClr val="FFFFFF"/>
+                </a:solidFill>
+              </a14:hiddenFill>
+            </a:ext>
+          </a:extLst>
+        </p:spPr>
+        <p:txBody>
+          <a:bodyPr wrap="none" anchor="ctr"/>
+          <a:lstStyle>
+            <a:lvl1pPr marL="457200" indent="-457200">
+              <a:defRPr sz="3200">
+                <a:solidFill>
+                  <a:schemeClr val="tx1"/>
+                </a:solidFill>
+                <a:latin typeface="Arial" panose="020B0604020202020204" pitchFamily="34" charset="0"/>
+                <a:ea typeface="微软雅黑" panose="020B0503020204020204" pitchFamily="34" charset="-122"/>
+              </a:defRPr>
+            </a:lvl1pPr>
+            <a:lvl2pPr marL="742950" indent="-285750">
+              <a:defRPr sz="3200">
+                <a:solidFill>
+                  <a:schemeClr val="tx1"/>
+                </a:solidFill>
+                <a:latin typeface="Arial" panose="020B0604020202020204" pitchFamily="34" charset="0"/>
+                <a:ea typeface="微软雅黑" panose="020B0503020204020204" pitchFamily="34" charset="-122"/>
+              </a:defRPr>
+            </a:lvl2pPr>
+            <a:lvl3pPr marL="1143000" indent="-228600">
+              <a:defRPr sz="3200">
+                <a:solidFill>
+                  <a:schemeClr val="tx1"/>
+                </a:solidFill>
+                <a:latin typeface="Arial" panose="020B0604020202020204" pitchFamily="34" charset="0"/>
+                <a:ea typeface="微软雅黑" panose="020B0503020204020204" pitchFamily="34" charset="-122"/>
+              </a:defRPr>
+            </a:lvl3pPr>
+            <a:lvl4pPr marL="1600200" indent="-228600">
+              <a:defRPr sz="3200">
+                <a:solidFill>
+                  <a:schemeClr val="tx1"/>
+                </a:solidFill>
+                <a:latin typeface="Arial" panose="020B0604020202020204" pitchFamily="34" charset="0"/>
+                <a:ea typeface="微软雅黑" panose="020B0503020204020204" pitchFamily="34" charset="-122"/>
+              </a:defRPr>
+            </a:lvl4pPr>
+            <a:lvl5pPr marL="2057400" indent="-228600">
+              <a:defRPr sz="3200">
+                <a:solidFill>
+                  <a:schemeClr val="tx1"/>
+                </a:solidFill>
+                <a:latin typeface="Arial" panose="020B0604020202020204" pitchFamily="34" charset="0"/>
+                <a:ea typeface="微软雅黑" panose="020B0503020204020204" pitchFamily="34" charset="-122"/>
+              </a:defRPr>
+            </a:lvl5pPr>
+            <a:lvl6pPr marL="2514600" indent="-228600" eaLnBrk="0" fontAlgn="base" hangingPunct="0">
+              <a:spcBef>
+                <a:spcPct val="0"/>
+              </a:spcBef>
+              <a:spcAft>
+                <a:spcPct val="0"/>
+              </a:spcAft>
+              <a:defRPr sz="3200">
+                <a:solidFill>
+                  <a:schemeClr val="tx1"/>
+                </a:solidFill>
+                <a:latin typeface="Arial" panose="020B0604020202020204" pitchFamily="34" charset="0"/>
+                <a:ea typeface="微软雅黑" panose="020B0503020204020204" pitchFamily="34" charset="-122"/>
+              </a:defRPr>
+            </a:lvl6pPr>
+            <a:lvl7pPr marL="2971800" indent="-228600" eaLnBrk="0" fontAlgn="base" hangingPunct="0">
+              <a:spcBef>
+                <a:spcPct val="0"/>
+              </a:spcBef>
+              <a:spcAft>
+                <a:spcPct val="0"/>
+              </a:spcAft>
+              <a:defRPr sz="3200">
+                <a:solidFill>
+                  <a:schemeClr val="tx1"/>
+                </a:solidFill>
+                <a:latin typeface="Arial" panose="020B0604020202020204" pitchFamily="34" charset="0"/>
+                <a:ea typeface="微软雅黑" panose="020B0503020204020204" pitchFamily="34" charset="-122"/>
+              </a:defRPr>
+            </a:lvl7pPr>
+            <a:lvl8pPr marL="3429000" indent="-228600" eaLnBrk="0" fontAlgn="base" hangingPunct="0">
+              <a:spcBef>
+                <a:spcPct val="0"/>
+              </a:spcBef>
+              <a:spcAft>
+                <a:spcPct val="0"/>
+              </a:spcAft>
+              <a:defRPr sz="3200">
+                <a:solidFill>
+                  <a:schemeClr val="tx1"/>
+                </a:solidFill>
+                <a:latin typeface="Arial" panose="020B0604020202020204" pitchFamily="34" charset="0"/>
+                <a:ea typeface="微软雅黑" panose="020B0503020204020204" pitchFamily="34" charset="-122"/>
+              </a:defRPr>
+            </a:lvl8pPr>
+            <a:lvl9pPr marL="3886200" indent="-228600" eaLnBrk="0" fontAlgn="base" hangingPunct="0">
+              <a:spcBef>
+                <a:spcPct val="0"/>
+              </a:spcBef>
+              <a:spcAft>
+                <a:spcPct val="0"/>
+              </a:spcAft>
+              <a:defRPr sz="3200">
+                <a:solidFill>
+                  <a:schemeClr val="tx1"/>
+                </a:solidFill>
+                <a:latin typeface="Arial" panose="020B0604020202020204" pitchFamily="34" charset="0"/>
+                <a:ea typeface="微软雅黑" panose="020B0503020204020204" pitchFamily="34" charset="-122"/>
+              </a:defRPr>
+            </a:lvl9pPr>
+          </a:lstStyle>
+          <a:p>
+            <a:pPr algn="l">
+              <a:lnSpc>
+                <a:spcPct val="150000"/>
+              </a:lnSpc>
+              <a:spcBef>
+                <a:spcPts val="1200"/>
+              </a:spcBef>
+              <a:spcAft>
+                <a:spcPts val="1200"/>
+              </a:spcAft>
+              <a:buClr>
+                <a:srgbClr val="92D050"/>
+              </a:buClr>
+              <a:buFont typeface="Wingdings" panose="05000000000000000000" pitchFamily="2" charset="2"/>
+              <a:buChar char="Ø"/>
+            </a:pPr>
+            <a:r>
+              <a:rPr lang="en-US" altLang="zh-CN" sz="2800" b="1">
+                <a:solidFill>
+                  <a:schemeClr val="tx1"/>
+                </a:solidFill>
+                <a:sym typeface="+mn-ea"/>
+              </a:rPr>
+              <a:t>Cocos Creator</a:t>
+            </a:r>
+            <a:r>
+              <a:rPr lang="zh-CN" altLang="en-US" sz="2800" b="1">
+                <a:solidFill>
+                  <a:schemeClr val="tx1"/>
+                </a:solidFill>
+                <a:sym typeface="+mn-ea"/>
+              </a:rPr>
+              <a:t>流程简介</a:t>
+            </a:r>
+            <a:endParaRPr lang="zh-CN" altLang="en-US" sz="2800" b="1">
+              <a:solidFill>
+                <a:srgbClr val="FF0000"/>
+              </a:solidFill>
+              <a:sym typeface="+mn-ea"/>
+            </a:endParaRPr>
+          </a:p>
+          <a:p>
+            <a:pPr algn="l">
+              <a:lnSpc>
+                <a:spcPct val="150000"/>
+              </a:lnSpc>
+              <a:spcBef>
+                <a:spcPts val="1200"/>
+              </a:spcBef>
+              <a:spcAft>
+                <a:spcPts val="1200"/>
+              </a:spcAft>
+              <a:buClr>
+                <a:srgbClr val="92D050"/>
+              </a:buClr>
+              <a:buFont typeface="Wingdings" panose="05000000000000000000" pitchFamily="2" charset="2"/>
+              <a:buChar char="Ø"/>
+            </a:pPr>
+            <a:r>
+              <a:rPr lang="zh-CN" altLang="en-US" sz="2800" b="1">
+                <a:solidFill>
+                  <a:srgbClr val="FF0000"/>
+                </a:solidFill>
+                <a:sym typeface="+mn-ea"/>
+              </a:rPr>
+              <a:t>Cocos Creator项目结构</a:t>
+            </a:r>
+            <a:endParaRPr lang="zh-CN" altLang="en-US" sz="2800" b="1">
+              <a:solidFill>
+                <a:schemeClr val="accent3"/>
+              </a:solidFill>
+              <a:sym typeface="+mn-ea"/>
+            </a:endParaRPr>
+          </a:p>
+          <a:p>
+            <a:pPr algn="l">
+              <a:lnSpc>
+                <a:spcPct val="150000"/>
+              </a:lnSpc>
+              <a:spcBef>
+                <a:spcPts val="1200"/>
+              </a:spcBef>
+              <a:spcAft>
+                <a:spcPts val="1200"/>
+              </a:spcAft>
+              <a:buClr>
+                <a:srgbClr val="92D050"/>
+              </a:buClr>
+              <a:buFont typeface="Wingdings" panose="05000000000000000000" pitchFamily="2" charset="2"/>
+              <a:buChar char="Ø"/>
+            </a:pPr>
+            <a:r>
+              <a:rPr lang="zh-CN" altLang="en-US" sz="2800" b="1">
+                <a:sym typeface="+mn-ea"/>
+              </a:rPr>
+              <a:t>Cocos Creator</a:t>
+            </a:r>
+            <a:r>
+              <a:rPr lang="zh-CN" altLang="en-US" sz="2800" b="1">
+                <a:solidFill>
+                  <a:schemeClr val="tx1"/>
+                </a:solidFill>
+                <a:sym typeface="+mn-ea"/>
+              </a:rPr>
+              <a:t>编辑器基础</a:t>
+            </a:r>
+            <a:endParaRPr lang="zh-CN" altLang="en-US" sz="2800" b="1">
+              <a:solidFill>
+                <a:schemeClr val="tx1"/>
+              </a:solidFill>
+              <a:sym typeface="+mn-ea"/>
+            </a:endParaRPr>
+          </a:p>
+        </p:txBody>
+      </p:sp>
+    </p:spTree>
+  </p:cSld>
+  <p:clrMapOvr>
+    <a:masterClrMapping/>
+  </p:clrMapOvr>
+  <p:timing>
+    <p:tnLst>
+      <p:par>
+        <p:cTn id="1" dur="indefinite" restart="never" nodeType="tmRoot"/>
+      </p:par>
+    </p:tnLst>
+  </p:timing>
+</p:sld>
+</file>
+
+<file path=ppt/slides/slide6.xml><?xml version="1.0" encoding="utf-8"?>
+<p:sld xmlns:a="http://schemas.openxmlformats.org/drawingml/2006/main" xmlns:r="http://schemas.openxmlformats.org/officeDocument/2006/relationships" xmlns:p="http://schemas.openxmlformats.org/presentationml/2006/main">
+  <p:cSld>
+    <p:spTree>
+      <p:nvGrpSpPr>
+        <p:cNvPr id="1" name=""/>
+        <p:cNvGrpSpPr/>
+        <p:nvPr/>
+      </p:nvGrpSpPr>
+      <p:grpSpPr>
+        <a:xfrm>
+          <a:off x="0" y="0"/>
+          <a:ext cx="0" cy="0"/>
+          <a:chOff x="0" y="0"/>
+          <a:chExt cx="0" cy="0"/>
+        </a:xfrm>
+      </p:grpSpPr>
+      <p:sp>
+        <p:nvSpPr>
+          <p:cNvPr id="2" name="内容占位符 1"/>
+          <p:cNvSpPr>
+            <a:spLocks noGrp="1"/>
+          </p:cNvSpPr>
+          <p:nvPr>
+            <p:ph sz="quarter" idx="11"/>
+          </p:nvPr>
+        </p:nvSpPr>
+        <p:spPr>
+          <a:xfrm>
+            <a:off x="947420" y="236855"/>
+            <a:ext cx="8415655" cy="490220"/>
+          </a:xfrm>
+        </p:spPr>
+        <p:txBody>
+          <a:bodyPr/>
+          <a:p>
+            <a:r>
+              <a:rPr kumimoji="0" lang="en-US" altLang="zh-CN" dirty="0"/>
+              <a:t>Cocos Creator</a:t>
+            </a:r>
+            <a:r>
+              <a:rPr kumimoji="0" lang="zh-CN" altLang="en-US" dirty="0"/>
+              <a:t>项目文件结构</a:t>
+            </a:r>
+            <a:endParaRPr kumimoji="0" lang="zh-CN" altLang="en-US" dirty="0"/>
+          </a:p>
+        </p:txBody>
+      </p:sp>
+      <p:pic>
+        <p:nvPicPr>
+          <p:cNvPr id="5" name="图片 4" descr="GE1K9)%L1`9L%GBXYHFG0LI"/>
+          <p:cNvPicPr>
+            <a:picLocks noChangeAspect="1"/>
+          </p:cNvPicPr>
+          <p:nvPr/>
+        </p:nvPicPr>
+        <p:blipFill>
+          <a:blip r:embed="rId1"/>
+          <a:stretch>
+            <a:fillRect/>
+          </a:stretch>
+        </p:blipFill>
+        <p:spPr>
+          <a:xfrm>
+            <a:off x="947420" y="1323340"/>
+            <a:ext cx="7565390" cy="4328795"/>
+          </a:xfrm>
+          <a:prstGeom prst="rect">
+            <a:avLst/>
+          </a:prstGeom>
+        </p:spPr>
+      </p:pic>
+    </p:spTree>
+  </p:cSld>
+  <p:clrMapOvr>
+    <a:masterClrMapping/>
+  </p:clrMapOvr>
+  <p:timing>
+    <p:tnLst>
+      <p:par>
+        <p:cTn id="1" dur="indefinite" restart="never" nodeType="tmRoot"/>
+      </p:par>
+    </p:tnLst>
+  </p:timing>
+</p:sld>
+</file>
+
+<file path=ppt/slides/slide7.xml><?xml version="1.0" encoding="utf-8"?>
+<p:sld xmlns:a="http://schemas.openxmlformats.org/drawingml/2006/main" xmlns:r="http://schemas.openxmlformats.org/officeDocument/2006/relationships" xmlns:p="http://schemas.openxmlformats.org/presentationml/2006/main">
+  <p:cSld>
+    <p:spTree>
+      <p:nvGrpSpPr>
+        <p:cNvPr id="1" name=""/>
+        <p:cNvGrpSpPr/>
+        <p:nvPr/>
+      </p:nvGrpSpPr>
+      <p:grpSpPr>
+        <a:xfrm>
+          <a:off x="0" y="0"/>
+          <a:ext cx="0" cy="0"/>
+          <a:chOff x="0" y="0"/>
+          <a:chExt cx="0" cy="0"/>
+        </a:xfrm>
+      </p:grpSpPr>
+      <p:sp>
+        <p:nvSpPr>
+          <p:cNvPr id="5122" name="内容占位符 2"/>
+          <p:cNvSpPr>
+            <a:spLocks noGrp="1"/>
+          </p:cNvSpPr>
+          <p:nvPr>
+            <p:ph idx="1"/>
+          </p:nvPr>
+        </p:nvSpPr>
+        <p:spPr>
+          <a:xfrm>
+            <a:off x="896620" y="829945"/>
+            <a:ext cx="10385425" cy="5245100"/>
+          </a:xfrm>
+        </p:spPr>
+        <p:txBody>
+          <a:bodyPr/>
+          <a:lstStyle/>
+          <a:p>
+            <a:pPr>
+              <a:lnSpc>
+                <a:spcPct val="140000"/>
+              </a:lnSpc>
+              <a:spcBef>
+                <a:spcPts val="1000"/>
+              </a:spcBef>
+            </a:pPr>
+            <a:r>
+              <a:rPr lang="zh-CN" altLang="en-US" sz="2800" noProof="1">
+                <a:solidFill>
+                  <a:schemeClr val="tx1"/>
+                </a:solidFill>
+                <a:latin typeface="微软雅黑" panose="020B0503020204020204" pitchFamily="34" charset="-122"/>
+                <a:ea typeface="微软雅黑" panose="020B0503020204020204" pitchFamily="34" charset="-122"/>
+                <a:sym typeface="+mn-ea"/>
+              </a:rPr>
+              <a:t>资源文件夹（assets）  </a:t>
+            </a:r>
+            <a:r>
+              <a:rPr lang="zh-CN" altLang="en-US" sz="2800" noProof="1">
+                <a:solidFill>
+                  <a:srgbClr val="FF0000"/>
+                </a:solidFill>
+                <a:latin typeface="微软雅黑" panose="020B0503020204020204" pitchFamily="34" charset="-122"/>
+                <a:ea typeface="微软雅黑" panose="020B0503020204020204" pitchFamily="34" charset="-122"/>
+                <a:sym typeface="+mn-ea"/>
+              </a:rPr>
+              <a:t>需要进行版本控制</a:t>
+            </a:r>
+            <a:br>
+              <a:rPr lang="zh-CN" altLang="en-US" sz="2800" noProof="1">
+                <a:solidFill>
+                  <a:schemeClr val="tx1"/>
+                </a:solidFill>
+                <a:latin typeface="微软雅黑" panose="020B0503020204020204" pitchFamily="34" charset="-122"/>
+                <a:ea typeface="微软雅黑" panose="020B0503020204020204" pitchFamily="34" charset="-122"/>
+                <a:sym typeface="+mn-ea"/>
+              </a:rPr>
+            </a:br>
+            <a:r>
+              <a:rPr lang="en-US" altLang="zh-CN" sz="2000" noProof="1">
+                <a:solidFill>
+                  <a:schemeClr val="tx1"/>
+                </a:solidFill>
+                <a:latin typeface="微软雅黑" panose="020B0503020204020204" pitchFamily="34" charset="-122"/>
+                <a:ea typeface="微软雅黑" panose="020B0503020204020204" pitchFamily="34" charset="-122"/>
+                <a:sym typeface="+mn-ea"/>
+              </a:rPr>
+              <a:t>- </a:t>
+            </a:r>
+            <a:r>
+              <a:rPr sz="2000" noProof="1">
+                <a:solidFill>
+                  <a:schemeClr val="tx1"/>
+                </a:solidFill>
+                <a:latin typeface="微软雅黑" panose="020B0503020204020204" pitchFamily="34" charset="-122"/>
+                <a:ea typeface="微软雅黑" panose="020B0503020204020204" pitchFamily="34" charset="-122"/>
+                <a:sym typeface="+mn-ea"/>
+              </a:rPr>
+              <a:t>所有本地资源、脚本和第三方库文件</a:t>
+            </a:r>
+            <a:r>
+              <a:rPr lang="zh-CN" sz="2000" noProof="1">
+                <a:solidFill>
+                  <a:schemeClr val="tx1"/>
+                </a:solidFill>
+                <a:latin typeface="微软雅黑" panose="020B0503020204020204" pitchFamily="34" charset="-122"/>
+                <a:ea typeface="微软雅黑" panose="020B0503020204020204" pitchFamily="34" charset="-122"/>
+                <a:sym typeface="+mn-ea"/>
+              </a:rPr>
+              <a:t>， assets 目录下的内容才能显示在资源管理器中</a:t>
+            </a:r>
+            <a:endParaRPr lang="zh-CN" sz="2000" noProof="1">
+              <a:solidFill>
+                <a:schemeClr val="tx1"/>
+              </a:solidFill>
+              <a:latin typeface="微软雅黑" panose="020B0503020204020204" pitchFamily="34" charset="-122"/>
+              <a:ea typeface="微软雅黑" panose="020B0503020204020204" pitchFamily="34" charset="-122"/>
+              <a:sym typeface="+mn-ea"/>
+            </a:endParaRPr>
+          </a:p>
+          <a:p>
+            <a:pPr>
+              <a:lnSpc>
+                <a:spcPct val="140000"/>
+              </a:lnSpc>
+              <a:spcBef>
+                <a:spcPts val="1000"/>
+              </a:spcBef>
+            </a:pPr>
+            <a:r>
+              <a:rPr lang="zh-CN" altLang="en-US" sz="2800">
+                <a:solidFill>
+                  <a:schemeClr val="tx1"/>
+                </a:solidFill>
+                <a:sym typeface="+mn-ea"/>
+              </a:rPr>
+              <a:t>项目设置（settings）与project.json  </a:t>
+            </a:r>
+            <a:r>
+              <a:rPr lang="zh-CN" altLang="en-US" sz="2800">
+                <a:solidFill>
+                  <a:srgbClr val="FF0000"/>
+                </a:solidFill>
+                <a:sym typeface="+mn-ea"/>
+              </a:rPr>
+              <a:t>需要进行版本控制</a:t>
+            </a:r>
+            <a:br>
+              <a:rPr lang="zh-CN" altLang="en-US" sz="2800">
+                <a:solidFill>
+                  <a:schemeClr val="tx1"/>
+                </a:solidFill>
+                <a:sym typeface="+mn-ea"/>
+              </a:rPr>
+            </a:br>
+            <a:r>
+              <a:rPr lang="en-US" altLang="zh-CN" sz="2000">
+                <a:solidFill>
+                  <a:schemeClr val="tx1"/>
+                </a:solidFill>
+                <a:sym typeface="+mn-ea"/>
+              </a:rPr>
+              <a:t>- </a:t>
+            </a:r>
+            <a:r>
+              <a:rPr sz="2000">
+                <a:solidFill>
+                  <a:schemeClr val="tx1"/>
+                </a:solidFill>
+                <a:sym typeface="+mn-ea"/>
+              </a:rPr>
+              <a:t>保存项目相关的设置，如构建发布菜单里的包名、场景和平台选择等</a:t>
+            </a:r>
+            <a:endParaRPr sz="2000">
+              <a:solidFill>
+                <a:schemeClr val="tx1"/>
+              </a:solidFill>
+              <a:sym typeface="+mn-ea"/>
+            </a:endParaRPr>
+          </a:p>
+          <a:p>
+            <a:pPr>
+              <a:lnSpc>
+                <a:spcPct val="140000"/>
+              </a:lnSpc>
+              <a:spcBef>
+                <a:spcPts val="1000"/>
+              </a:spcBef>
+            </a:pPr>
+            <a:r>
+              <a:rPr lang="zh-CN" altLang="en-US" sz="2800">
+                <a:solidFill>
+                  <a:schemeClr val="tx1"/>
+                </a:solidFill>
+                <a:sym typeface="+mn-ea"/>
+              </a:rPr>
+              <a:t>资源库（library）、本地设置（local）</a:t>
+            </a:r>
+            <a:br>
+              <a:rPr lang="zh-CN" altLang="en-US" sz="2000">
+                <a:solidFill>
+                  <a:schemeClr val="tx1"/>
+                </a:solidFill>
+                <a:sym typeface="+mn-ea"/>
+              </a:rPr>
+            </a:br>
+            <a:r>
+              <a:rPr lang="en-US" altLang="zh-CN" sz="2000">
+                <a:solidFill>
+                  <a:schemeClr val="tx1"/>
+                </a:solidFill>
+                <a:sym typeface="+mn-ea"/>
+              </a:rPr>
+              <a:t>- </a:t>
+            </a:r>
+            <a:r>
+              <a:rPr sz="2000">
+                <a:solidFill>
+                  <a:schemeClr val="tx1"/>
+                </a:solidFill>
+                <a:sym typeface="+mn-ea"/>
+              </a:rPr>
+              <a:t>assets导入后生成的，文件的结构和资源的格式将被处理成最终游戏发布时需要的形式</a:t>
+            </a:r>
+            <a:br>
+              <a:rPr sz="2000">
+                <a:solidFill>
+                  <a:schemeClr val="tx1"/>
+                </a:solidFill>
+                <a:sym typeface="+mn-ea"/>
+              </a:rPr>
+            </a:br>
+            <a:r>
+              <a:rPr lang="en-US" sz="2000">
+                <a:solidFill>
+                  <a:schemeClr val="tx1"/>
+                </a:solidFill>
+                <a:sym typeface="+mn-ea"/>
+              </a:rPr>
+              <a:t>- local 文件夹中包含该项目的本地设置，包括编辑器面板布局，窗口大小</a:t>
+            </a:r>
+            <a:endParaRPr lang="en-US" sz="2000">
+              <a:solidFill>
+                <a:schemeClr val="tx1"/>
+              </a:solidFill>
+              <a:sym typeface="+mn-ea"/>
+            </a:endParaRPr>
+          </a:p>
+          <a:p>
+            <a:pPr>
+              <a:lnSpc>
+                <a:spcPct val="140000"/>
+              </a:lnSpc>
+              <a:spcBef>
+                <a:spcPts val="1000"/>
+              </a:spcBef>
+            </a:pPr>
+            <a:r>
+              <a:rPr lang="zh-CN" altLang="en-US" sz="2800">
+                <a:solidFill>
+                  <a:schemeClr val="tx1"/>
+                </a:solidFill>
+                <a:sym typeface="+mn-ea"/>
+              </a:rPr>
+              <a:t>构建目标（build）</a:t>
+            </a:r>
+            <a:br>
+              <a:rPr lang="zh-CN" altLang="en-US" sz="2000">
+                <a:solidFill>
+                  <a:schemeClr val="tx1"/>
+                </a:solidFill>
+                <a:sym typeface="+mn-ea"/>
+              </a:rPr>
+            </a:br>
+            <a:r>
+              <a:rPr lang="en-US" altLang="zh-CN" sz="2000">
+                <a:solidFill>
+                  <a:schemeClr val="tx1"/>
+                </a:solidFill>
+                <a:sym typeface="+mn-ea"/>
+              </a:rPr>
+              <a:t>- </a:t>
+            </a:r>
+            <a:r>
+              <a:rPr sz="2000">
+                <a:solidFill>
+                  <a:schemeClr val="tx1"/>
+                </a:solidFill>
+                <a:sym typeface="+mn-ea"/>
+              </a:rPr>
+              <a:t>编辑器会在项目路径下创建 build 目录，并存放所有目标平台的构建工程。</a:t>
+            </a:r>
+            <a:endParaRPr lang="en-US" altLang="zh-CN" noProof="1">
+              <a:solidFill>
+                <a:schemeClr val="tx1"/>
+              </a:solidFill>
+              <a:latin typeface="微软雅黑" panose="020B0503020204020204" pitchFamily="34" charset="-122"/>
+              <a:ea typeface="微软雅黑" panose="020B0503020204020204" pitchFamily="34" charset="-122"/>
+            </a:endParaRPr>
+          </a:p>
+        </p:txBody>
+      </p:sp>
+      <p:sp>
+        <p:nvSpPr>
+          <p:cNvPr id="2" name="内容占位符 1"/>
+          <p:cNvSpPr>
+            <a:spLocks noGrp="1"/>
+          </p:cNvSpPr>
+          <p:nvPr>
+            <p:ph sz="quarter" idx="11"/>
+          </p:nvPr>
+        </p:nvSpPr>
+        <p:spPr>
+          <a:xfrm>
+            <a:off x="947420" y="236855"/>
+            <a:ext cx="8415655" cy="490220"/>
+          </a:xfrm>
+        </p:spPr>
+        <p:txBody>
+          <a:bodyPr/>
+          <a:p>
+            <a:r>
+              <a:rPr lang="en-US" altLang="zh-CN" dirty="0">
+                <a:sym typeface="+mn-ea"/>
+              </a:rPr>
+              <a:t>Cocos Creator</a:t>
+            </a:r>
+            <a:r>
+              <a:rPr lang="zh-CN" altLang="en-US" dirty="0">
+                <a:sym typeface="+mn-ea"/>
+              </a:rPr>
+              <a:t>项目文件结构</a:t>
+            </a:r>
+            <a:endParaRPr kumimoji="0" lang="zh-CN" altLang="en-US" dirty="0"/>
+          </a:p>
+        </p:txBody>
+      </p:sp>
+    </p:spTree>
+  </p:cSld>
+  <p:clrMapOvr>
+    <a:masterClrMapping/>
+  </p:clrMapOvr>
+  <p:timing>
+    <p:tnLst>
+      <p:par>
+        <p:cTn id="1" dur="indefinite" restart="never" nodeType="tmRoot">
+          <p:childTnLst>
+            <p:seq concurrent="1" nextAc="seek">
+              <p:cTn id="2" dur="indefinite" nodeType="mainSeq">
+                <p:childTnLst>
+                  <p:par>
+                    <p:cTn id="3" fill="hold">
+                      <p:stCondLst>
+                        <p:cond delay="indefinite"/>
+                      </p:stCondLst>
+                      <p:childTnLst>
+                        <p:par>
+                          <p:cTn id="4" fill="hold">
+                            <p:stCondLst>
+                              <p:cond delay="0"/>
+                            </p:stCondLst>
+                            <p:childTnLst>
+                              <p:par>
+                                <p:cTn id="5" presetID="2" presetClass="entr" presetSubtype="4" fill="hold" nodeType="clickEffect">
+                                  <p:stCondLst>
+                                    <p:cond delay="0"/>
+                                  </p:stCondLst>
+                                  <p:childTnLst>
+                                    <p:set>
+                                      <p:cBhvr>
+                                        <p:cTn id="6" dur="1" fill="hold">
+                                          <p:stCondLst>
+                                            <p:cond delay="0"/>
+                                          </p:stCondLst>
+                                        </p:cTn>
+                                        <p:tgtEl>
+                                          <p:spTgt spid="5122">
+                                            <p:txEl>
+                                              <p:pRg st="0" end="0"/>
+                                            </p:txEl>
+                                          </p:spTgt>
+                                        </p:tgtEl>
+                                        <p:attrNameLst>
+                                          <p:attrName>style.visibility</p:attrName>
+                                        </p:attrNameLst>
+                                      </p:cBhvr>
+                                      <p:to>
+                                        <p:strVal val="visible"/>
+                                      </p:to>
+                                    </p:set>
+                                    <p:anim calcmode="lin" valueType="num">
+                                      <p:cBhvr additive="base">
+                                        <p:cTn id="7" dur="500" fill="hold"/>
+                                        <p:tgtEl>
+                                          <p:spTgt spid="5122">
+                                            <p:txEl>
+                                              <p:pRg st="0" end="0"/>
+                                            </p:txEl>
+                                          </p:spTgt>
+                                        </p:tgtEl>
+                                        <p:attrNameLst>
+                                          <p:attrName>ppt_x</p:attrName>
+                                        </p:attrNameLst>
+                                      </p:cBhvr>
+                                      <p:tavLst>
+                                        <p:tav tm="0">
+                                          <p:val>
+                                            <p:strVal val="#ppt_x"/>
+                                          </p:val>
+                                        </p:tav>
+                                        <p:tav tm="100000">
+                                          <p:val>
+                                            <p:strVal val="#ppt_x"/>
+                                          </p:val>
+                                        </p:tav>
+                                      </p:tavLst>
+                                    </p:anim>
+                                    <p:anim calcmode="lin" valueType="num">
+                                      <p:cBhvr additive="base">
+                                        <p:cTn id="8" dur="500" fill="hold"/>
+                                        <p:tgtEl>
+                                          <p:spTgt spid="5122">
+                                            <p:txEl>
+                                              <p:pRg st="0" end="0"/>
+                                            </p:txEl>
+                                          </p:spTgt>
+                                        </p:tgtEl>
+                                        <p:attrNameLst>
+                                          <p:attrName>ppt_y</p:attrName>
+                                        </p:attrNameLst>
+                                      </p:cBhvr>
+                                      <p:tavLst>
+                                        <p:tav tm="0">
+                                          <p:val>
+                                            <p:strVal val="1+#ppt_h/2"/>
+                                          </p:val>
+                                        </p:tav>
+                                        <p:tav tm="100000">
+                                          <p:val>
+                                            <p:strVal val="#ppt_y"/>
+                                          </p:val>
+                                        </p:tav>
+                                      </p:tavLst>
+                                    </p:anim>
+                                  </p:childTnLst>
+                                </p:cTn>
+                              </p:par>
+                            </p:childTnLst>
+                          </p:cTn>
+                        </p:par>
+                      </p:childTnLst>
+                    </p:cTn>
+                  </p:par>
+                  <p:par>
+                    <p:cTn id="9" fill="hold">
+                      <p:stCondLst>
+                        <p:cond delay="indefinite"/>
+                      </p:stCondLst>
+                      <p:childTnLst>
+                        <p:par>
+                          <p:cTn id="10" fill="hold">
+                            <p:stCondLst>
+                              <p:cond delay="0"/>
+                            </p:stCondLst>
+                            <p:childTnLst>
+                              <p:par>
+                                <p:cTn id="11" presetID="2" presetClass="entr" presetSubtype="4" fill="hold" nodeType="clickEffect">
+                                  <p:stCondLst>
+                                    <p:cond delay="0"/>
+                                  </p:stCondLst>
+                                  <p:childTnLst>
+                                    <p:set>
+                                      <p:cBhvr>
+                                        <p:cTn id="12" dur="1" fill="hold">
+                                          <p:stCondLst>
+                                            <p:cond delay="0"/>
+                                          </p:stCondLst>
+                                        </p:cTn>
+                                        <p:tgtEl>
+                                          <p:spTgt spid="5122">
+                                            <p:txEl>
+                                              <p:pRg st="1" end="1"/>
+                                            </p:txEl>
+                                          </p:spTgt>
+                                        </p:tgtEl>
+                                        <p:attrNameLst>
+                                          <p:attrName>style.visibility</p:attrName>
+                                        </p:attrNameLst>
+                                      </p:cBhvr>
+                                      <p:to>
+                                        <p:strVal val="visible"/>
+                                      </p:to>
+                                    </p:set>
+                                    <p:anim calcmode="lin" valueType="num">
+                                      <p:cBhvr additive="base">
+                                        <p:cTn id="13" dur="500" fill="hold"/>
+                                        <p:tgtEl>
+                                          <p:spTgt spid="5122">
+                                            <p:txEl>
+                                              <p:pRg st="1" end="1"/>
+                                            </p:txEl>
+                                          </p:spTgt>
+                                        </p:tgtEl>
+                                        <p:attrNameLst>
+                                          <p:attrName>ppt_x</p:attrName>
+                                        </p:attrNameLst>
+                                      </p:cBhvr>
+                                      <p:tavLst>
+                                        <p:tav tm="0">
+                                          <p:val>
+                                            <p:strVal val="#ppt_x"/>
+                                          </p:val>
+                                        </p:tav>
+                                        <p:tav tm="100000">
+                                          <p:val>
+                                            <p:strVal val="#ppt_x"/>
+                                          </p:val>
+                                        </p:tav>
+                                      </p:tavLst>
+                                    </p:anim>
+                                    <p:anim calcmode="lin" valueType="num">
+                                      <p:cBhvr additive="base">
+                                        <p:cTn id="14" dur="500" fill="hold"/>
+                                        <p:tgtEl>
+                                          <p:spTgt spid="5122">
+                                            <p:txEl>
+                                              <p:pRg st="1" end="1"/>
+                                            </p:txEl>
+                                          </p:spTgt>
+                                        </p:tgtEl>
+                                        <p:attrNameLst>
+                                          <p:attrName>ppt_y</p:attrName>
+                                        </p:attrNameLst>
+                                      </p:cBhvr>
+                                      <p:tavLst>
+                                        <p:tav tm="0">
+                                          <p:val>
+                                            <p:strVal val="1+#ppt_h/2"/>
+                                          </p:val>
+                                        </p:tav>
+                                        <p:tav tm="100000">
+                                          <p:val>
+                                            <p:strVal val="#ppt_y"/>
+                                          </p:val>
+                                        </p:tav>
+                                      </p:tavLst>
+                                    </p:anim>
+                                  </p:childTnLst>
+                                </p:cTn>
+                              </p:par>
+                            </p:childTnLst>
+                          </p:cTn>
+                        </p:par>
+                      </p:childTnLst>
+                    </p:cTn>
+                  </p:par>
+                  <p:par>
+                    <p:cTn id="15" fill="hold">
+                      <p:stCondLst>
+                        <p:cond delay="indefinite"/>
+                      </p:stCondLst>
+                      <p:childTnLst>
+                        <p:par>
+                          <p:cTn id="16" fill="hold">
+                            <p:stCondLst>
+                              <p:cond delay="0"/>
+                            </p:stCondLst>
+                            <p:childTnLst>
+                              <p:par>
+                                <p:cTn id="17" presetID="2" presetClass="entr" presetSubtype="4" fill="hold" nodeType="clickEffect">
+                                  <p:stCondLst>
+                                    <p:cond delay="0"/>
+                                  </p:stCondLst>
+                                  <p:childTnLst>
+                                    <p:set>
+                                      <p:cBhvr>
+                                        <p:cTn id="18" dur="1" fill="hold">
+                                          <p:stCondLst>
+                                            <p:cond delay="0"/>
+                                          </p:stCondLst>
+                                        </p:cTn>
+                                        <p:tgtEl>
+                                          <p:spTgt spid="5122">
+                                            <p:txEl>
+                                              <p:pRg st="2" end="2"/>
+                                            </p:txEl>
+                                          </p:spTgt>
+                                        </p:tgtEl>
+                                        <p:attrNameLst>
+                                          <p:attrName>style.visibility</p:attrName>
+                                        </p:attrNameLst>
+                                      </p:cBhvr>
+                                      <p:to>
+                                        <p:strVal val="visible"/>
+                                      </p:to>
+                                    </p:set>
+                                    <p:anim calcmode="lin" valueType="num">
+                                      <p:cBhvr additive="base">
+                                        <p:cTn id="19" dur="500" fill="hold"/>
+                                        <p:tgtEl>
+                                          <p:spTgt spid="5122">
+                                            <p:txEl>
+                                              <p:pRg st="2" end="2"/>
+                                            </p:txEl>
+                                          </p:spTgt>
+                                        </p:tgtEl>
+                                        <p:attrNameLst>
+                                          <p:attrName>ppt_x</p:attrName>
+                                        </p:attrNameLst>
+                                      </p:cBhvr>
+                                      <p:tavLst>
+                                        <p:tav tm="0">
+                                          <p:val>
+                                            <p:strVal val="#ppt_x"/>
+                                          </p:val>
+                                        </p:tav>
+                                        <p:tav tm="100000">
+                                          <p:val>
+                                            <p:strVal val="#ppt_x"/>
+                                          </p:val>
+                                        </p:tav>
+                                      </p:tavLst>
+                                    </p:anim>
+                                    <p:anim calcmode="lin" valueType="num">
+                                      <p:cBhvr additive="base">
+                                        <p:cTn id="20" dur="500" fill="hold"/>
+                                        <p:tgtEl>
+                                          <p:spTgt spid="5122">
+                                            <p:txEl>
+                                              <p:pRg st="2" end="2"/>
+                                            </p:txEl>
+                                          </p:spTgt>
+                                        </p:tgtEl>
+                                        <p:attrNameLst>
+                                          <p:attrName>ppt_y</p:attrName>
+                                        </p:attrNameLst>
+                                      </p:cBhvr>
+                                      <p:tavLst>
+                                        <p:tav tm="0">
+                                          <p:val>
+                                            <p:strVal val="1+#ppt_h/2"/>
+                                          </p:val>
+                                        </p:tav>
+                                        <p:tav tm="100000">
+                                          <p:val>
+                                            <p:strVal val="#ppt_y"/>
+                                          </p:val>
+                                        </p:tav>
+                                      </p:tavLst>
+                                    </p:anim>
+                                  </p:childTnLst>
+                                </p:cTn>
+                              </p:par>
+                            </p:childTnLst>
+                          </p:cTn>
+                        </p:par>
+                      </p:childTnLst>
+                    </p:cTn>
+                  </p:par>
+                  <p:par>
+                    <p:cTn id="21" fill="hold">
+                      <p:stCondLst>
+                        <p:cond delay="indefinite"/>
+                      </p:stCondLst>
+                      <p:childTnLst>
+                        <p:par>
+                          <p:cTn id="22" fill="hold">
+                            <p:stCondLst>
+                              <p:cond delay="0"/>
+                            </p:stCondLst>
+                            <p:childTnLst>
+                              <p:par>
+                                <p:cTn id="23" presetID="2" presetClass="entr" presetSubtype="4" fill="hold" nodeType="clickEffect">
+                                  <p:stCondLst>
+                                    <p:cond delay="0"/>
+                                  </p:stCondLst>
+                                  <p:childTnLst>
+                                    <p:set>
+                                      <p:cBhvr>
+                                        <p:cTn id="24" dur="1" fill="hold">
+                                          <p:stCondLst>
+                                            <p:cond delay="0"/>
+                                          </p:stCondLst>
+                                        </p:cTn>
+                                        <p:tgtEl>
+                                          <p:spTgt spid="5122">
+                                            <p:txEl>
+                                              <p:pRg st="3" end="3"/>
+                                            </p:txEl>
+                                          </p:spTgt>
+                                        </p:tgtEl>
+                                        <p:attrNameLst>
+                                          <p:attrName>style.visibility</p:attrName>
+                                        </p:attrNameLst>
+                                      </p:cBhvr>
+                                      <p:to>
+                                        <p:strVal val="visible"/>
+                                      </p:to>
+                                    </p:set>
+                                    <p:anim calcmode="lin" valueType="num">
+                                      <p:cBhvr additive="base">
+                                        <p:cTn id="25" dur="500" fill="hold"/>
+                                        <p:tgtEl>
+                                          <p:spTgt spid="5122">
+                                            <p:txEl>
+                                              <p:pRg st="3" end="3"/>
+                                            </p:txEl>
+                                          </p:spTgt>
+                                        </p:tgtEl>
+                                        <p:attrNameLst>
+                                          <p:attrName>ppt_x</p:attrName>
+                                        </p:attrNameLst>
+                                      </p:cBhvr>
+                                      <p:tavLst>
+                                        <p:tav tm="0">
+                                          <p:val>
+                                            <p:strVal val="#ppt_x"/>
+                                          </p:val>
+                                        </p:tav>
+                                        <p:tav tm="100000">
+                                          <p:val>
+                                            <p:strVal val="#ppt_x"/>
+                                          </p:val>
+                                        </p:tav>
+                                      </p:tavLst>
+                                    </p:anim>
+                                    <p:anim calcmode="lin" valueType="num">
+                                      <p:cBhvr additive="base">
+                                        <p:cTn id="26" dur="500" fill="hold"/>
+                                        <p:tgtEl>
+                                          <p:spTgt spid="5122">
+                                            <p:txEl>
+                                              <p:pRg st="3" end="3"/>
+                                            </p:txEl>
+                                          </p:spTgt>
+                                        </p:tgtEl>
+                                        <p:attrNameLst>
+                                          <p:attrName>ppt_y</p:attrName>
+                                        </p:attrNameLst>
+                                      </p:cBhvr>
+                                      <p:tavLst>
+                                        <p:tav tm="0">
+                                          <p:val>
+                                            <p:strVal val="1+#ppt_h/2"/>
+                                          </p:val>
+                                        </p:tav>
+                                        <p:tav tm="100000">
+                                          <p:val>
+                                            <p:strVal val="#ppt_y"/>
+                                          </p:val>
+                                        </p:tav>
+                                      </p:tavLst>
+                                    </p:anim>
+                                  </p:childTnLst>
+                                </p:cTn>
+                              </p:par>
+                            </p:childTnLst>
+                          </p:cTn>
+                        </p:par>
+                      </p:childTnLst>
+                    </p:cTn>
+                  </p:par>
+                </p:childTnLst>
+              </p:cTn>
+              <p:prevCondLst>
+                <p:cond evt="onPrev" delay="0">
+                  <p:tgtEl>
+                    <p:sldTgt/>
+                  </p:tgtEl>
+                </p:cond>
+              </p:prevCondLst>
+              <p:nextCondLst>
+                <p:cond evt="onNext" delay="0">
+                  <p:tgtEl>
+                    <p:sldTgt/>
+                  </p:tgtEl>
+                </p:cond>
+              </p:nextCondLst>
+            </p:seq>
+          </p:childTnLst>
+        </p:cTn>
+      </p:par>
+    </p:tnLst>
+  </p:timing>
+</p:sld>
+</file>
+
+<file path=ppt/slides/slide8.xml><?xml version="1.0" encoding="utf-8"?>
+<p:sld xmlns:a="http://schemas.openxmlformats.org/drawingml/2006/main" xmlns:r="http://schemas.openxmlformats.org/officeDocument/2006/relationships" xmlns:p="http://schemas.openxmlformats.org/presentationml/2006/main">
+  <p:cSld>
+    <p:spTree>
+      <p:nvGrpSpPr>
+        <p:cNvPr id="1" name=""/>
+        <p:cNvGrpSpPr/>
+        <p:nvPr/>
+      </p:nvGrpSpPr>
+      <p:grpSpPr>
+        <a:xfrm>
+          <a:off x="0" y="0"/>
+          <a:ext cx="0" cy="0"/>
+          <a:chOff x="0" y="0"/>
+          <a:chExt cx="0" cy="0"/>
+        </a:xfrm>
+      </p:grpSpPr>
+      <p:sp>
+        <p:nvSpPr>
+          <p:cNvPr id="3" name="内容占位符 2"/>
+          <p:cNvSpPr>
+            <a:spLocks noGrp="1"/>
+          </p:cNvSpPr>
+          <p:nvPr/>
+        </p:nvSpPr>
+        <p:spPr>
+          <a:xfrm>
+            <a:off x="947204" y="236943"/>
+            <a:ext cx="8191557" cy="490476"/>
+          </a:xfrm>
+          <a:prstGeom prst="rect">
+            <a:avLst/>
+          </a:prstGeom>
+        </p:spPr>
+        <p:txBody>
+          <a:bodyPr/>
+          <a:lstStyle>
+            <a:lvl1pPr marL="167005" indent="-167005" algn="l" defTabSz="0" rtl="0" eaLnBrk="0" fontAlgn="base" hangingPunct="0">
+              <a:spcBef>
+                <a:spcPct val="0"/>
+              </a:spcBef>
+              <a:spcAft>
+                <a:spcPct val="15000"/>
+              </a:spcAft>
+              <a:buClr>
+                <a:schemeClr val="tx2"/>
+              </a:buClr>
+              <a:buFont typeface="Arial" panose="020B0604020202020204" pitchFamily="34" charset="0"/>
+              <a:buNone/>
+              <a:defRPr sz="3200" b="0">
+                <a:solidFill>
+                  <a:srgbClr val="C00000"/>
+                </a:solidFill>
+                <a:latin typeface="微软雅黑" panose="020B0503020204020204" pitchFamily="34" charset="-122"/>
+                <a:ea typeface="微软雅黑" panose="020B0503020204020204" pitchFamily="34" charset="-122"/>
+                <a:cs typeface="+mn-cs"/>
+              </a:defRPr>
+            </a:lvl1pPr>
+            <a:lvl2pPr marL="398780" indent="-230505" algn="l" defTabSz="0" rtl="0" eaLnBrk="0" fontAlgn="base" hangingPunct="0">
+              <a:spcBef>
+                <a:spcPct val="0"/>
+              </a:spcBef>
+              <a:spcAft>
+                <a:spcPct val="15000"/>
+              </a:spcAft>
+              <a:buClr>
+                <a:schemeClr val="tx2"/>
+              </a:buClr>
+              <a:buFont typeface="Arial" panose="020B0604020202020204" pitchFamily="34" charset="0"/>
+              <a:buChar char="–"/>
+              <a:defRPr sz="2000">
+                <a:solidFill>
+                  <a:schemeClr val="tx1"/>
+                </a:solidFill>
+                <a:latin typeface="微软雅黑" panose="020B0503020204020204" pitchFamily="34" charset="-122"/>
+                <a:ea typeface="微软雅黑" panose="020B0503020204020204" pitchFamily="34" charset="-122"/>
+              </a:defRPr>
+            </a:lvl2pPr>
+            <a:lvl3pPr marL="400050" indent="182880" algn="l" defTabSz="0" rtl="0" eaLnBrk="0" fontAlgn="base" hangingPunct="0">
+              <a:spcBef>
+                <a:spcPct val="0"/>
+              </a:spcBef>
+              <a:spcAft>
+                <a:spcPct val="15000"/>
+              </a:spcAft>
+              <a:buClr>
+                <a:schemeClr val="tx2"/>
+              </a:buClr>
+              <a:buFont typeface="Arial" panose="020B0604020202020204" pitchFamily="34" charset="0"/>
+              <a:buChar char="•"/>
+              <a:defRPr sz="1600">
+                <a:solidFill>
+                  <a:schemeClr val="tx1"/>
+                </a:solidFill>
+                <a:latin typeface="微软雅黑" panose="020B0503020204020204" pitchFamily="34" charset="-122"/>
+                <a:ea typeface="微软雅黑" panose="020B0503020204020204" pitchFamily="34" charset="-122"/>
+              </a:defRPr>
+            </a:lvl3pPr>
+            <a:lvl4pPr marL="825500" indent="-241300" algn="l" defTabSz="0" rtl="0" eaLnBrk="0" fontAlgn="base" hangingPunct="0">
+              <a:spcBef>
+                <a:spcPct val="0"/>
+              </a:spcBef>
+              <a:spcAft>
+                <a:spcPct val="15000"/>
+              </a:spcAft>
+              <a:buClr>
+                <a:schemeClr val="tx2"/>
+              </a:buClr>
+              <a:buFont typeface="Arial" panose="020B0604020202020204" pitchFamily="34" charset="0"/>
+              <a:buChar char="–"/>
+              <a:defRPr sz="1600">
+                <a:solidFill>
+                  <a:schemeClr val="tx1"/>
+                </a:solidFill>
+                <a:latin typeface="微软雅黑" panose="020B0503020204020204" pitchFamily="34" charset="-122"/>
+                <a:ea typeface="微软雅黑" panose="020B0503020204020204" pitchFamily="34" charset="-122"/>
+              </a:defRPr>
+            </a:lvl4pPr>
+            <a:lvl5pPr marL="2057400" indent="-228600" algn="l" defTabSz="0" rtl="0" eaLnBrk="0" fontAlgn="base" hangingPunct="0">
+              <a:spcBef>
+                <a:spcPct val="0"/>
+              </a:spcBef>
+              <a:spcAft>
+                <a:spcPct val="25000"/>
+              </a:spcAft>
+              <a:buClr>
+                <a:schemeClr val="tx2"/>
+              </a:buClr>
+              <a:buFont typeface="Arial" panose="020B0604020202020204" pitchFamily="34" charset="0"/>
+              <a:buChar char="–"/>
+              <a:defRPr sz="2000">
+                <a:solidFill>
+                  <a:schemeClr val="tx1"/>
+                </a:solidFill>
+                <a:latin typeface="+mn-lt"/>
+                <a:ea typeface="微软雅黑" panose="020B0503020204020204" pitchFamily="34" charset="-122"/>
+              </a:defRPr>
+            </a:lvl5pPr>
+            <a:lvl6pPr marL="2514600" indent="-228600" algn="l" defTabSz="0" rtl="0" eaLnBrk="0" fontAlgn="base" hangingPunct="0">
+              <a:spcBef>
+                <a:spcPct val="0"/>
+              </a:spcBef>
+              <a:spcAft>
+                <a:spcPct val="25000"/>
+              </a:spcAft>
+              <a:buClr>
+                <a:schemeClr val="tx2"/>
+              </a:buClr>
+              <a:buFont typeface="Arial" panose="020B0604020202020204" pitchFamily="34" charset="0"/>
+              <a:buChar char="–"/>
+              <a:defRPr>
+                <a:solidFill>
+                  <a:schemeClr val="tx1"/>
+                </a:solidFill>
+                <a:latin typeface="+mn-lt"/>
+              </a:defRPr>
+            </a:lvl6pPr>
+            <a:lvl7pPr marL="2971800" indent="-228600" algn="l" defTabSz="0" rtl="0" eaLnBrk="0" fontAlgn="base" hangingPunct="0">
+              <a:spcBef>
+                <a:spcPct val="0"/>
+              </a:spcBef>
+              <a:spcAft>
+                <a:spcPct val="25000"/>
+              </a:spcAft>
+              <a:buClr>
+                <a:schemeClr val="tx2"/>
+              </a:buClr>
+              <a:buFont typeface="Arial" panose="020B0604020202020204" pitchFamily="34" charset="0"/>
+              <a:buChar char="–"/>
+              <a:defRPr>
+                <a:solidFill>
+                  <a:schemeClr val="tx1"/>
+                </a:solidFill>
+                <a:latin typeface="+mn-lt"/>
+              </a:defRPr>
+            </a:lvl7pPr>
+            <a:lvl8pPr marL="3429000" indent="-228600" algn="l" defTabSz="0" rtl="0" eaLnBrk="0" fontAlgn="base" hangingPunct="0">
+              <a:spcBef>
+                <a:spcPct val="0"/>
+              </a:spcBef>
+              <a:spcAft>
+                <a:spcPct val="25000"/>
+              </a:spcAft>
+              <a:buClr>
+                <a:schemeClr val="tx2"/>
+              </a:buClr>
+              <a:buFont typeface="Arial" panose="020B0604020202020204" pitchFamily="34" charset="0"/>
+              <a:buChar char="–"/>
+              <a:defRPr>
+                <a:solidFill>
+                  <a:schemeClr val="tx1"/>
+                </a:solidFill>
+                <a:latin typeface="+mn-lt"/>
+              </a:defRPr>
+            </a:lvl8pPr>
+            <a:lvl9pPr marL="3886200" indent="-228600" algn="l" defTabSz="0" rtl="0" eaLnBrk="0" fontAlgn="base" hangingPunct="0">
+              <a:spcBef>
+                <a:spcPct val="0"/>
+              </a:spcBef>
+              <a:spcAft>
+                <a:spcPct val="25000"/>
+              </a:spcAft>
+              <a:buClr>
+                <a:schemeClr val="tx2"/>
+              </a:buClr>
+              <a:buFont typeface="Arial" panose="020B0604020202020204" pitchFamily="34" charset="0"/>
+              <a:buChar char="–"/>
+              <a:defRPr>
+                <a:solidFill>
+                  <a:schemeClr val="tx1"/>
+                </a:solidFill>
+                <a:latin typeface="+mn-lt"/>
+              </a:defRPr>
+            </a:lvl9pPr>
+          </a:lstStyle>
+          <a:p>
+            <a:r>
+              <a:rPr lang="zh-CN" dirty="0" smtClean="0"/>
+              <a:t>内容刚要</a:t>
+            </a:r>
+            <a:endParaRPr lang="zh-CN" dirty="0" smtClean="0"/>
+          </a:p>
+        </p:txBody>
+      </p:sp>
+      <p:sp>
+        <p:nvSpPr>
+          <p:cNvPr id="4" name="AutoShape 6"/>
+          <p:cNvSpPr>
+            <a:spLocks noChangeArrowheads="1"/>
+          </p:cNvSpPr>
+          <p:nvPr/>
+        </p:nvSpPr>
+        <p:spPr bwMode="auto">
+          <a:xfrm>
+            <a:off x="2739708" y="1261111"/>
+            <a:ext cx="6711950" cy="4214813"/>
+          </a:xfrm>
+          <a:prstGeom prst="roundRect">
+            <a:avLst>
+              <a:gd name="adj" fmla="val 16667"/>
+            </a:avLst>
+          </a:prstGeom>
+          <a:noFill/>
+          <a:ln w="28575">
+            <a:solidFill>
+              <a:srgbClr val="C0C0C0"/>
+            </a:solidFill>
+            <a:prstDash val="sysDot"/>
+            <a:round/>
+          </a:ln>
+          <a:extLst>
+            <a:ext uri="{909E8E84-426E-40DD-AFC4-6F175D3DCCD1}">
+              <a14:hiddenFill xmlns:a14="http://schemas.microsoft.com/office/drawing/2010/main">
+                <a:solidFill>
+                  <a:srgbClr val="FFFFFF"/>
+                </a:solidFill>
+              </a14:hiddenFill>
+            </a:ext>
+          </a:extLst>
+        </p:spPr>
+        <p:txBody>
+          <a:bodyPr wrap="none" anchor="ctr"/>
+          <a:lstStyle>
+            <a:lvl1pPr marL="457200" indent="-457200">
+              <a:defRPr sz="3200">
+                <a:solidFill>
+                  <a:schemeClr val="tx1"/>
+                </a:solidFill>
+                <a:latin typeface="Arial" panose="020B0604020202020204" pitchFamily="34" charset="0"/>
+                <a:ea typeface="微软雅黑" panose="020B0503020204020204" pitchFamily="34" charset="-122"/>
+              </a:defRPr>
+            </a:lvl1pPr>
+            <a:lvl2pPr marL="742950" indent="-285750">
+              <a:defRPr sz="3200">
+                <a:solidFill>
+                  <a:schemeClr val="tx1"/>
+                </a:solidFill>
+                <a:latin typeface="Arial" panose="020B0604020202020204" pitchFamily="34" charset="0"/>
+                <a:ea typeface="微软雅黑" panose="020B0503020204020204" pitchFamily="34" charset="-122"/>
+              </a:defRPr>
+            </a:lvl2pPr>
+            <a:lvl3pPr marL="1143000" indent="-228600">
+              <a:defRPr sz="3200">
+                <a:solidFill>
+                  <a:schemeClr val="tx1"/>
+                </a:solidFill>
+                <a:latin typeface="Arial" panose="020B0604020202020204" pitchFamily="34" charset="0"/>
+                <a:ea typeface="微软雅黑" panose="020B0503020204020204" pitchFamily="34" charset="-122"/>
+              </a:defRPr>
+            </a:lvl3pPr>
+            <a:lvl4pPr marL="1600200" indent="-228600">
+              <a:defRPr sz="3200">
+                <a:solidFill>
+                  <a:schemeClr val="tx1"/>
+                </a:solidFill>
+                <a:latin typeface="Arial" panose="020B0604020202020204" pitchFamily="34" charset="0"/>
+                <a:ea typeface="微软雅黑" panose="020B0503020204020204" pitchFamily="34" charset="-122"/>
+              </a:defRPr>
+            </a:lvl4pPr>
+            <a:lvl5pPr marL="2057400" indent="-228600">
+              <a:defRPr sz="3200">
+                <a:solidFill>
+                  <a:schemeClr val="tx1"/>
+                </a:solidFill>
+                <a:latin typeface="Arial" panose="020B0604020202020204" pitchFamily="34" charset="0"/>
+                <a:ea typeface="微软雅黑" panose="020B0503020204020204" pitchFamily="34" charset="-122"/>
+              </a:defRPr>
+            </a:lvl5pPr>
+            <a:lvl6pPr marL="2514600" indent="-228600" eaLnBrk="0" fontAlgn="base" hangingPunct="0">
+              <a:spcBef>
+                <a:spcPct val="0"/>
+              </a:spcBef>
+              <a:spcAft>
+                <a:spcPct val="0"/>
+              </a:spcAft>
+              <a:defRPr sz="3200">
+                <a:solidFill>
+                  <a:schemeClr val="tx1"/>
+                </a:solidFill>
+                <a:latin typeface="Arial" panose="020B0604020202020204" pitchFamily="34" charset="0"/>
+                <a:ea typeface="微软雅黑" panose="020B0503020204020204" pitchFamily="34" charset="-122"/>
+              </a:defRPr>
+            </a:lvl6pPr>
+            <a:lvl7pPr marL="2971800" indent="-228600" eaLnBrk="0" fontAlgn="base" hangingPunct="0">
+              <a:spcBef>
+                <a:spcPct val="0"/>
+              </a:spcBef>
+              <a:spcAft>
+                <a:spcPct val="0"/>
+              </a:spcAft>
+              <a:defRPr sz="3200">
+                <a:solidFill>
+                  <a:schemeClr val="tx1"/>
+                </a:solidFill>
+                <a:latin typeface="Arial" panose="020B0604020202020204" pitchFamily="34" charset="0"/>
+                <a:ea typeface="微软雅黑" panose="020B0503020204020204" pitchFamily="34" charset="-122"/>
+              </a:defRPr>
+            </a:lvl7pPr>
+            <a:lvl8pPr marL="3429000" indent="-228600" eaLnBrk="0" fontAlgn="base" hangingPunct="0">
+              <a:spcBef>
+                <a:spcPct val="0"/>
+              </a:spcBef>
+              <a:spcAft>
+                <a:spcPct val="0"/>
+              </a:spcAft>
+              <a:defRPr sz="3200">
+                <a:solidFill>
+                  <a:schemeClr val="tx1"/>
+                </a:solidFill>
+                <a:latin typeface="Arial" panose="020B0604020202020204" pitchFamily="34" charset="0"/>
+                <a:ea typeface="微软雅黑" panose="020B0503020204020204" pitchFamily="34" charset="-122"/>
+              </a:defRPr>
+            </a:lvl8pPr>
+            <a:lvl9pPr marL="3886200" indent="-228600" eaLnBrk="0" fontAlgn="base" hangingPunct="0">
+              <a:spcBef>
+                <a:spcPct val="0"/>
+              </a:spcBef>
+              <a:spcAft>
+                <a:spcPct val="0"/>
+              </a:spcAft>
+              <a:defRPr sz="3200">
+                <a:solidFill>
+                  <a:schemeClr val="tx1"/>
+                </a:solidFill>
+                <a:latin typeface="Arial" panose="020B0604020202020204" pitchFamily="34" charset="0"/>
+                <a:ea typeface="微软雅黑" panose="020B0503020204020204" pitchFamily="34" charset="-122"/>
+              </a:defRPr>
+            </a:lvl9pPr>
+          </a:lstStyle>
+          <a:p>
+            <a:pPr algn="l">
+              <a:lnSpc>
+                <a:spcPct val="150000"/>
+              </a:lnSpc>
+              <a:spcBef>
+                <a:spcPts val="1200"/>
+              </a:spcBef>
+              <a:spcAft>
+                <a:spcPts val="1200"/>
+              </a:spcAft>
+              <a:buClr>
+                <a:srgbClr val="92D050"/>
+              </a:buClr>
+              <a:buFont typeface="Wingdings" panose="05000000000000000000" pitchFamily="2" charset="2"/>
+              <a:buChar char="Ø"/>
+            </a:pPr>
+            <a:r>
+              <a:rPr lang="en-US" altLang="zh-CN" sz="2800" b="1">
+                <a:solidFill>
+                  <a:schemeClr val="tx1"/>
+                </a:solidFill>
+                <a:sym typeface="+mn-ea"/>
+              </a:rPr>
+              <a:t>Cocos Creator</a:t>
+            </a:r>
+            <a:r>
+              <a:rPr lang="zh-CN" altLang="en-US" sz="2800" b="1">
+                <a:solidFill>
+                  <a:schemeClr val="tx1"/>
+                </a:solidFill>
+                <a:sym typeface="+mn-ea"/>
+              </a:rPr>
+              <a:t>流程简介</a:t>
+            </a:r>
+            <a:endParaRPr lang="zh-CN" altLang="en-US" sz="2800" b="1">
+              <a:solidFill>
+                <a:srgbClr val="FF0000"/>
+              </a:solidFill>
+              <a:sym typeface="+mn-ea"/>
+            </a:endParaRPr>
+          </a:p>
+          <a:p>
+            <a:pPr algn="l">
+              <a:lnSpc>
+                <a:spcPct val="150000"/>
+              </a:lnSpc>
+              <a:spcBef>
+                <a:spcPts val="1200"/>
+              </a:spcBef>
+              <a:spcAft>
+                <a:spcPts val="1200"/>
+              </a:spcAft>
+              <a:buClr>
+                <a:srgbClr val="92D050"/>
+              </a:buClr>
+              <a:buFont typeface="Wingdings" panose="05000000000000000000" pitchFamily="2" charset="2"/>
+              <a:buChar char="Ø"/>
+            </a:pPr>
+            <a:r>
+              <a:rPr lang="zh-CN" altLang="en-US" sz="2800" b="1">
+                <a:solidFill>
+                  <a:schemeClr val="tx1"/>
+                </a:solidFill>
+                <a:sym typeface="+mn-ea"/>
+              </a:rPr>
+              <a:t>Cocos Creator项目结构</a:t>
+            </a:r>
+            <a:endParaRPr lang="zh-CN" altLang="en-US" sz="2800" b="1">
+              <a:solidFill>
+                <a:schemeClr val="accent3"/>
+              </a:solidFill>
+              <a:sym typeface="+mn-ea"/>
+            </a:endParaRPr>
+          </a:p>
+          <a:p>
+            <a:pPr algn="l">
+              <a:lnSpc>
+                <a:spcPct val="150000"/>
+              </a:lnSpc>
+              <a:spcBef>
+                <a:spcPts val="1200"/>
+              </a:spcBef>
+              <a:spcAft>
+                <a:spcPts val="1200"/>
+              </a:spcAft>
+              <a:buClr>
+                <a:srgbClr val="92D050"/>
+              </a:buClr>
+              <a:buFont typeface="Wingdings" panose="05000000000000000000" pitchFamily="2" charset="2"/>
+              <a:buChar char="Ø"/>
+            </a:pPr>
+            <a:r>
+              <a:rPr lang="zh-CN" altLang="en-US" sz="2800" b="1">
+                <a:solidFill>
+                  <a:srgbClr val="FF0000"/>
+                </a:solidFill>
+                <a:sym typeface="+mn-ea"/>
+              </a:rPr>
+              <a:t>Cocos Creator编辑器基础</a:t>
+            </a:r>
+            <a:endParaRPr lang="zh-CN" altLang="en-US" sz="2800" b="1">
+              <a:solidFill>
+                <a:srgbClr val="FF0000"/>
+              </a:solidFill>
+              <a:sym typeface="+mn-ea"/>
+            </a:endParaRPr>
+          </a:p>
+        </p:txBody>
+      </p:sp>
+    </p:spTree>
+  </p:cSld>
+  <p:clrMapOvr>
+    <a:masterClrMapping/>
+  </p:clrMapOvr>
+  <p:timing>
+    <p:tnLst>
+      <p:par>
+        <p:cTn id="1" dur="indefinite" restart="never" nodeType="tmRoot"/>
+      </p:par>
+    </p:tnLst>
+  </p:timing>
+</p:sld>
+</file>
+
+<file path=ppt/slides/slide9.xml><?xml version="1.0" encoding="utf-8"?>
+<p:sld xmlns:a="http://schemas.openxmlformats.org/drawingml/2006/main" xmlns:r="http://schemas.openxmlformats.org/officeDocument/2006/relationships" xmlns:p="http://schemas.openxmlformats.org/presentationml/2006/main">
+  <p:cSld>
+    <p:spTree>
+      <p:nvGrpSpPr>
+        <p:cNvPr id="1" name=""/>
+        <p:cNvGrpSpPr/>
+        <p:nvPr/>
+      </p:nvGrpSpPr>
+      <p:grpSpPr>
+        <a:xfrm>
+          <a:off x="0" y="0"/>
+          <a:ext cx="0" cy="0"/>
+          <a:chOff x="0" y="0"/>
+          <a:chExt cx="0" cy="0"/>
+        </a:xfrm>
+      </p:grpSpPr>
+      <p:sp>
+        <p:nvSpPr>
+          <p:cNvPr id="2" name="内容占位符 1"/>
+          <p:cNvSpPr>
+            <a:spLocks noGrp="1"/>
+          </p:cNvSpPr>
+          <p:nvPr>
+            <p:ph sz="quarter" idx="11"/>
+          </p:nvPr>
+        </p:nvSpPr>
+        <p:spPr>
+          <a:xfrm>
+            <a:off x="947420" y="236855"/>
+            <a:ext cx="8415655" cy="490220"/>
+          </a:xfrm>
+        </p:spPr>
+        <p:txBody>
+          <a:bodyPr/>
+          <a:p>
+            <a:r>
+              <a:rPr lang="en-US" altLang="zh-CN" dirty="0">
+                <a:sym typeface="+mn-ea"/>
+              </a:rPr>
+              <a:t>Cocos Creator </a:t>
+            </a:r>
+            <a:r>
+              <a:rPr lang="zh-CN" altLang="en-US" dirty="0">
+                <a:sym typeface="+mn-ea"/>
+              </a:rPr>
+              <a:t>编辑器概览</a:t>
+            </a:r>
+            <a:endParaRPr kumimoji="0" lang="zh-CN" altLang="en-US" dirty="0"/>
+          </a:p>
+          <a:p>
+            <a:endParaRPr kumimoji="0" lang="zh-CN" altLang="en-US" dirty="0"/>
+          </a:p>
+        </p:txBody>
+      </p:sp>
+      <p:pic>
+        <p:nvPicPr>
+          <p:cNvPr id="3" name="图片 2" descr="6.编辑器总览"/>
+          <p:cNvPicPr>
+            <a:picLocks noChangeAspect="1"/>
+          </p:cNvPicPr>
+          <p:nvPr/>
+        </p:nvPicPr>
+        <p:blipFill>
+          <a:blip r:embed="rId1"/>
+          <a:stretch>
+            <a:fillRect/>
+          </a:stretch>
+        </p:blipFill>
+        <p:spPr>
+          <a:xfrm>
+            <a:off x="923290" y="931545"/>
+            <a:ext cx="9455150" cy="5100320"/>
+          </a:xfrm>
+          <a:prstGeom prst="rect">
+            <a:avLst/>
+          </a:prstGeom>
+        </p:spPr>
+      </p:pic>
+      <p:sp>
+        <p:nvSpPr>
+          <p:cNvPr id="4" name="文本框 3"/>
+          <p:cNvSpPr txBox="1"/>
+          <p:nvPr/>
+        </p:nvSpPr>
+        <p:spPr>
+          <a:xfrm>
+            <a:off x="4879340" y="6032500"/>
+            <a:ext cx="6617335" cy="645160"/>
+          </a:xfrm>
+          <a:prstGeom prst="rect">
+            <a:avLst/>
+          </a:prstGeom>
+          <a:noFill/>
+        </p:spPr>
+        <p:txBody>
+          <a:bodyPr wrap="square" rtlCol="0">
+            <a:spAutoFit/>
+          </a:bodyPr>
+          <a:p>
+            <a:r>
+              <a:rPr lang="zh-CN" altLang="en-US" sz="1800"/>
+              <a:t>https://docs.cocos.com/creator/manual/zh/getting-started/basics/editor-overview.html</a:t>
+            </a:r>
+            <a:endParaRPr lang="zh-CN" altLang="en-US" sz="1800"/>
+          </a:p>
+        </p:txBody>
+      </p:sp>
+    </p:spTree>
+  </p:cSld>
+  <p:clrMapOvr>
+    <a:masterClrMapping/>
+  </p:clrMapOvr>
+  <p:timing>
+    <p:tnLst>
+      <p:par>
+        <p:cTn id="1" dur="indefinite" restart="never" nodeType="tmRoot"/>
+      </p:par>
+    </p:tnLst>
+  </p:timing>
 </p:sld>
 </file>
 
